--- a/UnitTestingFrameworks_VH_JN.pptx
+++ b/UnitTestingFrameworks_VH_JN.pptx
@@ -5,7 +5,7 @@
     <p:sldMasterId id="2147483792" r:id="rId1"/>
   </p:sldMasterIdLst>
   <p:notesMasterIdLst>
-    <p:notesMasterId r:id="rId10"/>
+    <p:notesMasterId r:id="rId11"/>
   </p:notesMasterIdLst>
   <p:sldIdLst>
     <p:sldId id="256" r:id="rId2"/>
@@ -16,6 +16,7 @@
     <p:sldId id="262" r:id="rId7"/>
     <p:sldId id="263" r:id="rId8"/>
     <p:sldId id="264" r:id="rId9"/>
+    <p:sldId id="265" r:id="rId10"/>
   </p:sldIdLst>
   <p:sldSz cx="12192000" cy="6858000"/>
   <p:notesSz cx="6858000" cy="9144000"/>
@@ -114,6 +115,11 @@
       </a:defRPr>
     </a:lvl9pPr>
   </p:defaultTextStyle>
+  <p:extLst>
+    <p:ext uri="{EFAFB233-063F-42B5-8137-9DF3F51BA10A}">
+      <p15:sldGuideLst xmlns:p15="http://schemas.microsoft.com/office/powerpoint/2012/main"/>
+    </p:ext>
+  </p:extLst>
 </p:presentation>
 </file>
 
@@ -199,7 +205,7 @@
           <a:p>
             <a:fld id="{C3F13826-1A67-4C2D-8F45-B22AD686F7A2}" type="datetimeFigureOut">
               <a:rPr lang="en-US" smtClean="0"/>
-              <a:t>26-Apr-20</a:t>
+              <a:t>27-Apr-20</a:t>
             </a:fld>
             <a:endParaRPr lang="en-US"/>
           </a:p>
@@ -802,7 +808,7 @@
           <a:p>
             <a:fld id="{8B2AAE93-1203-4CB9-BFE2-D8321679B070}" type="datetimeFigureOut">
               <a:rPr lang="en-US" smtClean="0"/>
-              <a:t>26-Apr-20</a:t>
+              <a:t>27-Apr-20</a:t>
             </a:fld>
             <a:endParaRPr lang="en-US"/>
           </a:p>
@@ -1895,7 +1901,7 @@
           <a:p>
             <a:fld id="{8B2AAE93-1203-4CB9-BFE2-D8321679B070}" type="datetimeFigureOut">
               <a:rPr lang="en-US" smtClean="0"/>
-              <a:t>26-Apr-20</a:t>
+              <a:t>27-Apr-20</a:t>
             </a:fld>
             <a:endParaRPr lang="en-US"/>
           </a:p>
@@ -2875,7 +2881,7 @@
           <a:p>
             <a:fld id="{8B2AAE93-1203-4CB9-BFE2-D8321679B070}" type="datetimeFigureOut">
               <a:rPr lang="en-US" smtClean="0"/>
-              <a:t>26-Apr-20</a:t>
+              <a:t>27-Apr-20</a:t>
             </a:fld>
             <a:endParaRPr lang="en-US"/>
           </a:p>
@@ -4009,7 +4015,7 @@
           <a:p>
             <a:fld id="{8B2AAE93-1203-4CB9-BFE2-D8321679B070}" type="datetimeFigureOut">
               <a:rPr lang="en-US" smtClean="0"/>
-              <a:t>26-Apr-20</a:t>
+              <a:t>27-Apr-20</a:t>
             </a:fld>
             <a:endParaRPr lang="en-US"/>
           </a:p>
@@ -5042,7 +5048,7 @@
           <a:p>
             <a:fld id="{8B2AAE93-1203-4CB9-BFE2-D8321679B070}" type="datetimeFigureOut">
               <a:rPr lang="en-US" smtClean="0"/>
-              <a:t>26-Apr-20</a:t>
+              <a:t>27-Apr-20</a:t>
             </a:fld>
             <a:endParaRPr lang="en-US"/>
           </a:p>
@@ -5702,7 +5708,7 @@
           <a:p>
             <a:fld id="{8B2AAE93-1203-4CB9-BFE2-D8321679B070}" type="datetimeFigureOut">
               <a:rPr lang="en-US" smtClean="0"/>
-              <a:t>26-Apr-20</a:t>
+              <a:t>27-Apr-20</a:t>
             </a:fld>
             <a:endParaRPr lang="en-US"/>
           </a:p>
@@ -6563,7 +6569,7 @@
           <a:p>
             <a:fld id="{8B2AAE93-1203-4CB9-BFE2-D8321679B070}" type="datetimeFigureOut">
               <a:rPr lang="en-US" smtClean="0"/>
-              <a:t>26-Apr-20</a:t>
+              <a:t>27-Apr-20</a:t>
             </a:fld>
             <a:endParaRPr lang="en-US"/>
           </a:p>
@@ -6753,7 +6759,7 @@
           <a:p>
             <a:fld id="{8B2AAE93-1203-4CB9-BFE2-D8321679B070}" type="datetimeFigureOut">
               <a:rPr lang="en-US" smtClean="0"/>
-              <a:t>26-Apr-20</a:t>
+              <a:t>27-Apr-20</a:t>
             </a:fld>
             <a:endParaRPr lang="en-US"/>
           </a:p>
@@ -7725,7 +7731,7 @@
           <a:p>
             <a:fld id="{8B2AAE93-1203-4CB9-BFE2-D8321679B070}" type="datetimeFigureOut">
               <a:rPr lang="en-US" smtClean="0"/>
-              <a:t>26-Apr-20</a:t>
+              <a:t>27-Apr-20</a:t>
             </a:fld>
             <a:endParaRPr lang="en-US"/>
           </a:p>
@@ -7941,7 +7947,7 @@
           <a:p>
             <a:fld id="{8B2AAE93-1203-4CB9-BFE2-D8321679B070}" type="datetimeFigureOut">
               <a:rPr lang="en-US" smtClean="0"/>
-              <a:t>26-Apr-20</a:t>
+              <a:t>27-Apr-20</a:t>
             </a:fld>
             <a:endParaRPr lang="en-US"/>
           </a:p>
@@ -8975,7 +8981,7 @@
           <a:p>
             <a:fld id="{8B2AAE93-1203-4CB9-BFE2-D8321679B070}" type="datetimeFigureOut">
               <a:rPr lang="en-US" smtClean="0"/>
-              <a:t>26-Apr-20</a:t>
+              <a:t>27-Apr-20</a:t>
             </a:fld>
             <a:endParaRPr lang="en-US"/>
           </a:p>
@@ -9252,7 +9258,7 @@
           <a:p>
             <a:fld id="{8B2AAE93-1203-4CB9-BFE2-D8321679B070}" type="datetimeFigureOut">
               <a:rPr lang="en-US" smtClean="0"/>
-              <a:t>26-Apr-20</a:t>
+              <a:t>27-Apr-20</a:t>
             </a:fld>
             <a:endParaRPr lang="en-US"/>
           </a:p>
@@ -9662,7 +9668,7 @@
           <a:p>
             <a:fld id="{8B2AAE93-1203-4CB9-BFE2-D8321679B070}" type="datetimeFigureOut">
               <a:rPr lang="en-US" smtClean="0"/>
-              <a:t>26-Apr-20</a:t>
+              <a:t>27-Apr-20</a:t>
             </a:fld>
             <a:endParaRPr lang="en-US"/>
           </a:p>
@@ -9789,7 +9795,7 @@
           <a:p>
             <a:fld id="{8B2AAE93-1203-4CB9-BFE2-D8321679B070}" type="datetimeFigureOut">
               <a:rPr lang="en-US" smtClean="0"/>
-              <a:t>26-Apr-20</a:t>
+              <a:t>27-Apr-20</a:t>
             </a:fld>
             <a:endParaRPr lang="en-US"/>
           </a:p>
@@ -9884,7 +9890,7 @@
           <a:p>
             <a:fld id="{8B2AAE93-1203-4CB9-BFE2-D8321679B070}" type="datetimeFigureOut">
               <a:rPr lang="en-US" smtClean="0"/>
-              <a:t>26-Apr-20</a:t>
+              <a:t>27-Apr-20</a:t>
             </a:fld>
             <a:endParaRPr lang="en-US"/>
           </a:p>
@@ -10965,7 +10971,7 @@
           <a:p>
             <a:fld id="{8B2AAE93-1203-4CB9-BFE2-D8321679B070}" type="datetimeFigureOut">
               <a:rPr lang="en-US" smtClean="0"/>
-              <a:t>26-Apr-20</a:t>
+              <a:t>27-Apr-20</a:t>
             </a:fld>
             <a:endParaRPr lang="en-US"/>
           </a:p>
@@ -12073,7 +12079,7 @@
           <a:p>
             <a:fld id="{8B2AAE93-1203-4CB9-BFE2-D8321679B070}" type="datetimeFigureOut">
               <a:rPr lang="en-US" smtClean="0"/>
-              <a:t>26-Apr-20</a:t>
+              <a:t>27-Apr-20</a:t>
             </a:fld>
             <a:endParaRPr lang="en-US"/>
           </a:p>
@@ -13070,7 +13076,7 @@
           <a:p>
             <a:fld id="{8B2AAE93-1203-4CB9-BFE2-D8321679B070}" type="datetimeFigureOut">
               <a:rPr lang="en-US" smtClean="0"/>
-              <a:t>26-Apr-20</a:t>
+              <a:t>27-Apr-20</a:t>
             </a:fld>
             <a:endParaRPr lang="en-US"/>
           </a:p>
@@ -14264,7 +14270,6 @@
               <a:rPr lang="en-US" i="1" dirty="0"/>
               <a:t>(code coverage)</a:t>
             </a:r>
-            <a:endParaRPr lang="en-US" i="1" dirty="0"/>
           </a:p>
         </p:txBody>
       </p:sp>
@@ -14280,8 +14285,8 @@
         </p:nvSpPr>
         <p:spPr>
           <a:xfrm>
-            <a:off x="554063" y="2551249"/>
-            <a:ext cx="11163320" cy="3993242"/>
+            <a:off x="418011" y="2551249"/>
+            <a:ext cx="11299372" cy="3993242"/>
           </a:xfrm>
         </p:spPr>
         <p:txBody>
@@ -15160,7 +15165,15 @@
             </a:pPr>
             <a:r>
               <a:rPr lang="sr-Latn-RS" dirty="0" smtClean="0"/>
-              <a:t>Provera da li integracija između implemntiranih funkcija funkcioniše kako je i specifizirano zahtevom</a:t>
+              <a:t>Provera da li integracija između implemntiranih funkcija funkcioniše kako je </a:t>
+            </a:r>
+            <a:r>
+              <a:rPr lang="sr-Latn-RS" smtClean="0"/>
+              <a:t>i specificirano </a:t>
+            </a:r>
+            <a:r>
+              <a:rPr lang="sr-Latn-RS" dirty="0" smtClean="0"/>
+              <a:t>zahtevom</a:t>
             </a:r>
             <a:endParaRPr lang="en-US" dirty="0"/>
           </a:p>
@@ -15460,6 +15473,77 @@
               <a:rPr lang="en-US" dirty="0" err="1" smtClean="0"/>
               <a:t>softvera</a:t>
             </a:r>
+            <a:endParaRPr lang="en-US" dirty="0" smtClean="0"/>
+          </a:p>
+          <a:p>
+            <a:r>
+              <a:rPr lang="sr-Latn-RS" dirty="0"/>
+              <a:t>P</a:t>
+            </a:r>
+            <a:r>
+              <a:rPr lang="en-US" dirty="0" err="1"/>
+              <a:t>išu</a:t>
+            </a:r>
+            <a:r>
+              <a:rPr lang="sr-Latn-RS" dirty="0"/>
+              <a:t> se</a:t>
+            </a:r>
+            <a:r>
+              <a:rPr lang="en-US" dirty="0"/>
+              <a:t> u </a:t>
+            </a:r>
+            <a:r>
+              <a:rPr lang="en-US" dirty="0" err="1"/>
+              <a:t>okviru</a:t>
+            </a:r>
+            <a:r>
+              <a:rPr lang="en-US" dirty="0"/>
+              <a:t> </a:t>
+            </a:r>
+            <a:r>
+              <a:rPr lang="en-US" dirty="0" err="1"/>
+              <a:t>nekog</a:t>
+            </a:r>
+            <a:r>
+              <a:rPr lang="en-US" dirty="0"/>
+              <a:t> </a:t>
+            </a:r>
+            <a:r>
+              <a:rPr lang="en-US" dirty="0" err="1"/>
+              <a:t>okruženja</a:t>
+            </a:r>
+            <a:r>
+              <a:rPr lang="en-US" dirty="0"/>
+              <a:t> =&gt; </a:t>
+            </a:r>
+            <a:r>
+              <a:rPr lang="en-US" dirty="0" err="1"/>
+              <a:t>ceo</a:t>
+            </a:r>
+            <a:r>
+              <a:rPr lang="en-US" dirty="0"/>
+              <a:t> </a:t>
+            </a:r>
+            <a:r>
+              <a:rPr lang="en-US" dirty="0" err="1"/>
+              <a:t>postupak</a:t>
+            </a:r>
+            <a:r>
+              <a:rPr lang="en-US" dirty="0"/>
+              <a:t> </a:t>
+            </a:r>
+            <a:r>
+              <a:rPr lang="en-US" dirty="0" err="1"/>
+              <a:t>testiranja</a:t>
+            </a:r>
+            <a:r>
+              <a:rPr lang="en-US" dirty="0"/>
+              <a:t> je </a:t>
+            </a:r>
+            <a:r>
+              <a:rPr lang="en-US" dirty="0" err="1" smtClean="0"/>
+              <a:t>automatizovan</a:t>
+            </a:r>
             <a:endParaRPr lang="sr-Latn-RS" dirty="0" smtClean="0"/>
           </a:p>
           <a:p>
@@ -15595,91 +15679,8 @@
           </a:p>
           <a:p>
             <a:r>
-              <a:rPr lang="sr-Latn-RS" dirty="0"/>
-              <a:t>P</a:t>
-            </a:r>
-            <a:r>
               <a:rPr lang="en-US" dirty="0" err="1" smtClean="0"/>
-              <a:t>išu</a:t>
-            </a:r>
-            <a:r>
-              <a:rPr lang="sr-Latn-RS" dirty="0" smtClean="0"/>
-              <a:t> se</a:t>
-            </a:r>
-            <a:r>
-              <a:rPr lang="en-US" dirty="0" smtClean="0"/>
-              <a:t> </a:t>
-            </a:r>
-            <a:r>
-              <a:rPr lang="en-US" dirty="0"/>
-              <a:t>u </a:t>
-            </a:r>
-            <a:r>
-              <a:rPr lang="en-US" dirty="0" err="1"/>
-              <a:t>okviru</a:t>
-            </a:r>
-            <a:r>
-              <a:rPr lang="en-US" dirty="0"/>
-              <a:t> </a:t>
-            </a:r>
-            <a:r>
-              <a:rPr lang="en-US" dirty="0" err="1"/>
-              <a:t>nekog</a:t>
-            </a:r>
-            <a:r>
-              <a:rPr lang="en-US" dirty="0"/>
-              <a:t> </a:t>
-            </a:r>
-            <a:r>
-              <a:rPr lang="en-US" dirty="0" err="1" smtClean="0"/>
-              <a:t>okruženja</a:t>
-            </a:r>
-            <a:r>
-              <a:rPr lang="en-US" dirty="0"/>
-              <a:t> </a:t>
-            </a:r>
-            <a:r>
-              <a:rPr lang="en-US" dirty="0" smtClean="0"/>
-              <a:t>=&gt; </a:t>
-            </a:r>
-            <a:r>
-              <a:rPr lang="en-US" dirty="0" err="1" smtClean="0"/>
-              <a:t>ceo</a:t>
-            </a:r>
-            <a:r>
-              <a:rPr lang="en-US" dirty="0" smtClean="0"/>
-              <a:t> </a:t>
-            </a:r>
-            <a:r>
-              <a:rPr lang="en-US" dirty="0" err="1"/>
-              <a:t>postupak</a:t>
-            </a:r>
-            <a:r>
-              <a:rPr lang="en-US" dirty="0"/>
-              <a:t> </a:t>
-            </a:r>
-            <a:r>
-              <a:rPr lang="en-US" dirty="0" err="1"/>
-              <a:t>testiranja</a:t>
-            </a:r>
-            <a:r>
-              <a:rPr lang="en-US" dirty="0"/>
-              <a:t> je </a:t>
-            </a:r>
-            <a:r>
-              <a:rPr lang="en-US" dirty="0" err="1" smtClean="0"/>
-              <a:t>automatizovan</a:t>
-            </a:r>
-            <a:endParaRPr lang="en-US" dirty="0" smtClean="0"/>
-          </a:p>
-          <a:p>
-            <a:r>
-              <a:rPr lang="en-US" dirty="0" err="1"/>
-              <a:t>T</a:t>
-            </a:r>
-            <a:r>
-              <a:rPr lang="en-US" dirty="0" err="1" smtClean="0"/>
-              <a:t>estovi</a:t>
+              <a:t>Testovi</a:t>
             </a:r>
             <a:r>
               <a:rPr lang="en-US" dirty="0" smtClean="0"/>
@@ -15735,7 +15736,7 @@
       </p:sp>
       <p:pic>
         <p:nvPicPr>
-          <p:cNvPr id="4098" name="Picture 2" descr="eat, sleep, code, repeat, unit test, unit testing, programming"/>
+          <p:cNvPr id="6" name="Picture 2" descr="eat, sleep, code, repeat, unit test, unit testing, programming"/>
           <p:cNvPicPr>
             <a:picLocks noChangeAspect="1" noChangeArrowheads="1"/>
           </p:cNvPicPr>
@@ -15756,8 +15757,8 @@
         </p:blipFill>
         <p:spPr bwMode="auto">
           <a:xfrm>
-            <a:off x="7777625" y="4023360"/>
-            <a:ext cx="3887506" cy="2429691"/>
+            <a:off x="7093131" y="3754994"/>
+            <a:ext cx="4572000" cy="2857500"/>
           </a:xfrm>
           <a:prstGeom prst="rect">
             <a:avLst/>
@@ -15772,6 +15773,60 @@
               </a14:hiddenFill>
             </a:ext>
           </a:extLst>
+        </p:spPr>
+      </p:pic>
+      <p:pic>
+        <p:nvPicPr>
+          <p:cNvPr id="3" name="Picture 2"/>
+          <p:cNvPicPr>
+            <a:picLocks noChangeAspect="1"/>
+          </p:cNvPicPr>
+          <p:nvPr/>
+        </p:nvPicPr>
+        <p:blipFill>
+          <a:blip r:embed="rId3"/>
+          <a:stretch>
+            <a:fillRect/>
+          </a:stretch>
+        </p:blipFill>
+        <p:spPr>
+          <a:xfrm>
+            <a:off x="10352025" y="475906"/>
+            <a:ext cx="921780" cy="995524"/>
+          </a:xfrm>
+          <a:prstGeom prst="rect">
+            <a:avLst/>
+          </a:prstGeom>
+        </p:spPr>
+      </p:pic>
+      <p:pic>
+        <p:nvPicPr>
+          <p:cNvPr id="11" name="Picture 10"/>
+          <p:cNvPicPr>
+            <a:picLocks noChangeAspect="1"/>
+          </p:cNvPicPr>
+          <p:nvPr/>
+        </p:nvPicPr>
+        <p:blipFill>
+          <a:blip r:embed="rId4">
+            <a:extLst>
+              <a:ext uri="{28A0092B-C50C-407E-A947-70E740481C1C}">
+                <a14:useLocalDpi xmlns:a14="http://schemas.microsoft.com/office/drawing/2010/main" val="0"/>
+              </a:ext>
+            </a:extLst>
+          </a:blip>
+          <a:stretch>
+            <a:fillRect/>
+          </a:stretch>
+        </p:blipFill>
+        <p:spPr>
+          <a:xfrm>
+            <a:off x="10117454" y="475906"/>
+            <a:ext cx="1547677" cy="1541486"/>
+          </a:xfrm>
+          <a:prstGeom prst="rect">
+            <a:avLst/>
+          </a:prstGeom>
         </p:spPr>
       </p:pic>
     </p:spTree>
@@ -15855,23 +15910,225 @@
           <a:bodyPr/>
           <a:lstStyle/>
           <a:p>
+            <a:pPr>
+              <a:buFont typeface="+mj-lt"/>
+              <a:buAutoNum type="arabicPeriod"/>
+            </a:pPr>
             <a:r>
               <a:rPr lang="sr-Latn-RS" dirty="0" smtClean="0"/>
               <a:t>Poboljšavaju dizajn same implementacije</a:t>
             </a:r>
           </a:p>
           <a:p>
+            <a:pPr>
+              <a:buFont typeface="+mj-lt"/>
+              <a:buAutoNum type="arabicPeriod"/>
+            </a:pPr>
+            <a:r>
+              <a:rPr lang="en-US" dirty="0" err="1" smtClean="0"/>
+              <a:t>Pobolj</a:t>
+            </a:r>
             <a:r>
               <a:rPr lang="sr-Latn-RS" dirty="0" smtClean="0"/>
-              <a:t>Omogućava refaktorisanje koda</a:t>
-            </a:r>
-          </a:p>
-          <a:p>
+              <a:t>šavaju kvalitet koda</a:t>
+            </a:r>
+            <a:endParaRPr lang="sr-Latn-RS" dirty="0" smtClean="0"/>
+          </a:p>
+          <a:p>
+            <a:pPr>
+              <a:buFont typeface="+mj-lt"/>
+              <a:buAutoNum type="arabicPeriod"/>
+            </a:pPr>
             <a:r>
               <a:rPr lang="sr-Latn-RS" dirty="0" smtClean="0"/>
-              <a:t>Omogućava dodadavanje novog koda, a da ne poremeti postojeći</a:t>
-            </a:r>
-          </a:p>
+              <a:t>Pronalaze greške u kodu u ranom razvoju softvera</a:t>
+            </a:r>
+          </a:p>
+          <a:p>
+            <a:pPr>
+              <a:buFont typeface="+mj-lt"/>
+              <a:buAutoNum type="arabicPeriod"/>
+            </a:pPr>
+            <a:r>
+              <a:rPr lang="sr-Latn-RS" dirty="0" smtClean="0"/>
+              <a:t>Olakšavaju izmenu i pojednostavljuju integraciju</a:t>
+            </a:r>
+          </a:p>
+          <a:p>
+            <a:pPr>
+              <a:buFont typeface="+mj-lt"/>
+              <a:buAutoNum type="arabicPeriod"/>
+            </a:pPr>
+            <a:r>
+              <a:rPr lang="sr-Latn-RS" dirty="0" smtClean="0"/>
+              <a:t>Pružaju dobru dokumentaciju sistema</a:t>
+            </a:r>
+          </a:p>
+          <a:p>
+            <a:pPr>
+              <a:buFont typeface="+mj-lt"/>
+              <a:buAutoNum type="arabicPeriod"/>
+            </a:pPr>
+            <a:r>
+              <a:rPr lang="sr-Latn-RS" dirty="0" smtClean="0"/>
+              <a:t>Olakšavaju proces debagovanja</a:t>
+            </a:r>
+          </a:p>
+          <a:p>
+            <a:pPr>
+              <a:buFont typeface="+mj-lt"/>
+              <a:buAutoNum type="arabicPeriod"/>
+            </a:pPr>
+            <a:r>
+              <a:rPr lang="sr-Latn-RS" dirty="0" smtClean="0"/>
+              <a:t>Poboljšavaju dizajn same implementacije</a:t>
+            </a:r>
+          </a:p>
+          <a:p>
+            <a:pPr>
+              <a:buFont typeface="+mj-lt"/>
+              <a:buAutoNum type="arabicPeriod"/>
+            </a:pPr>
+            <a:r>
+              <a:rPr lang="sr-Latn-RS" dirty="0" smtClean="0"/>
+              <a:t>Smanjuju troškove ispravljanja grešaka u kodu</a:t>
+            </a:r>
+            <a:endParaRPr lang="sr-Latn-RS" dirty="0" smtClean="0"/>
+          </a:p>
+          <a:p>
+            <a:endParaRPr lang="en-US" dirty="0"/>
+          </a:p>
+        </p:txBody>
+      </p:sp>
+      <p:pic>
+        <p:nvPicPr>
+          <p:cNvPr id="2050" name="Picture 2" descr="https://www.supinfo.com/articles/resources/214348/5708/0.png"/>
+          <p:cNvPicPr>
+            <a:picLocks noChangeAspect="1" noChangeArrowheads="1"/>
+          </p:cNvPicPr>
+          <p:nvPr/>
+        </p:nvPicPr>
+        <p:blipFill>
+          <a:blip r:embed="rId2">
+            <a:extLst>
+              <a:ext uri="{28A0092B-C50C-407E-A947-70E740481C1C}">
+                <a14:useLocalDpi xmlns:a14="http://schemas.microsoft.com/office/drawing/2010/main" val="0"/>
+              </a:ext>
+            </a:extLst>
+          </a:blip>
+          <a:srcRect/>
+          <a:stretch>
+            <a:fillRect/>
+          </a:stretch>
+        </p:blipFill>
+        <p:spPr bwMode="auto">
+          <a:xfrm>
+            <a:off x="7105014" y="2394493"/>
+            <a:ext cx="3893911" cy="3099758"/>
+          </a:xfrm>
+          <a:prstGeom prst="rect">
+            <a:avLst/>
+          </a:prstGeom>
+          <a:noFill/>
+          <a:extLst>
+            <a:ext uri="{909E8E84-426E-40DD-AFC4-6F175D3DCCD1}">
+              <a14:hiddenFill xmlns:a14="http://schemas.microsoft.com/office/drawing/2010/main">
+                <a:solidFill>
+                  <a:srgbClr val="FFFFFF"/>
+                </a:solidFill>
+              </a14:hiddenFill>
+            </a:ext>
+          </a:extLst>
+        </p:spPr>
+      </p:pic>
+    </p:spTree>
+    <p:extLst>
+      <p:ext uri="{BB962C8B-B14F-4D97-AF65-F5344CB8AC3E}">
+        <p14:creationId xmlns:p14="http://schemas.microsoft.com/office/powerpoint/2010/main" val="3682746723"/>
+      </p:ext>
+    </p:extLst>
+  </p:cSld>
+  <p:clrMapOvr>
+    <a:masterClrMapping/>
+  </p:clrMapOvr>
+  <p:timing>
+    <p:tnLst>
+      <p:par>
+        <p:cTn id="1" dur="indefinite" restart="never" nodeType="tmRoot"/>
+      </p:par>
+    </p:tnLst>
+  </p:timing>
+</p:sld>
+</file>
+
+<file path=ppt/slides/slide9.xml><?xml version="1.0" encoding="utf-8"?>
+<p:sld xmlns:a="http://schemas.openxmlformats.org/drawingml/2006/main" xmlns:r="http://schemas.openxmlformats.org/officeDocument/2006/relationships" xmlns:p="http://schemas.openxmlformats.org/presentationml/2006/main">
+  <p:cSld>
+    <p:spTree>
+      <p:nvGrpSpPr>
+        <p:cNvPr id="1" name=""/>
+        <p:cNvGrpSpPr/>
+        <p:nvPr/>
+      </p:nvGrpSpPr>
+      <p:grpSpPr>
+        <a:xfrm>
+          <a:off x="0" y="0"/>
+          <a:ext cx="0" cy="0"/>
+          <a:chOff x="0" y="0"/>
+          <a:chExt cx="0" cy="0"/>
+        </a:xfrm>
+      </p:grpSpPr>
+      <p:sp>
+        <p:nvSpPr>
+          <p:cNvPr id="2" name="Title 1"/>
+          <p:cNvSpPr>
+            <a:spLocks noGrp="1"/>
+          </p:cNvSpPr>
+          <p:nvPr>
+            <p:ph type="title"/>
+          </p:nvPr>
+        </p:nvSpPr>
+        <p:spPr/>
+        <p:txBody>
+          <a:bodyPr/>
+          <a:lstStyle/>
+          <a:p>
+            <a:pPr algn="ctr"/>
+            <a:r>
+              <a:rPr lang="sr-Latn-RS" dirty="0"/>
+              <a:t>U</a:t>
+            </a:r>
+            <a:r>
+              <a:rPr lang="en-US" dirty="0" smtClean="0"/>
+              <a:t>nit </a:t>
+            </a:r>
+            <a:r>
+              <a:rPr lang="en-US" dirty="0"/>
+              <a:t>testing frameworks</a:t>
+            </a:r>
+            <a:endParaRPr lang="en-US" dirty="0"/>
+          </a:p>
+        </p:txBody>
+      </p:sp>
+      <p:sp>
+        <p:nvSpPr>
+          <p:cNvPr id="3" name="Content Placeholder 2"/>
+          <p:cNvSpPr>
+            <a:spLocks noGrp="1"/>
+          </p:cNvSpPr>
+          <p:nvPr>
+            <p:ph idx="1"/>
+          </p:nvPr>
+        </p:nvSpPr>
+        <p:spPr>
+          <a:xfrm>
+            <a:off x="509451" y="2442754"/>
+            <a:ext cx="11207931" cy="3577046"/>
+          </a:xfrm>
+        </p:spPr>
+        <p:txBody>
+          <a:bodyPr/>
+          <a:lstStyle/>
           <a:p>
             <a:endParaRPr lang="en-US" dirty="0"/>
           </a:p>
@@ -15880,7 +16137,7 @@
     </p:spTree>
     <p:extLst>
       <p:ext uri="{BB962C8B-B14F-4D97-AF65-F5344CB8AC3E}">
-        <p14:creationId xmlns:p14="http://schemas.microsoft.com/office/powerpoint/2010/main" val="3682746723"/>
+        <p14:creationId xmlns:p14="http://schemas.microsoft.com/office/powerpoint/2010/main" val="2888495144"/>
       </p:ext>
     </p:extLst>
   </p:cSld>

--- a/UnitTestingFrameworks_VH_JN.pptx
+++ b/UnitTestingFrameworks_VH_JN.pptx
@@ -5,7 +5,7 @@
     <p:sldMasterId id="2147483792" r:id="rId1"/>
   </p:sldMasterIdLst>
   <p:notesMasterIdLst>
-    <p:notesMasterId r:id="rId11"/>
+    <p:notesMasterId r:id="rId18"/>
   </p:notesMasterIdLst>
   <p:sldIdLst>
     <p:sldId id="256" r:id="rId2"/>
@@ -17,6 +17,13 @@
     <p:sldId id="263" r:id="rId8"/>
     <p:sldId id="264" r:id="rId9"/>
     <p:sldId id="265" r:id="rId10"/>
+    <p:sldId id="267" r:id="rId11"/>
+    <p:sldId id="268" r:id="rId12"/>
+    <p:sldId id="266" r:id="rId13"/>
+    <p:sldId id="269" r:id="rId14"/>
+    <p:sldId id="271" r:id="rId15"/>
+    <p:sldId id="270" r:id="rId16"/>
+    <p:sldId id="272" r:id="rId17"/>
   </p:sldIdLst>
   <p:sldSz cx="12192000" cy="6858000"/>
   <p:notesSz cx="6858000" cy="9144000"/>
@@ -205,7 +212,7 @@
           <a:p>
             <a:fld id="{C3F13826-1A67-4C2D-8F45-B22AD686F7A2}" type="datetimeFigureOut">
               <a:rPr lang="en-US" smtClean="0"/>
-              <a:t>27-Apr-20</a:t>
+              <a:t>04-May-20</a:t>
             </a:fld>
             <a:endParaRPr lang="en-US"/>
           </a:p>
@@ -808,7 +815,7 @@
           <a:p>
             <a:fld id="{8B2AAE93-1203-4CB9-BFE2-D8321679B070}" type="datetimeFigureOut">
               <a:rPr lang="en-US" smtClean="0"/>
-              <a:t>27-Apr-20</a:t>
+              <a:t>04-May-20</a:t>
             </a:fld>
             <a:endParaRPr lang="en-US"/>
           </a:p>
@@ -1901,7 +1908,7 @@
           <a:p>
             <a:fld id="{8B2AAE93-1203-4CB9-BFE2-D8321679B070}" type="datetimeFigureOut">
               <a:rPr lang="en-US" smtClean="0"/>
-              <a:t>27-Apr-20</a:t>
+              <a:t>04-May-20</a:t>
             </a:fld>
             <a:endParaRPr lang="en-US"/>
           </a:p>
@@ -2881,7 +2888,7 @@
           <a:p>
             <a:fld id="{8B2AAE93-1203-4CB9-BFE2-D8321679B070}" type="datetimeFigureOut">
               <a:rPr lang="en-US" smtClean="0"/>
-              <a:t>27-Apr-20</a:t>
+              <a:t>04-May-20</a:t>
             </a:fld>
             <a:endParaRPr lang="en-US"/>
           </a:p>
@@ -4015,7 +4022,7 @@
           <a:p>
             <a:fld id="{8B2AAE93-1203-4CB9-BFE2-D8321679B070}" type="datetimeFigureOut">
               <a:rPr lang="en-US" smtClean="0"/>
-              <a:t>27-Apr-20</a:t>
+              <a:t>04-May-20</a:t>
             </a:fld>
             <a:endParaRPr lang="en-US"/>
           </a:p>
@@ -5048,7 +5055,7 @@
           <a:p>
             <a:fld id="{8B2AAE93-1203-4CB9-BFE2-D8321679B070}" type="datetimeFigureOut">
               <a:rPr lang="en-US" smtClean="0"/>
-              <a:t>27-Apr-20</a:t>
+              <a:t>04-May-20</a:t>
             </a:fld>
             <a:endParaRPr lang="en-US"/>
           </a:p>
@@ -5708,7 +5715,7 @@
           <a:p>
             <a:fld id="{8B2AAE93-1203-4CB9-BFE2-D8321679B070}" type="datetimeFigureOut">
               <a:rPr lang="en-US" smtClean="0"/>
-              <a:t>27-Apr-20</a:t>
+              <a:t>04-May-20</a:t>
             </a:fld>
             <a:endParaRPr lang="en-US"/>
           </a:p>
@@ -6569,7 +6576,7 @@
           <a:p>
             <a:fld id="{8B2AAE93-1203-4CB9-BFE2-D8321679B070}" type="datetimeFigureOut">
               <a:rPr lang="en-US" smtClean="0"/>
-              <a:t>27-Apr-20</a:t>
+              <a:t>04-May-20</a:t>
             </a:fld>
             <a:endParaRPr lang="en-US"/>
           </a:p>
@@ -6759,7 +6766,7 @@
           <a:p>
             <a:fld id="{8B2AAE93-1203-4CB9-BFE2-D8321679B070}" type="datetimeFigureOut">
               <a:rPr lang="en-US" smtClean="0"/>
-              <a:t>27-Apr-20</a:t>
+              <a:t>04-May-20</a:t>
             </a:fld>
             <a:endParaRPr lang="en-US"/>
           </a:p>
@@ -7731,7 +7738,7 @@
           <a:p>
             <a:fld id="{8B2AAE93-1203-4CB9-BFE2-D8321679B070}" type="datetimeFigureOut">
               <a:rPr lang="en-US" smtClean="0"/>
-              <a:t>27-Apr-20</a:t>
+              <a:t>04-May-20</a:t>
             </a:fld>
             <a:endParaRPr lang="en-US"/>
           </a:p>
@@ -7947,7 +7954,7 @@
           <a:p>
             <a:fld id="{8B2AAE93-1203-4CB9-BFE2-D8321679B070}" type="datetimeFigureOut">
               <a:rPr lang="en-US" smtClean="0"/>
-              <a:t>27-Apr-20</a:t>
+              <a:t>04-May-20</a:t>
             </a:fld>
             <a:endParaRPr lang="en-US"/>
           </a:p>
@@ -8981,7 +8988,7 @@
           <a:p>
             <a:fld id="{8B2AAE93-1203-4CB9-BFE2-D8321679B070}" type="datetimeFigureOut">
               <a:rPr lang="en-US" smtClean="0"/>
-              <a:t>27-Apr-20</a:t>
+              <a:t>04-May-20</a:t>
             </a:fld>
             <a:endParaRPr lang="en-US"/>
           </a:p>
@@ -9258,7 +9265,7 @@
           <a:p>
             <a:fld id="{8B2AAE93-1203-4CB9-BFE2-D8321679B070}" type="datetimeFigureOut">
               <a:rPr lang="en-US" smtClean="0"/>
-              <a:t>27-Apr-20</a:t>
+              <a:t>04-May-20</a:t>
             </a:fld>
             <a:endParaRPr lang="en-US"/>
           </a:p>
@@ -9668,7 +9675,7 @@
           <a:p>
             <a:fld id="{8B2AAE93-1203-4CB9-BFE2-D8321679B070}" type="datetimeFigureOut">
               <a:rPr lang="en-US" smtClean="0"/>
-              <a:t>27-Apr-20</a:t>
+              <a:t>04-May-20</a:t>
             </a:fld>
             <a:endParaRPr lang="en-US"/>
           </a:p>
@@ -9795,7 +9802,7 @@
           <a:p>
             <a:fld id="{8B2AAE93-1203-4CB9-BFE2-D8321679B070}" type="datetimeFigureOut">
               <a:rPr lang="en-US" smtClean="0"/>
-              <a:t>27-Apr-20</a:t>
+              <a:t>04-May-20</a:t>
             </a:fld>
             <a:endParaRPr lang="en-US"/>
           </a:p>
@@ -9890,7 +9897,7 @@
           <a:p>
             <a:fld id="{8B2AAE93-1203-4CB9-BFE2-D8321679B070}" type="datetimeFigureOut">
               <a:rPr lang="en-US" smtClean="0"/>
-              <a:t>27-Apr-20</a:t>
+              <a:t>04-May-20</a:t>
             </a:fld>
             <a:endParaRPr lang="en-US"/>
           </a:p>
@@ -10971,7 +10978,7 @@
           <a:p>
             <a:fld id="{8B2AAE93-1203-4CB9-BFE2-D8321679B070}" type="datetimeFigureOut">
               <a:rPr lang="en-US" smtClean="0"/>
-              <a:t>27-Apr-20</a:t>
+              <a:t>04-May-20</a:t>
             </a:fld>
             <a:endParaRPr lang="en-US"/>
           </a:p>
@@ -12079,7 +12086,7 @@
           <a:p>
             <a:fld id="{8B2AAE93-1203-4CB9-BFE2-D8321679B070}" type="datetimeFigureOut">
               <a:rPr lang="en-US" smtClean="0"/>
-              <a:t>27-Apr-20</a:t>
+              <a:t>04-May-20</a:t>
             </a:fld>
             <a:endParaRPr lang="en-US"/>
           </a:p>
@@ -13076,7 +13083,7 @@
           <a:p>
             <a:fld id="{8B2AAE93-1203-4CB9-BFE2-D8321679B070}" type="datetimeFigureOut">
               <a:rPr lang="en-US" smtClean="0"/>
-              <a:t>27-Apr-20</a:t>
+              <a:t>04-May-20</a:t>
             </a:fld>
             <a:endParaRPr lang="en-US"/>
           </a:p>
@@ -13652,8 +13659,8 @@
         </p:nvSpPr>
         <p:spPr>
           <a:xfrm>
-            <a:off x="1481525" y="1449976"/>
-            <a:ext cx="9478211" cy="1240973"/>
+            <a:off x="1285582" y="1804799"/>
+            <a:ext cx="9478211" cy="2008309"/>
           </a:xfrm>
         </p:spPr>
         <p:txBody>
@@ -13671,12 +13678,16 @@
               <a:rPr lang="en-US" dirty="0"/>
             </a:br>
             <a:r>
-              <a:rPr lang="en-US" sz="6700" b="1" dirty="0"/>
-              <a:t>U</a:t>
-            </a:r>
-            <a:r>
               <a:rPr lang="en-US" sz="6700" b="1" dirty="0" smtClean="0"/>
-              <a:t>nit </a:t>
+              <a:t>Angular</a:t>
+            </a:r>
+            <a:r>
+              <a:rPr lang="en-US" sz="6700" dirty="0" smtClean="0"/>
+              <a:t> </a:t>
+            </a:r>
+            <a:r>
+              <a:rPr lang="en-US" sz="6700" b="1" dirty="0" smtClean="0"/>
+              <a:t>Unit </a:t>
             </a:r>
             <a:r>
               <a:rPr lang="en-US" sz="6700" b="1" dirty="0"/>
@@ -13702,28 +13713,22 @@
         </p:nvSpPr>
         <p:spPr>
           <a:xfrm>
-            <a:off x="7393577" y="2808954"/>
-            <a:ext cx="3069772" cy="590321"/>
+            <a:off x="3790938" y="3783867"/>
+            <a:ext cx="4101738" cy="590321"/>
           </a:xfrm>
         </p:spPr>
         <p:txBody>
-          <a:bodyPr/>
+          <a:bodyPr>
+            <a:noAutofit/>
+          </a:bodyPr>
           <a:lstStyle/>
           <a:p>
             <a:pPr algn="r"/>
             <a:r>
-              <a:rPr lang="en-US" dirty="0" err="1" smtClean="0"/>
-              <a:t>Primena</a:t>
-            </a:r>
-            <a:r>
-              <a:rPr lang="en-US" dirty="0" smtClean="0"/>
-              <a:t> u angular-</a:t>
-            </a:r>
-            <a:r>
-              <a:rPr lang="en-US" sz="1200" dirty="0" smtClean="0"/>
-              <a:t>u</a:t>
-            </a:r>
-            <a:endParaRPr lang="en-US" dirty="0"/>
+              <a:rPr lang="en-US" sz="3200" dirty="0" smtClean="0"/>
+              <a:t>Karma &amp; Jasmine</a:t>
+            </a:r>
+            <a:endParaRPr lang="en-US" sz="3200" dirty="0"/>
           </a:p>
         </p:txBody>
       </p:sp>
@@ -13832,6 +13837,1224 @@
       </p:par>
     </p:tnLst>
   </p:timing>
+</p:sld>
+</file>
+
+<file path=ppt/slides/slide10.xml><?xml version="1.0" encoding="utf-8"?>
+<p:sld xmlns:a="http://schemas.openxmlformats.org/drawingml/2006/main" xmlns:r="http://schemas.openxmlformats.org/officeDocument/2006/relationships" xmlns:p="http://schemas.openxmlformats.org/presentationml/2006/main">
+  <p:cSld>
+    <p:spTree>
+      <p:nvGrpSpPr>
+        <p:cNvPr id="1" name=""/>
+        <p:cNvGrpSpPr/>
+        <p:nvPr/>
+      </p:nvGrpSpPr>
+      <p:grpSpPr>
+        <a:xfrm>
+          <a:off x="0" y="0"/>
+          <a:ext cx="0" cy="0"/>
+          <a:chOff x="0" y="0"/>
+          <a:chExt cx="0" cy="0"/>
+        </a:xfrm>
+      </p:grpSpPr>
+      <p:sp>
+        <p:nvSpPr>
+          <p:cNvPr id="2" name="Title 1"/>
+          <p:cNvSpPr>
+            <a:spLocks noGrp="1"/>
+          </p:cNvSpPr>
+          <p:nvPr>
+            <p:ph type="title"/>
+          </p:nvPr>
+        </p:nvSpPr>
+        <p:spPr>
+          <a:xfrm>
+            <a:off x="1236840" y="968861"/>
+            <a:ext cx="8761413" cy="706964"/>
+          </a:xfrm>
+        </p:spPr>
+        <p:txBody>
+          <a:bodyPr/>
+          <a:lstStyle/>
+          <a:p>
+            <a:pPr algn="ctr"/>
+            <a:r>
+              <a:rPr lang="sr-Latn-RS" dirty="0" smtClean="0"/>
+              <a:t> </a:t>
+            </a:r>
+            <a:endParaRPr lang="en-US" dirty="0"/>
+          </a:p>
+        </p:txBody>
+      </p:sp>
+      <p:sp>
+        <p:nvSpPr>
+          <p:cNvPr id="3" name="Content Placeholder 2"/>
+          <p:cNvSpPr>
+            <a:spLocks noGrp="1"/>
+          </p:cNvSpPr>
+          <p:nvPr>
+            <p:ph idx="1"/>
+          </p:nvPr>
+        </p:nvSpPr>
+        <p:spPr>
+          <a:xfrm>
+            <a:off x="475684" y="2407557"/>
+            <a:ext cx="11450157" cy="4136934"/>
+          </a:xfrm>
+        </p:spPr>
+        <p:txBody>
+          <a:bodyPr>
+            <a:normAutofit lnSpcReduction="10000"/>
+          </a:bodyPr>
+          <a:lstStyle/>
+          <a:p>
+            <a:r>
+              <a:rPr lang="sr-Latn-RS" i="1" dirty="0" smtClean="0"/>
+              <a:t>Test runner tool </a:t>
+            </a:r>
+            <a:r>
+              <a:rPr lang="sr-Latn-RS" dirty="0" smtClean="0"/>
+              <a:t>za Angular aplikacije</a:t>
+            </a:r>
+          </a:p>
+          <a:p>
+            <a:r>
+              <a:rPr lang="sr-Latn-RS" dirty="0" smtClean="0"/>
+              <a:t>Priža mogućnost da pokreće testove pisane u različitim framework-ima (</a:t>
+            </a:r>
+            <a:r>
+              <a:rPr lang="sr-Latn-RS" i="1" dirty="0" smtClean="0"/>
+              <a:t>Jasmine, Mocha, QUnit</a:t>
+            </a:r>
+            <a:r>
+              <a:rPr lang="sr-Latn-RS" dirty="0" smtClean="0"/>
+              <a:t>)</a:t>
+            </a:r>
+            <a:endParaRPr lang="en-US" dirty="0" smtClean="0"/>
+          </a:p>
+          <a:p>
+            <a:r>
+              <a:rPr lang="en-US" dirty="0" smtClean="0"/>
+              <a:t>I</a:t>
+            </a:r>
+            <a:r>
+              <a:rPr lang="sr-Latn-RS" dirty="0" smtClean="0"/>
+              <a:t>zvršavaju testove na:</a:t>
+            </a:r>
+          </a:p>
+          <a:p>
+            <a:pPr lvl="1"/>
+            <a:r>
+              <a:rPr lang="sr-Latn-RS" dirty="0" smtClean="0"/>
+              <a:t>browser-ima </a:t>
+            </a:r>
+            <a:r>
+              <a:rPr lang="sr-Latn-RS" dirty="0" smtClean="0"/>
+              <a:t>(</a:t>
+            </a:r>
+            <a:r>
+              <a:rPr lang="en-US" i="1" dirty="0"/>
+              <a:t>Chrome, Firefox, Safari, IE </a:t>
+            </a:r>
+            <a:r>
+              <a:rPr lang="en-US" dirty="0" err="1" smtClean="0"/>
+              <a:t>ili</a:t>
+            </a:r>
+            <a:r>
+              <a:rPr lang="en-US" i="1" dirty="0" smtClean="0"/>
+              <a:t> </a:t>
+            </a:r>
+            <a:r>
+              <a:rPr lang="en-US" i="1" dirty="0"/>
+              <a:t>Opera</a:t>
+            </a:r>
+            <a:r>
+              <a:rPr lang="sr-Latn-RS" dirty="0" smtClean="0"/>
+              <a:t>)</a:t>
+            </a:r>
+            <a:endParaRPr lang="sr-Latn-RS" dirty="0" smtClean="0"/>
+          </a:p>
+          <a:p>
+            <a:pPr lvl="1"/>
+            <a:r>
+              <a:rPr lang="en-US" dirty="0" smtClean="0"/>
+              <a:t>headless</a:t>
+            </a:r>
+            <a:r>
+              <a:rPr lang="en-US" dirty="0"/>
+              <a:t> </a:t>
+            </a:r>
+            <a:r>
+              <a:rPr lang="sr-Latn-RS" dirty="0" smtClean="0"/>
+              <a:t>okruženjima (</a:t>
+            </a:r>
+            <a:r>
+              <a:rPr lang="en-US" i="1" dirty="0" err="1"/>
+              <a:t>PhantomJS</a:t>
+            </a:r>
+            <a:r>
+              <a:rPr lang="sr-Latn-RS" dirty="0" smtClean="0"/>
+              <a:t>)</a:t>
+            </a:r>
+          </a:p>
+          <a:p>
+            <a:pPr lvl="1"/>
+            <a:r>
+              <a:rPr lang="sr-Latn-RS" dirty="0"/>
+              <a:t>u</a:t>
+            </a:r>
+            <a:r>
+              <a:rPr lang="sr-Latn-RS" dirty="0" smtClean="0"/>
+              <a:t>ređajima (mobilni, tableti)</a:t>
+            </a:r>
+          </a:p>
+          <a:p>
+            <a:r>
+              <a:rPr lang="sr-Latn-RS" dirty="0" smtClean="0"/>
+              <a:t>Može automatski da pokreće testove svaki put kad detektuje promeu u fajlovima</a:t>
+            </a:r>
+          </a:p>
+          <a:p>
+            <a:r>
+              <a:rPr lang="sr-Latn-RS" dirty="0" smtClean="0"/>
+              <a:t>Podržava debagovanje </a:t>
+            </a:r>
+            <a:r>
+              <a:rPr lang="sr-Latn-RS" i="1" dirty="0" smtClean="0"/>
+              <a:t>u </a:t>
+            </a:r>
+            <a:r>
+              <a:rPr lang="en-US" i="1" dirty="0"/>
+              <a:t>Google Chrome</a:t>
+            </a:r>
+            <a:r>
+              <a:rPr lang="sr-Latn-RS" i="1" dirty="0" smtClean="0"/>
+              <a:t> </a:t>
+            </a:r>
+            <a:r>
+              <a:rPr lang="sr-Latn-RS" dirty="0" smtClean="0"/>
+              <a:t>ili IDE (</a:t>
+            </a:r>
+            <a:r>
+              <a:rPr lang="sr-Latn-RS" i="1" dirty="0" smtClean="0"/>
+              <a:t>WebStorm</a:t>
+            </a:r>
+            <a:r>
+              <a:rPr lang="sr-Latn-RS" dirty="0" smtClean="0"/>
+              <a:t>)</a:t>
+            </a:r>
+          </a:p>
+          <a:p>
+            <a:r>
+              <a:rPr lang="sr-Latn-RS" dirty="0" smtClean="0"/>
+              <a:t>Interakcija: </a:t>
+            </a:r>
+          </a:p>
+          <a:p>
+            <a:pPr lvl="1"/>
+            <a:r>
+              <a:rPr lang="sr-Latn-RS" dirty="0" smtClean="0"/>
+              <a:t>Terminal (				  )</a:t>
+            </a:r>
+          </a:p>
+          <a:p>
+            <a:pPr lvl="1"/>
+            <a:r>
+              <a:rPr lang="sr-Latn-RS" dirty="0" smtClean="0"/>
+              <a:t>IDE</a:t>
+            </a:r>
+          </a:p>
+        </p:txBody>
+      </p:sp>
+      <p:pic>
+        <p:nvPicPr>
+          <p:cNvPr id="6" name="Picture 2" descr="Faster Karma test runs that work in VSTS with Chrome headless ..."/>
+          <p:cNvPicPr>
+            <a:picLocks noChangeAspect="1" noChangeArrowheads="1"/>
+          </p:cNvPicPr>
+          <p:nvPr/>
+        </p:nvPicPr>
+        <p:blipFill>
+          <a:blip r:embed="rId2">
+            <a:extLst>
+              <a:ext uri="{28A0092B-C50C-407E-A947-70E740481C1C}">
+                <a14:useLocalDpi xmlns:a14="http://schemas.microsoft.com/office/drawing/2010/main" val="0"/>
+              </a:ext>
+            </a:extLst>
+          </a:blip>
+          <a:srcRect/>
+          <a:stretch>
+            <a:fillRect/>
+          </a:stretch>
+        </p:blipFill>
+        <p:spPr bwMode="auto">
+          <a:xfrm>
+            <a:off x="3917785" y="783872"/>
+            <a:ext cx="3946814" cy="1076942"/>
+          </a:xfrm>
+          <a:prstGeom prst="rect">
+            <a:avLst/>
+          </a:prstGeom>
+          <a:noFill/>
+          <a:extLst>
+            <a:ext uri="{909E8E84-426E-40DD-AFC4-6F175D3DCCD1}">
+              <a14:hiddenFill xmlns:a14="http://schemas.microsoft.com/office/drawing/2010/main">
+                <a:solidFill>
+                  <a:srgbClr val="FFFFFF"/>
+                </a:solidFill>
+              </a14:hiddenFill>
+            </a:ext>
+          </a:extLst>
+        </p:spPr>
+      </p:pic>
+      <p:sp>
+        <p:nvSpPr>
+          <p:cNvPr id="7" name="AutoShape 4" descr="Install WebStorm for Linux using the Snap Store | Snapcraft"/>
+          <p:cNvSpPr>
+            <a:spLocks noChangeAspect="1" noChangeArrowheads="1"/>
+          </p:cNvSpPr>
+          <p:nvPr/>
+        </p:nvSpPr>
+        <p:spPr bwMode="auto">
+          <a:xfrm>
+            <a:off x="155575" y="-144463"/>
+            <a:ext cx="304800" cy="304801"/>
+          </a:xfrm>
+          <a:prstGeom prst="rect">
+            <a:avLst/>
+          </a:prstGeom>
+          <a:noFill/>
+          <a:extLst>
+            <a:ext uri="{909E8E84-426E-40DD-AFC4-6F175D3DCCD1}">
+              <a14:hiddenFill xmlns:a14="http://schemas.microsoft.com/office/drawing/2010/main">
+                <a:solidFill>
+                  <a:srgbClr val="FFFFFF"/>
+                </a:solidFill>
+              </a14:hiddenFill>
+            </a:ext>
+          </a:extLst>
+        </p:spPr>
+        <p:txBody>
+          <a:bodyPr vert="horz" wrap="square" lIns="91440" tIns="45720" rIns="91440" bIns="45720" numCol="1" anchor="t" anchorCtr="0" compatLnSpc="1">
+            <a:prstTxWarp prst="textNoShape">
+              <a:avLst/>
+            </a:prstTxWarp>
+          </a:bodyPr>
+          <a:lstStyle/>
+          <a:p>
+            <a:endParaRPr lang="en-US"/>
+          </a:p>
+        </p:txBody>
+      </p:sp>
+      <p:pic>
+        <p:nvPicPr>
+          <p:cNvPr id="1030" name="Picture 6" descr="JetBrains WebStorm (@WebStormIDE) | Twitter"/>
+          <p:cNvPicPr>
+            <a:picLocks noChangeAspect="1" noChangeArrowheads="1"/>
+          </p:cNvPicPr>
+          <p:nvPr/>
+        </p:nvPicPr>
+        <p:blipFill>
+          <a:blip r:embed="rId3">
+            <a:extLst>
+              <a:ext uri="{28A0092B-C50C-407E-A947-70E740481C1C}">
+                <a14:useLocalDpi xmlns:a14="http://schemas.microsoft.com/office/drawing/2010/main" val="0"/>
+              </a:ext>
+            </a:extLst>
+          </a:blip>
+          <a:srcRect/>
+          <a:stretch>
+            <a:fillRect/>
+          </a:stretch>
+        </p:blipFill>
+        <p:spPr bwMode="auto">
+          <a:xfrm>
+            <a:off x="10246268" y="4995547"/>
+            <a:ext cx="1679573" cy="1679573"/>
+          </a:xfrm>
+          <a:prstGeom prst="rect">
+            <a:avLst/>
+          </a:prstGeom>
+          <a:noFill/>
+          <a:extLst>
+            <a:ext uri="{909E8E84-426E-40DD-AFC4-6F175D3DCCD1}">
+              <a14:hiddenFill xmlns:a14="http://schemas.microsoft.com/office/drawing/2010/main">
+                <a:solidFill>
+                  <a:srgbClr val="FFFFFF"/>
+                </a:solidFill>
+              </a14:hiddenFill>
+            </a:ext>
+          </a:extLst>
+        </p:spPr>
+      </p:pic>
+      <p:pic>
+        <p:nvPicPr>
+          <p:cNvPr id="12" name="Picture 8" descr="Buzzvil | [Tech Blog] Scaling PhantomJS With Ghost Town"/>
+          <p:cNvPicPr>
+            <a:picLocks noChangeAspect="1" noChangeArrowheads="1"/>
+          </p:cNvPicPr>
+          <p:nvPr/>
+        </p:nvPicPr>
+        <p:blipFill>
+          <a:blip r:embed="rId4" cstate="print">
+            <a:extLst>
+              <a:ext uri="{28A0092B-C50C-407E-A947-70E740481C1C}">
+                <a14:useLocalDpi xmlns:a14="http://schemas.microsoft.com/office/drawing/2010/main" val="0"/>
+              </a:ext>
+            </a:extLst>
+          </a:blip>
+          <a:srcRect/>
+          <a:stretch>
+            <a:fillRect/>
+          </a:stretch>
+        </p:blipFill>
+        <p:spPr bwMode="auto">
+          <a:xfrm>
+            <a:off x="9946929" y="3386834"/>
+            <a:ext cx="2245071" cy="1753962"/>
+          </a:xfrm>
+          <a:prstGeom prst="rect">
+            <a:avLst/>
+          </a:prstGeom>
+          <a:noFill/>
+          <a:extLst>
+            <a:ext uri="{909E8E84-426E-40DD-AFC4-6F175D3DCCD1}">
+              <a14:hiddenFill xmlns:a14="http://schemas.microsoft.com/office/drawing/2010/main">
+                <a:solidFill>
+                  <a:srgbClr val="FFFFFF"/>
+                </a:solidFill>
+              </a14:hiddenFill>
+            </a:ext>
+          </a:extLst>
+        </p:spPr>
+      </p:pic>
+      <p:pic>
+        <p:nvPicPr>
+          <p:cNvPr id="9" name="Picture 8"/>
+          <p:cNvPicPr>
+            <a:picLocks noChangeAspect="1"/>
+          </p:cNvPicPr>
+          <p:nvPr/>
+        </p:nvPicPr>
+        <p:blipFill>
+          <a:blip r:embed="rId5"/>
+          <a:stretch>
+            <a:fillRect/>
+          </a:stretch>
+        </p:blipFill>
+        <p:spPr>
+          <a:xfrm>
+            <a:off x="2285617" y="5716254"/>
+            <a:ext cx="1562318" cy="238158"/>
+          </a:xfrm>
+          <a:prstGeom prst="rect">
+            <a:avLst/>
+          </a:prstGeom>
+        </p:spPr>
+      </p:pic>
+    </p:spTree>
+    <p:extLst>
+      <p:ext uri="{BB962C8B-B14F-4D97-AF65-F5344CB8AC3E}">
+        <p14:creationId xmlns:p14="http://schemas.microsoft.com/office/powerpoint/2010/main" val="3807163913"/>
+      </p:ext>
+    </p:extLst>
+  </p:cSld>
+  <p:clrMapOvr>
+    <a:masterClrMapping/>
+  </p:clrMapOvr>
+  <p:timing>
+    <p:tnLst>
+      <p:par>
+        <p:cTn id="1" dur="indefinite" restart="never" nodeType="tmRoot"/>
+      </p:par>
+    </p:tnLst>
+  </p:timing>
+</p:sld>
+</file>
+
+<file path=ppt/slides/slide11.xml><?xml version="1.0" encoding="utf-8"?>
+<p:sld xmlns:a="http://schemas.openxmlformats.org/drawingml/2006/main" xmlns:r="http://schemas.openxmlformats.org/officeDocument/2006/relationships" xmlns:p="http://schemas.openxmlformats.org/presentationml/2006/main">
+  <p:cSld>
+    <p:spTree>
+      <p:nvGrpSpPr>
+        <p:cNvPr id="1" name=""/>
+        <p:cNvGrpSpPr/>
+        <p:nvPr/>
+      </p:nvGrpSpPr>
+      <p:grpSpPr>
+        <a:xfrm>
+          <a:off x="0" y="0"/>
+          <a:ext cx="0" cy="0"/>
+          <a:chOff x="0" y="0"/>
+          <a:chExt cx="0" cy="0"/>
+        </a:xfrm>
+      </p:grpSpPr>
+      <p:sp>
+        <p:nvSpPr>
+          <p:cNvPr id="2" name="Title 1"/>
+          <p:cNvSpPr>
+            <a:spLocks noGrp="1"/>
+          </p:cNvSpPr>
+          <p:nvPr>
+            <p:ph type="title"/>
+          </p:nvPr>
+        </p:nvSpPr>
+        <p:spPr/>
+        <p:txBody>
+          <a:bodyPr/>
+          <a:lstStyle/>
+          <a:p>
+            <a:pPr algn="ctr"/>
+            <a:r>
+              <a:rPr lang="sr-Latn-RS" dirty="0" smtClean="0"/>
+              <a:t> </a:t>
+            </a:r>
+            <a:endParaRPr lang="en-US" dirty="0"/>
+          </a:p>
+        </p:txBody>
+      </p:sp>
+      <p:sp>
+        <p:nvSpPr>
+          <p:cNvPr id="3" name="Content Placeholder 2"/>
+          <p:cNvSpPr>
+            <a:spLocks noGrp="1"/>
+          </p:cNvSpPr>
+          <p:nvPr>
+            <p:ph idx="1"/>
+          </p:nvPr>
+        </p:nvSpPr>
+        <p:spPr>
+          <a:xfrm>
+            <a:off x="496388" y="2534194"/>
+            <a:ext cx="11181805" cy="4036423"/>
+          </a:xfrm>
+        </p:spPr>
+        <p:txBody>
+          <a:bodyPr/>
+          <a:lstStyle/>
+          <a:p>
+            <a:r>
+              <a:rPr lang="en-US" i="1" dirty="0"/>
+              <a:t>JavaScript testing </a:t>
+            </a:r>
+            <a:r>
+              <a:rPr lang="en-US" i="1" dirty="0" smtClean="0"/>
+              <a:t>framework</a:t>
+            </a:r>
+            <a:r>
+              <a:rPr lang="sr-Latn-RS" dirty="0" smtClean="0"/>
+              <a:t> koji podržava </a:t>
+            </a:r>
+            <a:r>
+              <a:rPr lang="sr-Latn-RS" i="1" dirty="0" smtClean="0"/>
+              <a:t>Behaviour-Driven Development (BDD)</a:t>
+            </a:r>
+          </a:p>
+          <a:p>
+            <a:r>
+              <a:rPr lang="sr-Latn-RS" dirty="0" smtClean="0"/>
+              <a:t>Podržava testiranje za Frontend i Backend</a:t>
+            </a:r>
+          </a:p>
+          <a:p>
+            <a:r>
+              <a:rPr lang="sr-Latn-RS" dirty="0" smtClean="0"/>
+              <a:t>Ne zahteva DOM</a:t>
+            </a:r>
+          </a:p>
+          <a:p>
+            <a:r>
+              <a:rPr lang="sr-Latn-RS" dirty="0" smtClean="0"/>
+              <a:t>Jednostavna sintaksa</a:t>
+            </a:r>
+          </a:p>
+          <a:p>
+            <a:r>
+              <a:rPr lang="sr-Latn-RS" dirty="0" smtClean="0"/>
+              <a:t>Nema test runner </a:t>
+            </a:r>
+          </a:p>
+          <a:p>
+            <a:endParaRPr lang="en-US" dirty="0"/>
+          </a:p>
+        </p:txBody>
+      </p:sp>
+      <p:pic>
+        <p:nvPicPr>
+          <p:cNvPr id="12" name="Picture 11"/>
+          <p:cNvPicPr>
+            <a:picLocks noChangeAspect="1"/>
+          </p:cNvPicPr>
+          <p:nvPr/>
+        </p:nvPicPr>
+        <p:blipFill>
+          <a:blip r:embed="rId2">
+            <a:extLst>
+              <a:ext uri="{28A0092B-C50C-407E-A947-70E740481C1C}">
+                <a14:useLocalDpi xmlns:a14="http://schemas.microsoft.com/office/drawing/2010/main" val="0"/>
+              </a:ext>
+            </a:extLst>
+          </a:blip>
+          <a:stretch>
+            <a:fillRect/>
+          </a:stretch>
+        </p:blipFill>
+        <p:spPr>
+          <a:xfrm>
+            <a:off x="3838842" y="826352"/>
+            <a:ext cx="4011935" cy="1096319"/>
+          </a:xfrm>
+          <a:prstGeom prst="rect">
+            <a:avLst/>
+          </a:prstGeom>
+        </p:spPr>
+      </p:pic>
+      <p:pic>
+        <p:nvPicPr>
+          <p:cNvPr id="13" name="Picture 12"/>
+          <p:cNvPicPr>
+            <a:picLocks noChangeAspect="1"/>
+          </p:cNvPicPr>
+          <p:nvPr/>
+        </p:nvPicPr>
+        <p:blipFill>
+          <a:blip r:embed="rId3"/>
+          <a:stretch>
+            <a:fillRect/>
+          </a:stretch>
+        </p:blipFill>
+        <p:spPr>
+          <a:xfrm>
+            <a:off x="4840072" y="4035699"/>
+            <a:ext cx="6021410" cy="1868713"/>
+          </a:xfrm>
+          <a:prstGeom prst="rect">
+            <a:avLst/>
+          </a:prstGeom>
+        </p:spPr>
+      </p:pic>
+    </p:spTree>
+    <p:extLst>
+      <p:ext uri="{BB962C8B-B14F-4D97-AF65-F5344CB8AC3E}">
+        <p14:creationId xmlns:p14="http://schemas.microsoft.com/office/powerpoint/2010/main" val="2079934294"/>
+      </p:ext>
+    </p:extLst>
+  </p:cSld>
+  <p:clrMapOvr>
+    <a:masterClrMapping/>
+  </p:clrMapOvr>
+  <p:timing>
+    <p:tnLst>
+      <p:par>
+        <p:cTn id="1" dur="indefinite" restart="never" nodeType="tmRoot"/>
+      </p:par>
+    </p:tnLst>
+  </p:timing>
+</p:sld>
+</file>
+
+<file path=ppt/slides/slide12.xml><?xml version="1.0" encoding="utf-8"?>
+<p:sld xmlns:a="http://schemas.openxmlformats.org/drawingml/2006/main" xmlns:r="http://schemas.openxmlformats.org/officeDocument/2006/relationships" xmlns:p="http://schemas.openxmlformats.org/presentationml/2006/main">
+  <p:cSld>
+    <p:spTree>
+      <p:nvGrpSpPr>
+        <p:cNvPr id="1" name=""/>
+        <p:cNvGrpSpPr/>
+        <p:nvPr/>
+      </p:nvGrpSpPr>
+      <p:grpSpPr>
+        <a:xfrm>
+          <a:off x="0" y="0"/>
+          <a:ext cx="0" cy="0"/>
+          <a:chOff x="0" y="0"/>
+          <a:chExt cx="0" cy="0"/>
+        </a:xfrm>
+      </p:grpSpPr>
+      <p:sp>
+        <p:nvSpPr>
+          <p:cNvPr id="2" name="Title 1"/>
+          <p:cNvSpPr>
+            <a:spLocks noGrp="1"/>
+          </p:cNvSpPr>
+          <p:nvPr>
+            <p:ph type="title"/>
+          </p:nvPr>
+        </p:nvSpPr>
+        <p:spPr/>
+        <p:txBody>
+          <a:bodyPr/>
+          <a:lstStyle/>
+          <a:p>
+            <a:pPr algn="ctr"/>
+            <a:r>
+              <a:rPr lang="sr-Latn-RS" dirty="0" smtClean="0"/>
+              <a:t>Angular - </a:t>
+            </a:r>
+            <a:r>
+              <a:rPr lang="en-US" dirty="0" smtClean="0"/>
+              <a:t>Karma </a:t>
+            </a:r>
+            <a:r>
+              <a:rPr lang="sr-Latn-RS" dirty="0"/>
+              <a:t>&amp;</a:t>
+            </a:r>
+            <a:r>
+              <a:rPr lang="en-US" dirty="0" smtClean="0"/>
+              <a:t> Jasmine</a:t>
+            </a:r>
+            <a:endParaRPr lang="en-US" dirty="0"/>
+          </a:p>
+        </p:txBody>
+      </p:sp>
+      <p:sp>
+        <p:nvSpPr>
+          <p:cNvPr id="3" name="Content Placeholder 2"/>
+          <p:cNvSpPr>
+            <a:spLocks noGrp="1"/>
+          </p:cNvSpPr>
+          <p:nvPr>
+            <p:ph idx="1"/>
+          </p:nvPr>
+        </p:nvSpPr>
+        <p:spPr>
+          <a:xfrm>
+            <a:off x="527937" y="2394494"/>
+            <a:ext cx="11124132" cy="4123872"/>
+          </a:xfrm>
+        </p:spPr>
+        <p:txBody>
+          <a:bodyPr/>
+          <a:lstStyle/>
+          <a:p>
+            <a:r>
+              <a:rPr lang="en-US" dirty="0"/>
+              <a:t>Angular </a:t>
+            </a:r>
+            <a:r>
+              <a:rPr lang="en-US" dirty="0" smtClean="0"/>
+              <a:t>CLI</a:t>
+            </a:r>
+          </a:p>
+          <a:p>
+            <a:endParaRPr lang="en-US" dirty="0"/>
+          </a:p>
+          <a:p>
+            <a:endParaRPr lang="en-US" dirty="0" smtClean="0"/>
+          </a:p>
+          <a:p>
+            <a:r>
+              <a:rPr lang="en-US" dirty="0" err="1" smtClean="0"/>
+              <a:t>Pokretanje</a:t>
+            </a:r>
+            <a:r>
+              <a:rPr lang="en-US" dirty="0" smtClean="0"/>
+              <a:t> </a:t>
+            </a:r>
+            <a:r>
+              <a:rPr lang="en-US" dirty="0" err="1" smtClean="0"/>
+              <a:t>testova</a:t>
+            </a:r>
+            <a:endParaRPr lang="en-US" dirty="0" smtClean="0"/>
+          </a:p>
+          <a:p>
+            <a:endParaRPr lang="en-US" dirty="0" smtClean="0"/>
+          </a:p>
+          <a:p>
+            <a:endParaRPr lang="en-US" dirty="0"/>
+          </a:p>
+          <a:p>
+            <a:endParaRPr lang="en-US" dirty="0"/>
+          </a:p>
+        </p:txBody>
+      </p:sp>
+      <p:pic>
+        <p:nvPicPr>
+          <p:cNvPr id="5" name="Picture 4"/>
+          <p:cNvPicPr>
+            <a:picLocks noChangeAspect="1"/>
+          </p:cNvPicPr>
+          <p:nvPr/>
+        </p:nvPicPr>
+        <p:blipFill>
+          <a:blip r:embed="rId2"/>
+          <a:stretch>
+            <a:fillRect/>
+          </a:stretch>
+        </p:blipFill>
+        <p:spPr>
+          <a:xfrm>
+            <a:off x="5235445" y="2303945"/>
+            <a:ext cx="6555019" cy="4304970"/>
+          </a:xfrm>
+          <a:prstGeom prst="rect">
+            <a:avLst/>
+          </a:prstGeom>
+        </p:spPr>
+      </p:pic>
+      <p:pic>
+        <p:nvPicPr>
+          <p:cNvPr id="6" name="Picture 5"/>
+          <p:cNvPicPr>
+            <a:picLocks noChangeAspect="1"/>
+          </p:cNvPicPr>
+          <p:nvPr/>
+        </p:nvPicPr>
+        <p:blipFill>
+          <a:blip r:embed="rId3"/>
+          <a:stretch>
+            <a:fillRect/>
+          </a:stretch>
+        </p:blipFill>
+        <p:spPr>
+          <a:xfrm>
+            <a:off x="972707" y="2850770"/>
+            <a:ext cx="3286417" cy="567125"/>
+          </a:xfrm>
+          <a:prstGeom prst="rect">
+            <a:avLst/>
+          </a:prstGeom>
+        </p:spPr>
+      </p:pic>
+      <p:pic>
+        <p:nvPicPr>
+          <p:cNvPr id="7" name="Picture 6"/>
+          <p:cNvPicPr>
+            <a:picLocks noChangeAspect="1"/>
+          </p:cNvPicPr>
+          <p:nvPr/>
+        </p:nvPicPr>
+        <p:blipFill>
+          <a:blip r:embed="rId4"/>
+          <a:stretch>
+            <a:fillRect/>
+          </a:stretch>
+        </p:blipFill>
+        <p:spPr>
+          <a:xfrm>
+            <a:off x="972706" y="4017440"/>
+            <a:ext cx="3339513" cy="280239"/>
+          </a:xfrm>
+          <a:prstGeom prst="rect">
+            <a:avLst/>
+          </a:prstGeom>
+        </p:spPr>
+      </p:pic>
+    </p:spTree>
+    <p:extLst>
+      <p:ext uri="{BB962C8B-B14F-4D97-AF65-F5344CB8AC3E}">
+        <p14:creationId xmlns:p14="http://schemas.microsoft.com/office/powerpoint/2010/main" val="4079946224"/>
+      </p:ext>
+    </p:extLst>
+  </p:cSld>
+  <p:clrMapOvr>
+    <a:masterClrMapping/>
+  </p:clrMapOvr>
+  <p:timing>
+    <p:tnLst>
+      <p:par>
+        <p:cTn id="1" dur="indefinite" restart="never" nodeType="tmRoot"/>
+      </p:par>
+    </p:tnLst>
+  </p:timing>
+</p:sld>
+</file>
+
+<file path=ppt/slides/slide13.xml><?xml version="1.0" encoding="utf-8"?>
+<p:sld xmlns:a="http://schemas.openxmlformats.org/drawingml/2006/main" xmlns:r="http://schemas.openxmlformats.org/officeDocument/2006/relationships" xmlns:p="http://schemas.openxmlformats.org/presentationml/2006/main">
+  <p:cSld>
+    <p:spTree>
+      <p:nvGrpSpPr>
+        <p:cNvPr id="1" name=""/>
+        <p:cNvGrpSpPr/>
+        <p:nvPr/>
+      </p:nvGrpSpPr>
+      <p:grpSpPr>
+        <a:xfrm>
+          <a:off x="0" y="0"/>
+          <a:ext cx="0" cy="0"/>
+          <a:chOff x="0" y="0"/>
+          <a:chExt cx="0" cy="0"/>
+        </a:xfrm>
+      </p:grpSpPr>
+      <p:sp>
+        <p:nvSpPr>
+          <p:cNvPr id="3" name="Content Placeholder 2"/>
+          <p:cNvSpPr>
+            <a:spLocks noGrp="1"/>
+          </p:cNvSpPr>
+          <p:nvPr>
+            <p:ph sz="half" idx="4294967295"/>
+          </p:nvPr>
+        </p:nvSpPr>
+        <p:spPr>
+          <a:xfrm>
+            <a:off x="5839876" y="483326"/>
+            <a:ext cx="6073449" cy="5997479"/>
+          </a:xfrm>
+        </p:spPr>
+        <p:txBody>
+          <a:bodyPr/>
+          <a:lstStyle/>
+          <a:p>
+            <a:endParaRPr lang="en-US" dirty="0" smtClean="0"/>
+          </a:p>
+          <a:p>
+            <a:endParaRPr lang="en-US" dirty="0"/>
+          </a:p>
+          <a:p>
+            <a:endParaRPr lang="en-US" dirty="0" smtClean="0"/>
+          </a:p>
+          <a:p>
+            <a:endParaRPr lang="en-US" dirty="0" smtClean="0"/>
+          </a:p>
+          <a:p>
+            <a:endParaRPr lang="en-US" dirty="0"/>
+          </a:p>
+        </p:txBody>
+      </p:sp>
+      <p:sp>
+        <p:nvSpPr>
+          <p:cNvPr id="10" name="Content Placeholder 9"/>
+          <p:cNvSpPr>
+            <a:spLocks noGrp="1"/>
+          </p:cNvSpPr>
+          <p:nvPr>
+            <p:ph sz="half" idx="4294967295"/>
+          </p:nvPr>
+        </p:nvSpPr>
+        <p:spPr>
+          <a:xfrm>
+            <a:off x="2658311" y="146045"/>
+            <a:ext cx="6363129" cy="6436909"/>
+          </a:xfrm>
+        </p:spPr>
+        <p:txBody>
+          <a:bodyPr/>
+          <a:lstStyle/>
+          <a:p>
+            <a:pPr marL="0" indent="0" algn="ctr">
+              <a:buNone/>
+            </a:pPr>
+            <a:r>
+              <a:rPr lang="en-US" sz="2400" dirty="0" err="1"/>
+              <a:t>p</a:t>
+            </a:r>
+            <a:r>
+              <a:rPr lang="en-US" sz="2400" dirty="0" err="1" smtClean="0"/>
+              <a:t>ackage.json</a:t>
+            </a:r>
+            <a:endParaRPr lang="en-US" sz="2400" dirty="0" smtClean="0"/>
+          </a:p>
+          <a:p>
+            <a:endParaRPr lang="en-US" dirty="0"/>
+          </a:p>
+        </p:txBody>
+      </p:sp>
+      <p:pic>
+        <p:nvPicPr>
+          <p:cNvPr id="11" name="Picture 10"/>
+          <p:cNvPicPr>
+            <a:picLocks noChangeAspect="1"/>
+          </p:cNvPicPr>
+          <p:nvPr/>
+        </p:nvPicPr>
+        <p:blipFill>
+          <a:blip r:embed="rId2"/>
+          <a:stretch>
+            <a:fillRect/>
+          </a:stretch>
+        </p:blipFill>
+        <p:spPr>
+          <a:xfrm>
+            <a:off x="3018386" y="666011"/>
+            <a:ext cx="5858214" cy="5916943"/>
+          </a:xfrm>
+          <a:prstGeom prst="rect">
+            <a:avLst/>
+          </a:prstGeom>
+        </p:spPr>
+      </p:pic>
+    </p:spTree>
+    <p:extLst>
+      <p:ext uri="{BB962C8B-B14F-4D97-AF65-F5344CB8AC3E}">
+        <p14:creationId xmlns:p14="http://schemas.microsoft.com/office/powerpoint/2010/main" val="2896372607"/>
+      </p:ext>
+    </p:extLst>
+  </p:cSld>
+  <p:clrMapOvr>
+    <a:masterClrMapping/>
+  </p:clrMapOvr>
+  <p:timing>
+    <p:tnLst>
+      <p:par>
+        <p:cTn id="1" dur="indefinite" restart="never" nodeType="tmRoot"/>
+      </p:par>
+    </p:tnLst>
+  </p:timing>
+</p:sld>
+</file>
+
+<file path=ppt/slides/slide14.xml><?xml version="1.0" encoding="utf-8"?>
+<p:sld xmlns:a="http://schemas.openxmlformats.org/drawingml/2006/main" xmlns:r="http://schemas.openxmlformats.org/officeDocument/2006/relationships" xmlns:p="http://schemas.openxmlformats.org/presentationml/2006/main">
+  <p:cSld>
+    <p:spTree>
+      <p:nvGrpSpPr>
+        <p:cNvPr id="1" name=""/>
+        <p:cNvGrpSpPr/>
+        <p:nvPr/>
+      </p:nvGrpSpPr>
+      <p:grpSpPr>
+        <a:xfrm>
+          <a:off x="0" y="0"/>
+          <a:ext cx="0" cy="0"/>
+          <a:chOff x="0" y="0"/>
+          <a:chExt cx="0" cy="0"/>
+        </a:xfrm>
+      </p:grpSpPr>
+      <p:pic>
+        <p:nvPicPr>
+          <p:cNvPr id="2" name="Picture 1"/>
+          <p:cNvPicPr>
+            <a:picLocks noChangeAspect="1"/>
+          </p:cNvPicPr>
+          <p:nvPr/>
+        </p:nvPicPr>
+        <p:blipFill>
+          <a:blip r:embed="rId2"/>
+          <a:stretch>
+            <a:fillRect/>
+          </a:stretch>
+        </p:blipFill>
+        <p:spPr>
+          <a:xfrm>
+            <a:off x="2792768" y="822767"/>
+            <a:ext cx="6155289" cy="5893321"/>
+          </a:xfrm>
+          <a:prstGeom prst="rect">
+            <a:avLst/>
+          </a:prstGeom>
+        </p:spPr>
+      </p:pic>
+      <p:sp>
+        <p:nvSpPr>
+          <p:cNvPr id="3" name="TextBox 2"/>
+          <p:cNvSpPr txBox="1"/>
+          <p:nvPr/>
+        </p:nvSpPr>
+        <p:spPr>
+          <a:xfrm>
+            <a:off x="4447757" y="195943"/>
+            <a:ext cx="2444900" cy="461665"/>
+          </a:xfrm>
+          <a:prstGeom prst="rect">
+            <a:avLst/>
+          </a:prstGeom>
+          <a:noFill/>
+        </p:spPr>
+        <p:txBody>
+          <a:bodyPr wrap="none" rtlCol="0">
+            <a:spAutoFit/>
+          </a:bodyPr>
+          <a:lstStyle/>
+          <a:p>
+            <a:r>
+              <a:rPr lang="en-US" sz="2400" dirty="0" smtClean="0"/>
+              <a:t>karma.config.js</a:t>
+            </a:r>
+            <a:endParaRPr lang="en-US" sz="2400" dirty="0"/>
+          </a:p>
+        </p:txBody>
+      </p:sp>
+    </p:spTree>
+    <p:extLst>
+      <p:ext uri="{BB962C8B-B14F-4D97-AF65-F5344CB8AC3E}">
+        <p14:creationId xmlns:p14="http://schemas.microsoft.com/office/powerpoint/2010/main" val="3781607857"/>
+      </p:ext>
+    </p:extLst>
+  </p:cSld>
+  <p:clrMapOvr>
+    <a:masterClrMapping/>
+  </p:clrMapOvr>
+  <p:timing>
+    <p:tnLst>
+      <p:par>
+        <p:cTn id="1" dur="indefinite" restart="never" nodeType="tmRoot"/>
+      </p:par>
+    </p:tnLst>
+  </p:timing>
+</p:sld>
+</file>
+
+<file path=ppt/slides/slide15.xml><?xml version="1.0" encoding="utf-8"?>
+<p:sld xmlns:a="http://schemas.openxmlformats.org/drawingml/2006/main" xmlns:r="http://schemas.openxmlformats.org/officeDocument/2006/relationships" xmlns:p="http://schemas.openxmlformats.org/presentationml/2006/main">
+  <p:cSld>
+    <p:spTree>
+      <p:nvGrpSpPr>
+        <p:cNvPr id="1" name=""/>
+        <p:cNvGrpSpPr/>
+        <p:nvPr/>
+      </p:nvGrpSpPr>
+      <p:grpSpPr>
+        <a:xfrm>
+          <a:off x="0" y="0"/>
+          <a:ext cx="0" cy="0"/>
+          <a:chOff x="0" y="0"/>
+          <a:chExt cx="0" cy="0"/>
+        </a:xfrm>
+      </p:grpSpPr>
+      <p:pic>
+        <p:nvPicPr>
+          <p:cNvPr id="2" name="Picture 1"/>
+          <p:cNvPicPr>
+            <a:picLocks noChangeAspect="1"/>
+          </p:cNvPicPr>
+          <p:nvPr/>
+        </p:nvPicPr>
+        <p:blipFill>
+          <a:blip r:embed="rId2"/>
+          <a:stretch>
+            <a:fillRect/>
+          </a:stretch>
+        </p:blipFill>
+        <p:spPr>
+          <a:xfrm>
+            <a:off x="2623150" y="769944"/>
+            <a:ext cx="6559898" cy="5922499"/>
+          </a:xfrm>
+          <a:prstGeom prst="rect">
+            <a:avLst/>
+          </a:prstGeom>
+        </p:spPr>
+      </p:pic>
+      <p:sp>
+        <p:nvSpPr>
+          <p:cNvPr id="3" name="Rectangle 2"/>
+          <p:cNvSpPr/>
+          <p:nvPr/>
+        </p:nvSpPr>
+        <p:spPr>
+          <a:xfrm>
+            <a:off x="4880062" y="203776"/>
+            <a:ext cx="1023037" cy="461665"/>
+          </a:xfrm>
+          <a:prstGeom prst="rect">
+            <a:avLst/>
+          </a:prstGeom>
+        </p:spPr>
+        <p:txBody>
+          <a:bodyPr wrap="none">
+            <a:spAutoFit/>
+          </a:bodyPr>
+          <a:lstStyle/>
+          <a:p>
+            <a:pPr algn="ctr"/>
+            <a:r>
+              <a:rPr lang="en-US" sz="2400" dirty="0" err="1"/>
+              <a:t>t</a:t>
+            </a:r>
+            <a:r>
+              <a:rPr lang="en-US" sz="2400" dirty="0" err="1" smtClean="0"/>
+              <a:t>est.ts</a:t>
+            </a:r>
+            <a:endParaRPr lang="en-US" sz="2400" dirty="0"/>
+          </a:p>
+        </p:txBody>
+      </p:sp>
+    </p:spTree>
+    <p:extLst>
+      <p:ext uri="{BB962C8B-B14F-4D97-AF65-F5344CB8AC3E}">
+        <p14:creationId xmlns:p14="http://schemas.microsoft.com/office/powerpoint/2010/main" val="2378359277"/>
+      </p:ext>
+    </p:extLst>
+  </p:cSld>
+  <p:clrMapOvr>
+    <a:masterClrMapping/>
+  </p:clrMapOvr>
+  <p:timing>
+    <p:tnLst>
+      <p:par>
+        <p:cTn id="1" dur="indefinite" restart="never" nodeType="tmRoot"/>
+      </p:par>
+    </p:tnLst>
+  </p:timing>
+</p:sld>
+</file>
+
+<file path=ppt/slides/slide16.xml><?xml version="1.0" encoding="utf-8"?>
+<p:sld xmlns:a="http://schemas.openxmlformats.org/drawingml/2006/main" xmlns:r="http://schemas.openxmlformats.org/officeDocument/2006/relationships" xmlns:p="http://schemas.openxmlformats.org/presentationml/2006/main">
+  <p:cSld>
+    <p:spTree>
+      <p:nvGrpSpPr>
+        <p:cNvPr id="1" name=""/>
+        <p:cNvGrpSpPr/>
+        <p:nvPr/>
+      </p:nvGrpSpPr>
+      <p:grpSpPr>
+        <a:xfrm>
+          <a:off x="0" y="0"/>
+          <a:ext cx="0" cy="0"/>
+          <a:chOff x="0" y="0"/>
+          <a:chExt cx="0" cy="0"/>
+        </a:xfrm>
+      </p:grpSpPr>
+      <p:pic>
+        <p:nvPicPr>
+          <p:cNvPr id="2" name="Picture 1"/>
+          <p:cNvPicPr>
+            <a:picLocks noChangeAspect="1"/>
+          </p:cNvPicPr>
+          <p:nvPr/>
+        </p:nvPicPr>
+        <p:blipFill>
+          <a:blip r:embed="rId2"/>
+          <a:stretch>
+            <a:fillRect/>
+          </a:stretch>
+        </p:blipFill>
+        <p:spPr>
+          <a:xfrm>
+            <a:off x="4349931" y="1280159"/>
+            <a:ext cx="6531430" cy="5306787"/>
+          </a:xfrm>
+          <a:prstGeom prst="rect">
+            <a:avLst/>
+          </a:prstGeom>
+        </p:spPr>
+      </p:pic>
+      <p:pic>
+        <p:nvPicPr>
+          <p:cNvPr id="6" name="Picture 5"/>
+          <p:cNvPicPr>
+            <a:picLocks noChangeAspect="1"/>
+          </p:cNvPicPr>
+          <p:nvPr/>
+        </p:nvPicPr>
+        <p:blipFill>
+          <a:blip r:embed="rId3"/>
+          <a:stretch>
+            <a:fillRect/>
+          </a:stretch>
+        </p:blipFill>
+        <p:spPr>
+          <a:xfrm>
+            <a:off x="680221" y="1280159"/>
+            <a:ext cx="3228975" cy="1704975"/>
+          </a:xfrm>
+          <a:prstGeom prst="rect">
+            <a:avLst/>
+          </a:prstGeom>
+        </p:spPr>
+      </p:pic>
+    </p:spTree>
+    <p:extLst>
+      <p:ext uri="{BB962C8B-B14F-4D97-AF65-F5344CB8AC3E}">
+        <p14:creationId xmlns:p14="http://schemas.microsoft.com/office/powerpoint/2010/main" val="1453019555"/>
+      </p:ext>
+    </p:extLst>
+  </p:cSld>
+  <p:clrMapOvr>
+    <a:masterClrMapping/>
+  </p:clrMapOvr>
 </p:sld>
 </file>
 
@@ -13925,36 +15148,56 @@
           <a:p>
             <a:pPr lvl="1"/>
             <a:r>
+              <a:rPr lang="sr-Latn-RS" dirty="0"/>
+              <a:t>s</a:t>
+            </a:r>
+            <a:r>
               <a:rPr lang="sr-Latn-RS" dirty="0" smtClean="0"/>
-              <a:t>Smanjuju broj bagova u novim i postojećim funkcionalnostima</a:t>
+              <a:t>manjuju broj bagova u novim i postojećim funkcionalnostima</a:t>
             </a:r>
           </a:p>
           <a:p>
             <a:pPr lvl="1"/>
             <a:r>
+              <a:rPr lang="sr-Latn-RS" dirty="0"/>
+              <a:t>s</a:t>
+            </a:r>
+            <a:r>
               <a:rPr lang="sr-Latn-RS" dirty="0" smtClean="0"/>
-              <a:t>Smanjuju cenu pravljenja izmena</a:t>
+              <a:t>manjuju cenu pravljenja izmena</a:t>
             </a:r>
           </a:p>
           <a:p>
             <a:pPr lvl="1"/>
             <a:r>
+              <a:rPr lang="sr-Latn-RS" dirty="0"/>
+              <a:t>u</a:t>
+            </a:r>
+            <a:r>
               <a:rPr lang="sr-Latn-RS" dirty="0" smtClean="0"/>
-              <a:t>Unapređuju arhitekturu rešenja</a:t>
+              <a:t>napređuju arhitekturu rešenja</a:t>
             </a:r>
           </a:p>
           <a:p>
             <a:pPr lvl="1"/>
             <a:r>
+              <a:rPr lang="sr-Latn-RS" dirty="0"/>
+              <a:t>o</a:t>
+            </a:r>
+            <a:r>
               <a:rPr lang="sr-Latn-RS" dirty="0" smtClean="0"/>
-              <a:t>Olakšavaju refaktorisanje</a:t>
+              <a:t>lakšavaju refaktorisanje</a:t>
             </a:r>
           </a:p>
           <a:p>
             <a:pPr lvl="1"/>
             <a:r>
+              <a:rPr lang="sr-Latn-RS" dirty="0"/>
+              <a:t>u</a:t>
+            </a:r>
+            <a:r>
               <a:rPr lang="sr-Latn-RS" dirty="0" smtClean="0"/>
-              <a:t>Ubrzavaju razvoj</a:t>
+              <a:t>brzavaju razvoj</a:t>
             </a:r>
             <a:endParaRPr lang="en-US" dirty="0"/>
           </a:p>
@@ -14348,8 +15591,12 @@
           <a:p>
             <a:pPr lvl="1"/>
             <a:r>
+              <a:rPr lang="sr-Latn-RS" dirty="0" err="1"/>
+              <a:t>p</a:t>
+            </a:r>
+            <a:r>
               <a:rPr lang="en-US" dirty="0" err="1" smtClean="0"/>
-              <a:t>Pokrivenost</a:t>
+              <a:t>okrivenost</a:t>
             </a:r>
             <a:r>
               <a:rPr lang="en-US" dirty="0" smtClean="0"/>
@@ -14376,8 +15623,12 @@
           <a:p>
             <a:pPr lvl="1"/>
             <a:r>
+              <a:rPr lang="sr-Latn-RS" dirty="0" err="1"/>
+              <a:t>p</a:t>
+            </a:r>
+            <a:r>
               <a:rPr lang="en-US" dirty="0" err="1" smtClean="0"/>
-              <a:t>Pokrivenost</a:t>
+              <a:t>okrivenost</a:t>
             </a:r>
             <a:r>
               <a:rPr lang="en-US" dirty="0" smtClean="0"/>
@@ -14404,8 +15655,12 @@
           <a:p>
             <a:pPr lvl="1"/>
             <a:r>
+              <a:rPr lang="sr-Latn-RS" dirty="0" err="1"/>
+              <a:t>p</a:t>
+            </a:r>
+            <a:r>
               <a:rPr lang="en-US" dirty="0" err="1" smtClean="0"/>
-              <a:t>Pokrivenost</a:t>
+              <a:t>okrivenost</a:t>
             </a:r>
             <a:r>
               <a:rPr lang="en-US" dirty="0" smtClean="0"/>
@@ -14472,8 +15727,12 @@
           <a:p>
             <a:pPr lvl="1"/>
             <a:r>
+              <a:rPr lang="sr-Latn-RS" dirty="0"/>
+              <a:t>p</a:t>
+            </a:r>
+            <a:r>
               <a:rPr lang="sr-Latn-RS" dirty="0" smtClean="0"/>
-              <a:t>Pokrivenost uslova </a:t>
+              <a:t>okrivenost uslova </a:t>
             </a:r>
             <a:r>
               <a:rPr lang="it-IT" i="1" dirty="0"/>
@@ -15383,6 +16642,40 @@
 <file path=ppt/slides/slide7.xml><?xml version="1.0" encoding="utf-8"?>
 <p:sld xmlns:a="http://schemas.openxmlformats.org/drawingml/2006/main" xmlns:r="http://schemas.openxmlformats.org/officeDocument/2006/relationships" xmlns:p="http://schemas.openxmlformats.org/presentationml/2006/main">
   <p:cSld>
+    <p:bg>
+      <p:bgPr>
+        <a:gradFill>
+          <a:gsLst>
+            <a:gs pos="0">
+              <a:schemeClr val="accent1">
+                <a:lumMod val="5000"/>
+                <a:lumOff val="95000"/>
+              </a:schemeClr>
+            </a:gs>
+            <a:gs pos="74000">
+              <a:schemeClr val="accent1">
+                <a:lumMod val="45000"/>
+                <a:lumOff val="55000"/>
+              </a:schemeClr>
+            </a:gs>
+            <a:gs pos="83000">
+              <a:schemeClr val="accent1">
+                <a:lumMod val="45000"/>
+                <a:lumOff val="55000"/>
+              </a:schemeClr>
+            </a:gs>
+            <a:gs pos="100000">
+              <a:schemeClr val="accent1">
+                <a:lumMod val="30000"/>
+                <a:lumOff val="70000"/>
+              </a:schemeClr>
+            </a:gs>
+          </a:gsLst>
+          <a:lin ang="5400000" scaled="1"/>
+        </a:gradFill>
+        <a:effectLst/>
+      </p:bgPr>
+    </p:bg>
     <p:spTree>
       <p:nvGrpSpPr>
         <p:cNvPr id="1" name=""/>
@@ -15821,7 +17114,7 @@
         </p:blipFill>
         <p:spPr>
           <a:xfrm>
-            <a:off x="10117454" y="475906"/>
+            <a:off x="10039076" y="475906"/>
             <a:ext cx="1547677" cy="1541486"/>
           </a:xfrm>
           <a:prstGeom prst="rect">
@@ -15932,7 +17225,6 @@
               <a:rPr lang="sr-Latn-RS" dirty="0" smtClean="0"/>
               <a:t>šavaju kvalitet koda</a:t>
             </a:r>
-            <a:endParaRPr lang="sr-Latn-RS" dirty="0" smtClean="0"/>
           </a:p>
           <a:p>
             <a:pPr>
@@ -15993,7 +17285,6 @@
               <a:rPr lang="sr-Latn-RS" dirty="0" smtClean="0"/>
               <a:t>Smanjuju troškove ispravljanja grešaka u kodu</a:t>
             </a:r>
-            <a:endParaRPr lang="sr-Latn-RS" dirty="0" smtClean="0"/>
           </a:p>
           <a:p>
             <a:endParaRPr lang="en-US" dirty="0"/>
@@ -16095,7 +17386,15 @@
           <a:p>
             <a:pPr algn="ctr"/>
             <a:r>
-              <a:rPr lang="sr-Latn-RS" dirty="0"/>
+              <a:rPr lang="sr-Latn-RS" dirty="0" smtClean="0"/>
+              <a:t>Angular </a:t>
+            </a:r>
+            <a:r>
+              <a:rPr lang="en-US" dirty="0" smtClean="0"/>
+              <a:t>- </a:t>
+            </a:r>
+            <a:r>
+              <a:rPr lang="sr-Latn-RS" dirty="0" smtClean="0"/>
               <a:t>U</a:t>
             </a:r>
             <a:r>
@@ -16103,37 +17402,262 @@
               <a:t>nit </a:t>
             </a:r>
             <a:r>
-              <a:rPr lang="en-US" dirty="0"/>
-              <a:t>testing frameworks</a:t>
+              <a:rPr lang="sr-Latn-RS" dirty="0" smtClean="0"/>
+              <a:t>T</a:t>
+            </a:r>
+            <a:r>
+              <a:rPr lang="en-US" dirty="0" err="1" smtClean="0"/>
+              <a:t>esting</a:t>
+            </a:r>
+            <a:r>
+              <a:rPr lang="en-US" dirty="0" smtClean="0"/>
+              <a:t> </a:t>
+            </a:r>
+            <a:r>
+              <a:rPr lang="sr-Latn-RS" dirty="0"/>
+              <a:t>F</a:t>
+            </a:r>
+            <a:r>
+              <a:rPr lang="en-US" dirty="0" err="1" smtClean="0"/>
+              <a:t>rameworks</a:t>
             </a:r>
             <a:endParaRPr lang="en-US" dirty="0"/>
           </a:p>
         </p:txBody>
       </p:sp>
-      <p:sp>
-        <p:nvSpPr>
-          <p:cNvPr id="3" name="Content Placeholder 2"/>
-          <p:cNvSpPr>
-            <a:spLocks noGrp="1"/>
-          </p:cNvSpPr>
-          <p:nvPr>
-            <p:ph idx="1"/>
-          </p:nvPr>
-        </p:nvSpPr>
+      <p:pic>
+        <p:nvPicPr>
+          <p:cNvPr id="5" name="Picture 4"/>
+          <p:cNvPicPr>
+            <a:picLocks noChangeAspect="1"/>
+          </p:cNvPicPr>
+          <p:nvPr/>
+        </p:nvPicPr>
+        <p:blipFill>
+          <a:blip r:embed="rId2"/>
+          <a:stretch>
+            <a:fillRect/>
+          </a:stretch>
+        </p:blipFill>
         <p:spPr>
           <a:xfrm>
-            <a:off x="509451" y="2442754"/>
-            <a:ext cx="11207931" cy="3577046"/>
+            <a:off x="10352025" y="475906"/>
+            <a:ext cx="921780" cy="995524"/>
           </a:xfrm>
+          <a:prstGeom prst="rect">
+            <a:avLst/>
+          </a:prstGeom>
         </p:spPr>
-        <p:txBody>
-          <a:bodyPr/>
-          <a:lstStyle/>
-          <a:p>
-            <a:endParaRPr lang="en-US" dirty="0"/>
-          </a:p>
-        </p:txBody>
-      </p:sp>
+      </p:pic>
+      <p:pic>
+        <p:nvPicPr>
+          <p:cNvPr id="6" name="Picture 2" descr="https://upload-icon.s3.us-east-2.amazonaws.com/uploads/icons/png/18594121091536125453-512.png"/>
+          <p:cNvPicPr>
+            <a:picLocks noChangeAspect="1" noChangeArrowheads="1"/>
+          </p:cNvPicPr>
+          <p:nvPr/>
+        </p:nvPicPr>
+        <p:blipFill>
+          <a:blip r:embed="rId3" cstate="print">
+            <a:extLst>
+              <a:ext uri="{28A0092B-C50C-407E-A947-70E740481C1C}">
+                <a14:useLocalDpi xmlns:a14="http://schemas.microsoft.com/office/drawing/2010/main" val="0"/>
+              </a:ext>
+            </a:extLst>
+          </a:blip>
+          <a:srcRect/>
+          <a:stretch>
+            <a:fillRect/>
+          </a:stretch>
+        </p:blipFill>
+        <p:spPr bwMode="auto">
+          <a:xfrm>
+            <a:off x="10093777" y="475906"/>
+            <a:ext cx="1528356" cy="1528356"/>
+          </a:xfrm>
+          <a:prstGeom prst="rect">
+            <a:avLst/>
+          </a:prstGeom>
+          <a:noFill/>
+          <a:extLst>
+            <a:ext uri="{909E8E84-426E-40DD-AFC4-6F175D3DCCD1}">
+              <a14:hiddenFill xmlns:a14="http://schemas.microsoft.com/office/drawing/2010/main">
+                <a:solidFill>
+                  <a:srgbClr val="FFFFFF"/>
+                </a:solidFill>
+              </a14:hiddenFill>
+            </a:ext>
+          </a:extLst>
+        </p:spPr>
+      </p:pic>
+      <p:pic>
+        <p:nvPicPr>
+          <p:cNvPr id="30" name="Picture 29"/>
+          <p:cNvPicPr>
+            <a:picLocks noChangeAspect="1"/>
+          </p:cNvPicPr>
+          <p:nvPr/>
+        </p:nvPicPr>
+        <p:blipFill>
+          <a:blip r:embed="rId4"/>
+          <a:stretch>
+            <a:fillRect/>
+          </a:stretch>
+        </p:blipFill>
+        <p:spPr>
+          <a:xfrm>
+            <a:off x="234725" y="2802131"/>
+            <a:ext cx="4200794" cy="1303695"/>
+          </a:xfrm>
+          <a:prstGeom prst="rect">
+            <a:avLst/>
+          </a:prstGeom>
+        </p:spPr>
+      </p:pic>
+      <p:pic>
+        <p:nvPicPr>
+          <p:cNvPr id="3" name="Picture 2"/>
+          <p:cNvPicPr>
+            <a:picLocks noChangeAspect="1"/>
+          </p:cNvPicPr>
+          <p:nvPr/>
+        </p:nvPicPr>
+        <p:blipFill>
+          <a:blip r:embed="rId5"/>
+          <a:stretch>
+            <a:fillRect/>
+          </a:stretch>
+        </p:blipFill>
+        <p:spPr>
+          <a:xfrm>
+            <a:off x="4595943" y="2625600"/>
+            <a:ext cx="1649326" cy="1656756"/>
+          </a:xfrm>
+          <a:prstGeom prst="rect">
+            <a:avLst/>
+          </a:prstGeom>
+        </p:spPr>
+      </p:pic>
+      <p:pic>
+        <p:nvPicPr>
+          <p:cNvPr id="4" name="Picture 3"/>
+          <p:cNvPicPr>
+            <a:picLocks noChangeAspect="1"/>
+          </p:cNvPicPr>
+          <p:nvPr/>
+        </p:nvPicPr>
+        <p:blipFill>
+          <a:blip r:embed="rId6"/>
+          <a:stretch>
+            <a:fillRect/>
+          </a:stretch>
+        </p:blipFill>
+        <p:spPr>
+          <a:xfrm>
+            <a:off x="6405693" y="2772140"/>
+            <a:ext cx="2715004" cy="1333686"/>
+          </a:xfrm>
+          <a:prstGeom prst="rect">
+            <a:avLst/>
+          </a:prstGeom>
+        </p:spPr>
+      </p:pic>
+      <p:pic>
+        <p:nvPicPr>
+          <p:cNvPr id="7" name="Picture 6"/>
+          <p:cNvPicPr>
+            <a:picLocks noChangeAspect="1"/>
+          </p:cNvPicPr>
+          <p:nvPr/>
+        </p:nvPicPr>
+        <p:blipFill>
+          <a:blip r:embed="rId7"/>
+          <a:stretch>
+            <a:fillRect/>
+          </a:stretch>
+        </p:blipFill>
+        <p:spPr>
+          <a:xfrm>
+            <a:off x="9120697" y="2677582"/>
+            <a:ext cx="3071303" cy="1552792"/>
+          </a:xfrm>
+          <a:prstGeom prst="rect">
+            <a:avLst/>
+          </a:prstGeom>
+        </p:spPr>
+      </p:pic>
+      <p:pic>
+        <p:nvPicPr>
+          <p:cNvPr id="8" name="Picture 7"/>
+          <p:cNvPicPr>
+            <a:picLocks noChangeAspect="1"/>
+          </p:cNvPicPr>
+          <p:nvPr/>
+        </p:nvPicPr>
+        <p:blipFill>
+          <a:blip r:embed="rId8"/>
+          <a:stretch>
+            <a:fillRect/>
+          </a:stretch>
+        </p:blipFill>
+        <p:spPr>
+          <a:xfrm>
+            <a:off x="671289" y="4422479"/>
+            <a:ext cx="3694375" cy="1609692"/>
+          </a:xfrm>
+          <a:prstGeom prst="rect">
+            <a:avLst/>
+          </a:prstGeom>
+        </p:spPr>
+      </p:pic>
+      <p:pic>
+        <p:nvPicPr>
+          <p:cNvPr id="9" name="Picture 8"/>
+          <p:cNvPicPr>
+            <a:picLocks noChangeAspect="1"/>
+          </p:cNvPicPr>
+          <p:nvPr/>
+        </p:nvPicPr>
+        <p:blipFill>
+          <a:blip r:embed="rId9"/>
+          <a:stretch>
+            <a:fillRect/>
+          </a:stretch>
+        </p:blipFill>
+        <p:spPr>
+          <a:xfrm>
+            <a:off x="4595943" y="4460851"/>
+            <a:ext cx="1642953" cy="1776165"/>
+          </a:xfrm>
+          <a:prstGeom prst="rect">
+            <a:avLst/>
+          </a:prstGeom>
+        </p:spPr>
+      </p:pic>
+      <p:pic>
+        <p:nvPicPr>
+          <p:cNvPr id="10" name="Picture 9"/>
+          <p:cNvPicPr>
+            <a:picLocks noChangeAspect="1"/>
+          </p:cNvPicPr>
+          <p:nvPr/>
+        </p:nvPicPr>
+        <p:blipFill>
+          <a:blip r:embed="rId10"/>
+          <a:stretch>
+            <a:fillRect/>
+          </a:stretch>
+        </p:blipFill>
+        <p:spPr>
+          <a:xfrm>
+            <a:off x="7054174" y="4460851"/>
+            <a:ext cx="3879949" cy="1587252"/>
+          </a:xfrm>
+          <a:prstGeom prst="rect">
+            <a:avLst/>
+          </a:prstGeom>
+        </p:spPr>
+      </p:pic>
     </p:spTree>
     <p:extLst>
       <p:ext uri="{BB962C8B-B14F-4D97-AF65-F5344CB8AC3E}">

--- a/UnitTestingFrameworks_VH_JN.pptx
+++ b/UnitTestingFrameworks_VH_JN.pptx
@@ -13920,7 +13920,19 @@
           <a:p>
             <a:r>
               <a:rPr lang="sr-Latn-RS" dirty="0" smtClean="0"/>
-              <a:t>Priža mogućnost da pokreće testove pisane u različitim framework-ima (</a:t>
+              <a:t>Pr</a:t>
+            </a:r>
+            <a:r>
+              <a:rPr lang="en-US" dirty="0" smtClean="0"/>
+              <a:t>u</a:t>
+            </a:r>
+            <a:r>
+              <a:rPr lang="sr-Latn-RS" dirty="0" smtClean="0"/>
+              <a:t>ža </a:t>
+            </a:r>
+            <a:r>
+              <a:rPr lang="sr-Latn-RS" dirty="0" smtClean="0"/>
+              <a:t>mogućnost da pokreće testove pisane u različitim framework-ima (</a:t>
             </a:r>
             <a:r>
               <a:rPr lang="sr-Latn-RS" i="1" dirty="0" smtClean="0"/>
@@ -13946,11 +13958,7 @@
             <a:pPr lvl="1"/>
             <a:r>
               <a:rPr lang="sr-Latn-RS" dirty="0" smtClean="0"/>
-              <a:t>browser-ima </a:t>
-            </a:r>
-            <a:r>
-              <a:rPr lang="sr-Latn-RS" dirty="0" smtClean="0"/>
-              <a:t>(</a:t>
+              <a:t>browser-ima (</a:t>
             </a:r>
             <a:r>
               <a:rPr lang="en-US" i="1" dirty="0"/>
@@ -13972,7 +13980,6 @@
               <a:rPr lang="sr-Latn-RS" dirty="0" smtClean="0"/>
               <a:t>)</a:t>
             </a:r>
-            <a:endParaRPr lang="sr-Latn-RS" dirty="0" smtClean="0"/>
           </a:p>
           <a:p>
             <a:pPr lvl="1"/>
@@ -15175,8 +15182,13 @@
             </a:r>
             <a:r>
               <a:rPr lang="sr-Latn-RS" dirty="0" smtClean="0"/>
-              <a:t>napređuju arhitekturu rešenja</a:t>
-            </a:r>
+              <a:t>napređuju arhitekturu </a:t>
+            </a:r>
+            <a:r>
+              <a:rPr lang="sr-Latn-RS" dirty="0" smtClean="0"/>
+              <a:t>rešenja</a:t>
+            </a:r>
+            <a:endParaRPr lang="sr-Latn-RS" dirty="0" smtClean="0"/>
           </a:p>
           <a:p>
             <a:pPr lvl="1"/>
@@ -15197,8 +15209,16 @@
             </a:r>
             <a:r>
               <a:rPr lang="sr-Latn-RS" dirty="0" smtClean="0"/>
-              <a:t>brzavaju razvoj</a:t>
-            </a:r>
+              <a:t>brzavaju </a:t>
+            </a:r>
+            <a:r>
+              <a:rPr lang="sr-Latn-RS" dirty="0" smtClean="0"/>
+              <a:t>razvoj</a:t>
+            </a:r>
+            <a:endParaRPr lang="en-US" dirty="0" smtClean="0"/>
+          </a:p>
+          <a:p>
+            <a:pPr lvl="1"/>
             <a:endParaRPr lang="en-US" dirty="0"/>
           </a:p>
         </p:txBody>

--- a/UnitTestingFrameworks_VH_JN.pptx
+++ b/UnitTestingFrameworks_VH_JN.pptx
@@ -13928,11 +13928,7 @@
             </a:r>
             <a:r>
               <a:rPr lang="sr-Latn-RS" dirty="0" smtClean="0"/>
-              <a:t>ža </a:t>
-            </a:r>
-            <a:r>
-              <a:rPr lang="sr-Latn-RS" dirty="0" smtClean="0"/>
-              <a:t>mogućnost da pokreće testove pisane u različitim framework-ima (</a:t>
+              <a:t>ža mogućnost da pokreće testove pisane u različitim framework-ima (</a:t>
             </a:r>
             <a:r>
               <a:rPr lang="sr-Latn-RS" i="1" dirty="0" smtClean="0"/>
@@ -15182,13 +15178,8 @@
             </a:r>
             <a:r>
               <a:rPr lang="sr-Latn-RS" dirty="0" smtClean="0"/>
-              <a:t>napređuju arhitekturu </a:t>
-            </a:r>
-            <a:r>
-              <a:rPr lang="sr-Latn-RS" dirty="0" smtClean="0"/>
-              <a:t>rešenja</a:t>
-            </a:r>
-            <a:endParaRPr lang="sr-Latn-RS" dirty="0" smtClean="0"/>
+              <a:t>napređuju arhitekturu rešenja</a:t>
+            </a:r>
           </a:p>
           <a:p>
             <a:pPr lvl="1"/>
@@ -15209,11 +15200,7 @@
             </a:r>
             <a:r>
               <a:rPr lang="sr-Latn-RS" dirty="0" smtClean="0"/>
-              <a:t>brzavaju </a:t>
-            </a:r>
-            <a:r>
-              <a:rPr lang="sr-Latn-RS" dirty="0" smtClean="0"/>
-              <a:t>razvoj</a:t>
+              <a:t>brzavaju razvoj</a:t>
             </a:r>
             <a:endParaRPr lang="en-US" dirty="0" smtClean="0"/>
           </a:p>
@@ -16376,8 +16363,13 @@
             </a:r>
             <a:r>
               <a:rPr lang="sr-Latn-RS" dirty="0" smtClean="0"/>
-              <a:t> izvornnog koda, skupovi jednog ili više modula</a:t>
-            </a:r>
+              <a:t> izvornnog </a:t>
+            </a:r>
+            <a:r>
+              <a:rPr lang="sr-Latn-RS" dirty="0" smtClean="0"/>
+              <a:t>koda</a:t>
+            </a:r>
+            <a:endParaRPr lang="sr-Latn-RS" dirty="0" smtClean="0"/>
           </a:p>
         </p:txBody>
       </p:sp>
@@ -16393,7 +16385,7 @@
         </p:nvSpPr>
         <p:spPr>
           <a:xfrm>
-            <a:off x="525347" y="3279639"/>
+            <a:off x="530478" y="3169748"/>
             <a:ext cx="3147009" cy="576262"/>
           </a:xfrm>
         </p:spPr>
@@ -16430,7 +16422,7 @@
         </p:nvSpPr>
         <p:spPr>
           <a:xfrm>
-            <a:off x="551866" y="3855901"/>
+            <a:off x="551866" y="3753115"/>
             <a:ext cx="3370218" cy="1055733"/>
           </a:xfrm>
         </p:spPr>
@@ -16444,15 +16436,7 @@
             </a:pPr>
             <a:r>
               <a:rPr lang="sr-Latn-RS" dirty="0" smtClean="0"/>
-              <a:t>Provera da li integracija između implemntiranih funkcija funkcioniše kako je </a:t>
-            </a:r>
-            <a:r>
-              <a:rPr lang="sr-Latn-RS" smtClean="0"/>
-              <a:t>i specificirano </a:t>
-            </a:r>
-            <a:r>
-              <a:rPr lang="sr-Latn-RS" dirty="0" smtClean="0"/>
-              <a:t>zahtevom</a:t>
+              <a:t>Provera da li integracija između implemntiranih funkcija funkcioniše kako je i specificirano zahtevom</a:t>
             </a:r>
             <a:endParaRPr lang="en-US" dirty="0"/>
           </a:p>

--- a/UnitTestingFrameworks_VH_JN.pptx
+++ b/UnitTestingFrameworks_VH_JN.pptx
@@ -5,7 +5,7 @@
     <p:sldMasterId id="2147483792" r:id="rId1"/>
   </p:sldMasterIdLst>
   <p:notesMasterIdLst>
-    <p:notesMasterId r:id="rId18"/>
+    <p:notesMasterId r:id="rId19"/>
   </p:notesMasterIdLst>
   <p:sldIdLst>
     <p:sldId id="256" r:id="rId2"/>
@@ -20,10 +20,11 @@
     <p:sldId id="267" r:id="rId11"/>
     <p:sldId id="268" r:id="rId12"/>
     <p:sldId id="266" r:id="rId13"/>
-    <p:sldId id="269" r:id="rId14"/>
-    <p:sldId id="271" r:id="rId15"/>
-    <p:sldId id="270" r:id="rId16"/>
-    <p:sldId id="272" r:id="rId17"/>
+    <p:sldId id="273" r:id="rId14"/>
+    <p:sldId id="269" r:id="rId15"/>
+    <p:sldId id="271" r:id="rId16"/>
+    <p:sldId id="270" r:id="rId17"/>
+    <p:sldId id="272" r:id="rId18"/>
   </p:sldIdLst>
   <p:sldSz cx="12192000" cy="6858000"/>
   <p:notesSz cx="6858000" cy="9144000"/>
@@ -212,7 +213,7 @@
           <a:p>
             <a:fld id="{C3F13826-1A67-4C2D-8F45-B22AD686F7A2}" type="datetimeFigureOut">
               <a:rPr lang="en-US" smtClean="0"/>
-              <a:t>04-May-20</a:t>
+              <a:t>10-May-20</a:t>
             </a:fld>
             <a:endParaRPr lang="en-US"/>
           </a:p>
@@ -815,7 +816,7 @@
           <a:p>
             <a:fld id="{8B2AAE93-1203-4CB9-BFE2-D8321679B070}" type="datetimeFigureOut">
               <a:rPr lang="en-US" smtClean="0"/>
-              <a:t>04-May-20</a:t>
+              <a:t>10-May-20</a:t>
             </a:fld>
             <a:endParaRPr lang="en-US"/>
           </a:p>
@@ -1908,7 +1909,7 @@
           <a:p>
             <a:fld id="{8B2AAE93-1203-4CB9-BFE2-D8321679B070}" type="datetimeFigureOut">
               <a:rPr lang="en-US" smtClean="0"/>
-              <a:t>04-May-20</a:t>
+              <a:t>10-May-20</a:t>
             </a:fld>
             <a:endParaRPr lang="en-US"/>
           </a:p>
@@ -2888,7 +2889,7 @@
           <a:p>
             <a:fld id="{8B2AAE93-1203-4CB9-BFE2-D8321679B070}" type="datetimeFigureOut">
               <a:rPr lang="en-US" smtClean="0"/>
-              <a:t>04-May-20</a:t>
+              <a:t>10-May-20</a:t>
             </a:fld>
             <a:endParaRPr lang="en-US"/>
           </a:p>
@@ -4022,7 +4023,7 @@
           <a:p>
             <a:fld id="{8B2AAE93-1203-4CB9-BFE2-D8321679B070}" type="datetimeFigureOut">
               <a:rPr lang="en-US" smtClean="0"/>
-              <a:t>04-May-20</a:t>
+              <a:t>10-May-20</a:t>
             </a:fld>
             <a:endParaRPr lang="en-US"/>
           </a:p>
@@ -5055,7 +5056,7 @@
           <a:p>
             <a:fld id="{8B2AAE93-1203-4CB9-BFE2-D8321679B070}" type="datetimeFigureOut">
               <a:rPr lang="en-US" smtClean="0"/>
-              <a:t>04-May-20</a:t>
+              <a:t>10-May-20</a:t>
             </a:fld>
             <a:endParaRPr lang="en-US"/>
           </a:p>
@@ -5715,7 +5716,7 @@
           <a:p>
             <a:fld id="{8B2AAE93-1203-4CB9-BFE2-D8321679B070}" type="datetimeFigureOut">
               <a:rPr lang="en-US" smtClean="0"/>
-              <a:t>04-May-20</a:t>
+              <a:t>10-May-20</a:t>
             </a:fld>
             <a:endParaRPr lang="en-US"/>
           </a:p>
@@ -6576,7 +6577,7 @@
           <a:p>
             <a:fld id="{8B2AAE93-1203-4CB9-BFE2-D8321679B070}" type="datetimeFigureOut">
               <a:rPr lang="en-US" smtClean="0"/>
-              <a:t>04-May-20</a:t>
+              <a:t>10-May-20</a:t>
             </a:fld>
             <a:endParaRPr lang="en-US"/>
           </a:p>
@@ -6766,7 +6767,7 @@
           <a:p>
             <a:fld id="{8B2AAE93-1203-4CB9-BFE2-D8321679B070}" type="datetimeFigureOut">
               <a:rPr lang="en-US" smtClean="0"/>
-              <a:t>04-May-20</a:t>
+              <a:t>10-May-20</a:t>
             </a:fld>
             <a:endParaRPr lang="en-US"/>
           </a:p>
@@ -7738,7 +7739,7 @@
           <a:p>
             <a:fld id="{8B2AAE93-1203-4CB9-BFE2-D8321679B070}" type="datetimeFigureOut">
               <a:rPr lang="en-US" smtClean="0"/>
-              <a:t>04-May-20</a:t>
+              <a:t>10-May-20</a:t>
             </a:fld>
             <a:endParaRPr lang="en-US"/>
           </a:p>
@@ -7954,7 +7955,7 @@
           <a:p>
             <a:fld id="{8B2AAE93-1203-4CB9-BFE2-D8321679B070}" type="datetimeFigureOut">
               <a:rPr lang="en-US" smtClean="0"/>
-              <a:t>04-May-20</a:t>
+              <a:t>10-May-20</a:t>
             </a:fld>
             <a:endParaRPr lang="en-US"/>
           </a:p>
@@ -8988,7 +8989,7 @@
           <a:p>
             <a:fld id="{8B2AAE93-1203-4CB9-BFE2-D8321679B070}" type="datetimeFigureOut">
               <a:rPr lang="en-US" smtClean="0"/>
-              <a:t>04-May-20</a:t>
+              <a:t>10-May-20</a:t>
             </a:fld>
             <a:endParaRPr lang="en-US"/>
           </a:p>
@@ -9265,7 +9266,7 @@
           <a:p>
             <a:fld id="{8B2AAE93-1203-4CB9-BFE2-D8321679B070}" type="datetimeFigureOut">
               <a:rPr lang="en-US" smtClean="0"/>
-              <a:t>04-May-20</a:t>
+              <a:t>10-May-20</a:t>
             </a:fld>
             <a:endParaRPr lang="en-US"/>
           </a:p>
@@ -9675,7 +9676,7 @@
           <a:p>
             <a:fld id="{8B2AAE93-1203-4CB9-BFE2-D8321679B070}" type="datetimeFigureOut">
               <a:rPr lang="en-US" smtClean="0"/>
-              <a:t>04-May-20</a:t>
+              <a:t>10-May-20</a:t>
             </a:fld>
             <a:endParaRPr lang="en-US"/>
           </a:p>
@@ -9802,7 +9803,7 @@
           <a:p>
             <a:fld id="{8B2AAE93-1203-4CB9-BFE2-D8321679B070}" type="datetimeFigureOut">
               <a:rPr lang="en-US" smtClean="0"/>
-              <a:t>04-May-20</a:t>
+              <a:t>10-May-20</a:t>
             </a:fld>
             <a:endParaRPr lang="en-US"/>
           </a:p>
@@ -9897,7 +9898,7 @@
           <a:p>
             <a:fld id="{8B2AAE93-1203-4CB9-BFE2-D8321679B070}" type="datetimeFigureOut">
               <a:rPr lang="en-US" smtClean="0"/>
-              <a:t>04-May-20</a:t>
+              <a:t>10-May-20</a:t>
             </a:fld>
             <a:endParaRPr lang="en-US"/>
           </a:p>
@@ -10978,7 +10979,7 @@
           <a:p>
             <a:fld id="{8B2AAE93-1203-4CB9-BFE2-D8321679B070}" type="datetimeFigureOut">
               <a:rPr lang="en-US" smtClean="0"/>
-              <a:t>04-May-20</a:t>
+              <a:t>10-May-20</a:t>
             </a:fld>
             <a:endParaRPr lang="en-US"/>
           </a:p>
@@ -12086,7 +12087,7 @@
           <a:p>
             <a:fld id="{8B2AAE93-1203-4CB9-BFE2-D8321679B070}" type="datetimeFigureOut">
               <a:rPr lang="en-US" smtClean="0"/>
-              <a:t>04-May-20</a:t>
+              <a:t>10-May-20</a:t>
             </a:fld>
             <a:endParaRPr lang="en-US"/>
           </a:p>
@@ -13083,7 +13084,7 @@
           <a:p>
             <a:fld id="{8B2AAE93-1203-4CB9-BFE2-D8321679B070}" type="datetimeFigureOut">
               <a:rPr lang="en-US" smtClean="0"/>
-              <a:t>04-May-20</a:t>
+              <a:t>10-May-20</a:t>
             </a:fld>
             <a:endParaRPr lang="en-US"/>
           </a:p>
@@ -14350,31 +14351,92 @@
             </a:r>
             <a:r>
               <a:rPr lang="sr-Latn-RS" i="1" dirty="0" smtClean="0"/>
-              <a:t>Behaviour-Driven Development (BDD)</a:t>
-            </a:r>
-          </a:p>
-          <a:p>
+              <a:t>Behaviour-Driven Development (BDD</a:t>
+            </a:r>
+            <a:r>
+              <a:rPr lang="sr-Latn-RS" i="1" dirty="0" smtClean="0"/>
+              <a:t>)</a:t>
+            </a:r>
+            <a:endParaRPr lang="sr-Latn-RS" dirty="0"/>
+          </a:p>
+          <a:p>
+            <a:r>
+              <a:rPr lang="sr-Latn-RS" dirty="0"/>
+              <a:t>Jednostavna </a:t>
+            </a:r>
             <a:r>
               <a:rPr lang="sr-Latn-RS" dirty="0" smtClean="0"/>
-              <a:t>Podržava testiranje za Frontend i Backend</a:t>
-            </a:r>
+              <a:t>sintaksa</a:t>
+            </a:r>
+            <a:endParaRPr lang="en-US" i="1" dirty="0" smtClean="0"/>
+          </a:p>
+          <a:p>
+            <a:r>
+              <a:rPr lang="en-US" dirty="0" err="1" smtClean="0"/>
+              <a:t>Kompatibilan</a:t>
+            </a:r>
+            <a:r>
+              <a:rPr lang="en-US" dirty="0" smtClean="0"/>
+              <a:t> </a:t>
+            </a:r>
+            <a:r>
+              <a:rPr lang="en-US" dirty="0" err="1" smtClean="0"/>
+              <a:t>sa</a:t>
+            </a:r>
+            <a:r>
+              <a:rPr lang="en-US" dirty="0" smtClean="0"/>
+              <a:t> </a:t>
+            </a:r>
+            <a:r>
+              <a:rPr lang="en-US" dirty="0" err="1" smtClean="0"/>
+              <a:t>drugim</a:t>
+            </a:r>
+            <a:r>
+              <a:rPr lang="en-US" dirty="0" smtClean="0"/>
+              <a:t> </a:t>
+            </a:r>
+            <a:r>
+              <a:rPr lang="en-US" dirty="0" err="1" smtClean="0"/>
+              <a:t>okvirima</a:t>
+            </a:r>
+            <a:r>
+              <a:rPr lang="en-US" dirty="0" smtClean="0"/>
+              <a:t> I </a:t>
+            </a:r>
+            <a:r>
+              <a:rPr lang="en-US" dirty="0" err="1" smtClean="0"/>
+              <a:t>bibliotekama</a:t>
+            </a:r>
+            <a:endParaRPr lang="en-US" dirty="0" smtClean="0"/>
           </a:p>
           <a:p>
             <a:r>
               <a:rPr lang="sr-Latn-RS" dirty="0" smtClean="0"/>
-              <a:t>Ne zahteva DOM</a:t>
-            </a:r>
-          </a:p>
-          <a:p>
+              <a:t>Ne </a:t>
+            </a:r>
             <a:r>
               <a:rPr lang="sr-Latn-RS" dirty="0" smtClean="0"/>
-              <a:t>Jednostavna sintaksa</a:t>
-            </a:r>
-          </a:p>
-          <a:p>
+              <a:t>zahteva </a:t>
+            </a:r>
             <a:r>
               <a:rPr lang="sr-Latn-RS" dirty="0" smtClean="0"/>
-              <a:t>Nema test runner </a:t>
+              <a:t>DOM</a:t>
+            </a:r>
+          </a:p>
+          <a:p>
+            <a:r>
+              <a:rPr lang="sr-Latn-RS" dirty="0" smtClean="0"/>
+              <a:t>Omogućava asinhrono testiranje </a:t>
+            </a:r>
+          </a:p>
+          <a:p>
+            <a:r>
+              <a:rPr lang="sr-Latn-RS" dirty="0" smtClean="0"/>
+              <a:t>Nema </a:t>
+            </a:r>
+            <a:r>
+              <a:rPr lang="sr-Latn-RS" dirty="0" smtClean="0"/>
+              <a:t>test runner </a:t>
             </a:r>
           </a:p>
           <a:p>
@@ -14428,7 +14490,7 @@
         </p:blipFill>
         <p:spPr>
           <a:xfrm>
-            <a:off x="4840072" y="4035699"/>
+            <a:off x="5375649" y="4701904"/>
             <a:ext cx="6021410" cy="1868713"/>
           </a:xfrm>
           <a:prstGeom prst="rect">
@@ -14490,20 +14552,8 @@
           <a:p>
             <a:pPr algn="ctr"/>
             <a:r>
-              <a:rPr lang="sr-Latn-RS" dirty="0" smtClean="0"/>
-              <a:t>Angular - </a:t>
-            </a:r>
-            <a:r>
               <a:rPr lang="en-US" dirty="0" smtClean="0"/>
-              <a:t>Karma </a:t>
-            </a:r>
-            <a:r>
-              <a:rPr lang="sr-Latn-RS" dirty="0"/>
-              <a:t>&amp;</a:t>
-            </a:r>
-            <a:r>
-              <a:rPr lang="en-US" dirty="0" smtClean="0"/>
-              <a:t> Jasmine</a:t>
+              <a:t> </a:t>
             </a:r>
             <a:endParaRPr lang="en-US" dirty="0"/>
           </a:p>
@@ -14557,6 +14607,12 @@
               <a:rPr lang="en-US" dirty="0" err="1" smtClean="0"/>
               <a:t>testova</a:t>
             </a:r>
+            <a:endParaRPr lang="en-US" dirty="0" smtClean="0"/>
+          </a:p>
+          <a:p>
+            <a:endParaRPr lang="en-US" dirty="0"/>
+          </a:p>
+          <a:p>
             <a:endParaRPr lang="en-US" dirty="0" smtClean="0"/>
           </a:p>
           <a:p>
@@ -14642,6 +14698,88 @@
           </a:prstGeom>
         </p:spPr>
       </p:pic>
+      <p:pic>
+        <p:nvPicPr>
+          <p:cNvPr id="1026" name="Picture 2" descr="Intro to unit testing Angular applications – Emir's Blog ..."/>
+          <p:cNvPicPr>
+            <a:picLocks noChangeAspect="1" noChangeArrowheads="1"/>
+          </p:cNvPicPr>
+          <p:nvPr/>
+        </p:nvPicPr>
+        <p:blipFill>
+          <a:blip r:embed="rId5">
+            <a:extLst>
+              <a:ext uri="{28A0092B-C50C-407E-A947-70E740481C1C}">
+                <a14:useLocalDpi xmlns:a14="http://schemas.microsoft.com/office/drawing/2010/main" val="0"/>
+              </a:ext>
+            </a:extLst>
+          </a:blip>
+          <a:srcRect/>
+          <a:stretch>
+            <a:fillRect/>
+          </a:stretch>
+        </p:blipFill>
+        <p:spPr bwMode="auto">
+          <a:xfrm>
+            <a:off x="4467498" y="482865"/>
+            <a:ext cx="4485856" cy="1760045"/>
+          </a:xfrm>
+          <a:prstGeom prst="rect">
+            <a:avLst/>
+          </a:prstGeom>
+          <a:noFill/>
+          <a:extLst>
+            <a:ext uri="{909E8E84-426E-40DD-AFC4-6F175D3DCCD1}">
+              <a14:hiddenFill xmlns:a14="http://schemas.microsoft.com/office/drawing/2010/main">
+                <a:solidFill>
+                  <a:srgbClr val="FFFFFF"/>
+                </a:solidFill>
+              </a14:hiddenFill>
+            </a:ext>
+          </a:extLst>
+        </p:spPr>
+      </p:pic>
+      <p:pic>
+        <p:nvPicPr>
+          <p:cNvPr id="11" name="Picture 2" descr="https://upload-icon.s3.us-east-2.amazonaws.com/uploads/icons/png/18594121091536125453-512.png"/>
+          <p:cNvPicPr>
+            <a:picLocks noChangeAspect="1" noChangeArrowheads="1"/>
+          </p:cNvPicPr>
+          <p:nvPr/>
+        </p:nvPicPr>
+        <p:blipFill>
+          <a:blip r:embed="rId6" cstate="print">
+            <a:extLst>
+              <a:ext uri="{28A0092B-C50C-407E-A947-70E740481C1C}">
+                <a14:useLocalDpi xmlns:a14="http://schemas.microsoft.com/office/drawing/2010/main" val="0"/>
+              </a:ext>
+            </a:extLst>
+          </a:blip>
+          <a:srcRect/>
+          <a:stretch>
+            <a:fillRect/>
+          </a:stretch>
+        </p:blipFill>
+        <p:spPr bwMode="auto">
+          <a:xfrm>
+            <a:off x="2939142" y="562971"/>
+            <a:ext cx="1528356" cy="1528356"/>
+          </a:xfrm>
+          <a:prstGeom prst="rect">
+            <a:avLst/>
+          </a:prstGeom>
+          <a:noFill/>
+          <a:extLst>
+            <a:ext uri="{909E8E84-426E-40DD-AFC4-6F175D3DCCD1}">
+              <a14:hiddenFill xmlns:a14="http://schemas.microsoft.com/office/drawing/2010/main">
+                <a:solidFill>
+                  <a:srgbClr val="FFFFFF"/>
+                </a:solidFill>
+              </a14:hiddenFill>
+            </a:ext>
+          </a:extLst>
+        </p:spPr>
+      </p:pic>
     </p:spTree>
     <p:extLst>
       <p:ext uri="{BB962C8B-B14F-4D97-AF65-F5344CB8AC3E}">
@@ -14681,106 +14819,159 @@
       </p:grpSpPr>
       <p:sp>
         <p:nvSpPr>
+          <p:cNvPr id="2" name="Title 1"/>
+          <p:cNvSpPr>
+            <a:spLocks noGrp="1"/>
+          </p:cNvSpPr>
+          <p:nvPr>
+            <p:ph type="title"/>
+          </p:nvPr>
+        </p:nvSpPr>
+        <p:spPr/>
+        <p:txBody>
+          <a:bodyPr/>
+          <a:lstStyle/>
+          <a:p>
+            <a:r>
+              <a:rPr lang="en-US" dirty="0" smtClean="0"/>
+              <a:t> </a:t>
+            </a:r>
+            <a:endParaRPr lang="en-US" dirty="0"/>
+          </a:p>
+        </p:txBody>
+      </p:sp>
+      <p:sp>
+        <p:nvSpPr>
           <p:cNvPr id="3" name="Content Placeholder 2"/>
           <p:cNvSpPr>
             <a:spLocks noGrp="1"/>
           </p:cNvSpPr>
           <p:nvPr>
-            <p:ph sz="half" idx="4294967295"/>
+            <p:ph idx="1"/>
           </p:nvPr>
         </p:nvSpPr>
         <p:spPr>
           <a:xfrm>
-            <a:off x="5839876" y="483326"/>
-            <a:ext cx="6073449" cy="5997479"/>
+            <a:off x="475686" y="2420620"/>
+            <a:ext cx="11189445" cy="4045494"/>
           </a:xfrm>
         </p:spPr>
         <p:txBody>
           <a:bodyPr/>
           <a:lstStyle/>
           <a:p>
+            <a:r>
+              <a:rPr lang="en-US" i="1" dirty="0"/>
+              <a:t>JavaScript testing </a:t>
+            </a:r>
+            <a:r>
+              <a:rPr lang="en-US" i="1" dirty="0" smtClean="0"/>
+              <a:t>framework</a:t>
+            </a:r>
+          </a:p>
+          <a:p>
+            <a:r>
+              <a:rPr lang="en-US" dirty="0" err="1" smtClean="0"/>
+              <a:t>Fleksibilan</a:t>
+            </a:r>
+            <a:r>
+              <a:rPr lang="en-US" dirty="0" smtClean="0"/>
+              <a:t>, pod</a:t>
+            </a:r>
+            <a:r>
+              <a:rPr lang="sr-Latn-RS" dirty="0" smtClean="0"/>
+              <a:t>žava mnoge </a:t>
+            </a:r>
+            <a:r>
+              <a:rPr lang="en-US" i="1" dirty="0" smtClean="0"/>
+              <a:t>assertion, mocking</a:t>
+            </a:r>
+            <a:r>
+              <a:rPr lang="en-US" dirty="0"/>
+              <a:t>, and </a:t>
+            </a:r>
+            <a:r>
+              <a:rPr lang="en-US" i="1" dirty="0"/>
+              <a:t>spy</a:t>
+            </a:r>
+            <a:r>
+              <a:rPr lang="en-US" dirty="0"/>
+              <a:t> </a:t>
+            </a:r>
+            <a:r>
+              <a:rPr lang="en-US" dirty="0" smtClean="0"/>
+              <a:t>bi</a:t>
+            </a:r>
+            <a:r>
+              <a:rPr lang="sr-Latn-RS" dirty="0" smtClean="0"/>
+              <a:t>blioteke</a:t>
+            </a:r>
             <a:endParaRPr lang="en-US" dirty="0" smtClean="0"/>
           </a:p>
           <a:p>
-            <a:endParaRPr lang="en-US" dirty="0"/>
-          </a:p>
-          <a:p>
-            <a:endParaRPr lang="en-US" dirty="0" smtClean="0"/>
-          </a:p>
-          <a:p>
-            <a:endParaRPr lang="en-US" dirty="0" smtClean="0"/>
-          </a:p>
-          <a:p>
-            <a:endParaRPr lang="en-US" dirty="0"/>
-          </a:p>
-        </p:txBody>
-      </p:sp>
-      <p:sp>
-        <p:nvSpPr>
-          <p:cNvPr id="10" name="Content Placeholder 9"/>
-          <p:cNvSpPr>
-            <a:spLocks noGrp="1"/>
-          </p:cNvSpPr>
-          <p:nvPr>
-            <p:ph sz="half" idx="4294967295"/>
-          </p:nvPr>
-        </p:nvSpPr>
-        <p:spPr>
-          <a:xfrm>
-            <a:off x="2658311" y="146045"/>
-            <a:ext cx="6363129" cy="6436909"/>
-          </a:xfrm>
-        </p:spPr>
-        <p:txBody>
-          <a:bodyPr/>
-          <a:lstStyle/>
-          <a:p>
-            <a:pPr marL="0" indent="0" algn="ctr">
-              <a:buNone/>
-            </a:pPr>
-            <a:r>
-              <a:rPr lang="en-US" sz="2400" dirty="0" err="1"/>
-              <a:t>p</a:t>
-            </a:r>
-            <a:r>
-              <a:rPr lang="en-US" sz="2400" dirty="0" err="1" smtClean="0"/>
-              <a:t>ackage.json</a:t>
-            </a:r>
-            <a:endParaRPr lang="en-US" sz="2400" dirty="0" smtClean="0"/>
-          </a:p>
-          <a:p>
+            <a:r>
+              <a:rPr lang="en-US" dirty="0" err="1" smtClean="0"/>
+              <a:t>Podr</a:t>
+            </a:r>
+            <a:r>
+              <a:rPr lang="sr-Latn-RS" dirty="0" smtClean="0"/>
+              <a:t>žava sinhrono i asinhrono testiranje</a:t>
+            </a:r>
+          </a:p>
+          <a:p>
+            <a:r>
+              <a:rPr lang="sr-Latn-RS" dirty="0" smtClean="0"/>
+              <a:t>Podržava BDD i TDD razvoje</a:t>
+            </a:r>
             <a:endParaRPr lang="en-US" dirty="0"/>
           </a:p>
         </p:txBody>
       </p:sp>
       <p:pic>
         <p:nvPicPr>
-          <p:cNvPr id="11" name="Picture 10"/>
+          <p:cNvPr id="2050" name="Picture 2" descr="https://seeklogo.com/images/M/mocha-logo-66DA231220-seeklogo.com.png"/>
           <p:cNvPicPr>
-            <a:picLocks noChangeAspect="1"/>
+            <a:picLocks noChangeAspect="1" noChangeArrowheads="1"/>
           </p:cNvPicPr>
           <p:nvPr/>
         </p:nvPicPr>
         <p:blipFill>
-          <a:blip r:embed="rId2"/>
+          <a:blip r:embed="rId2">
+            <a:extLst>
+              <a:ext uri="{28A0092B-C50C-407E-A947-70E740481C1C}">
+                <a14:useLocalDpi xmlns:a14="http://schemas.microsoft.com/office/drawing/2010/main" val="0"/>
+              </a:ext>
+            </a:extLst>
+          </a:blip>
+          <a:srcRect/>
           <a:stretch>
             <a:fillRect/>
           </a:stretch>
         </p:blipFill>
-        <p:spPr>
+        <p:spPr bwMode="auto">
           <a:xfrm>
-            <a:off x="3018386" y="666011"/>
-            <a:ext cx="5858214" cy="5916943"/>
+            <a:off x="5453652" y="544184"/>
+            <a:ext cx="1472928" cy="1673782"/>
           </a:xfrm>
           <a:prstGeom prst="rect">
             <a:avLst/>
           </a:prstGeom>
+          <a:noFill/>
+          <a:extLst>
+            <a:ext uri="{909E8E84-426E-40DD-AFC4-6F175D3DCCD1}">
+              <a14:hiddenFill xmlns:a14="http://schemas.microsoft.com/office/drawing/2010/main">
+                <a:solidFill>
+                  <a:srgbClr val="FFFFFF"/>
+                </a:solidFill>
+              </a14:hiddenFill>
+            </a:ext>
+          </a:extLst>
         </p:spPr>
       </p:pic>
     </p:spTree>
     <p:extLst>
       <p:ext uri="{BB962C8B-B14F-4D97-AF65-F5344CB8AC3E}">
-        <p14:creationId xmlns:p14="http://schemas.microsoft.com/office/powerpoint/2010/main" val="2896372607"/>
+        <p14:creationId xmlns:p14="http://schemas.microsoft.com/office/powerpoint/2010/main" val="1246240977"/>
       </p:ext>
     </p:extLst>
   </p:cSld>
@@ -14814,9 +15005,170 @@
           <a:chExt cx="0" cy="0"/>
         </a:xfrm>
       </p:grpSpPr>
+      <p:sp>
+        <p:nvSpPr>
+          <p:cNvPr id="3" name="Content Placeholder 2"/>
+          <p:cNvSpPr>
+            <a:spLocks noGrp="1"/>
+          </p:cNvSpPr>
+          <p:nvPr>
+            <p:ph sz="half" idx="4294967295"/>
+          </p:nvPr>
+        </p:nvSpPr>
+        <p:spPr>
+          <a:xfrm>
+            <a:off x="0" y="3179763"/>
+            <a:ext cx="4824413" cy="2840037"/>
+          </a:xfrm>
+        </p:spPr>
+        <p:txBody>
+          <a:bodyPr/>
+          <a:lstStyle/>
+          <a:p>
+            <a:endParaRPr lang="en-US" dirty="0" smtClean="0"/>
+          </a:p>
+          <a:p>
+            <a:endParaRPr lang="en-US" dirty="0"/>
+          </a:p>
+          <a:p>
+            <a:endParaRPr lang="en-US" dirty="0" smtClean="0"/>
+          </a:p>
+          <a:p>
+            <a:endParaRPr lang="en-US" dirty="0" smtClean="0"/>
+          </a:p>
+          <a:p>
+            <a:endParaRPr lang="en-US" dirty="0"/>
+          </a:p>
+        </p:txBody>
+      </p:sp>
+      <p:sp>
+        <p:nvSpPr>
+          <p:cNvPr id="2" name="Title 1"/>
+          <p:cNvSpPr>
+            <a:spLocks noGrp="1"/>
+          </p:cNvSpPr>
+          <p:nvPr>
+            <p:ph type="title" idx="4294967295"/>
+          </p:nvPr>
+        </p:nvSpPr>
+        <p:spPr>
+          <a:xfrm>
+            <a:off x="1530539" y="98352"/>
+            <a:ext cx="8761413" cy="708025"/>
+          </a:xfrm>
+        </p:spPr>
+        <p:txBody>
+          <a:bodyPr/>
+          <a:lstStyle/>
+          <a:p>
+            <a:pPr marL="0" indent="0" algn="ctr"/>
+            <a:r>
+              <a:rPr lang="en-US" dirty="0" err="1" smtClean="0">
+                <a:solidFill>
+                  <a:schemeClr val="tx1">
+                    <a:lumMod val="65000"/>
+                    <a:lumOff val="35000"/>
+                  </a:schemeClr>
+                </a:solidFill>
+              </a:rPr>
+              <a:t>package.json</a:t>
+            </a:r>
+            <a:endParaRPr lang="en-US" dirty="0">
+              <a:solidFill>
+                <a:schemeClr val="tx1">
+                  <a:lumMod val="65000"/>
+                  <a:lumOff val="35000"/>
+                </a:schemeClr>
+              </a:solidFill>
+            </a:endParaRPr>
+          </a:p>
+        </p:txBody>
+      </p:sp>
+      <p:sp>
+        <p:nvSpPr>
+          <p:cNvPr id="4" name="Text Placeholder 3"/>
+          <p:cNvSpPr>
+            <a:spLocks noGrp="1"/>
+          </p:cNvSpPr>
+          <p:nvPr>
+            <p:ph type="body" idx="4294967295"/>
+          </p:nvPr>
+        </p:nvSpPr>
+        <p:spPr>
+          <a:xfrm>
+            <a:off x="365761" y="806377"/>
+            <a:ext cx="4824413" cy="576262"/>
+          </a:xfrm>
+        </p:spPr>
+        <p:txBody>
+          <a:bodyPr>
+            <a:normAutofit/>
+          </a:bodyPr>
+          <a:lstStyle/>
+          <a:p>
+            <a:pPr marL="0" indent="0" algn="ctr">
+              <a:buNone/>
+            </a:pPr>
+            <a:r>
+              <a:rPr lang="en-US" sz="2400" dirty="0" smtClean="0">
+                <a:solidFill>
+                  <a:srgbClr val="735827"/>
+                </a:solidFill>
+              </a:rPr>
+              <a:t>Jasmine</a:t>
+            </a:r>
+            <a:endParaRPr lang="en-US" sz="2400" dirty="0">
+              <a:solidFill>
+                <a:srgbClr val="735827"/>
+              </a:solidFill>
+            </a:endParaRPr>
+          </a:p>
+        </p:txBody>
+      </p:sp>
+      <p:sp>
+        <p:nvSpPr>
+          <p:cNvPr id="5" name="Text Placeholder 4"/>
+          <p:cNvSpPr>
+            <a:spLocks noGrp="1"/>
+          </p:cNvSpPr>
+          <p:nvPr>
+            <p:ph type="body" sz="quarter" idx="4294967295"/>
+          </p:nvPr>
+        </p:nvSpPr>
+        <p:spPr>
+          <a:xfrm>
+            <a:off x="6196339" y="806376"/>
+            <a:ext cx="4824412" cy="576263"/>
+          </a:xfrm>
+        </p:spPr>
+        <p:txBody>
+          <a:bodyPr>
+            <a:normAutofit/>
+          </a:bodyPr>
+          <a:lstStyle/>
+          <a:p>
+            <a:pPr marL="0" indent="0" algn="ctr">
+              <a:buNone/>
+            </a:pPr>
+            <a:r>
+              <a:rPr lang="en-US" sz="2400" dirty="0" smtClean="0">
+                <a:solidFill>
+                  <a:srgbClr val="735827"/>
+                </a:solidFill>
+              </a:rPr>
+              <a:t>Mocha</a:t>
+            </a:r>
+            <a:endParaRPr lang="en-US" sz="2400" dirty="0">
+              <a:solidFill>
+                <a:srgbClr val="735827"/>
+              </a:solidFill>
+            </a:endParaRPr>
+          </a:p>
+        </p:txBody>
+      </p:sp>
       <p:pic>
         <p:nvPicPr>
-          <p:cNvPr id="2" name="Picture 1"/>
+          <p:cNvPr id="11" name="Picture 10"/>
           <p:cNvPicPr>
             <a:picLocks noChangeAspect="1"/>
           </p:cNvPicPr>
@@ -14830,48 +15182,42 @@
         </p:blipFill>
         <p:spPr>
           <a:xfrm>
-            <a:off x="2792768" y="822767"/>
-            <a:ext cx="6155289" cy="5893321"/>
+            <a:off x="751607" y="1382638"/>
+            <a:ext cx="5175286" cy="5227168"/>
           </a:xfrm>
           <a:prstGeom prst="rect">
             <a:avLst/>
           </a:prstGeom>
         </p:spPr>
       </p:pic>
-      <p:sp>
-        <p:nvSpPr>
-          <p:cNvPr id="3" name="TextBox 2"/>
-          <p:cNvSpPr txBox="1"/>
+      <p:pic>
+        <p:nvPicPr>
+          <p:cNvPr id="9" name="Picture 8"/>
+          <p:cNvPicPr>
+            <a:picLocks noChangeAspect="1"/>
+          </p:cNvPicPr>
           <p:nvPr/>
-        </p:nvSpPr>
+        </p:nvPicPr>
+        <p:blipFill>
+          <a:blip r:embed="rId3"/>
+          <a:stretch>
+            <a:fillRect/>
+          </a:stretch>
+        </p:blipFill>
         <p:spPr>
           <a:xfrm>
-            <a:off x="4447757" y="195943"/>
-            <a:ext cx="2444900" cy="461665"/>
+            <a:off x="6577263" y="1382638"/>
+            <a:ext cx="4817437" cy="5227168"/>
           </a:xfrm>
           <a:prstGeom prst="rect">
             <a:avLst/>
           </a:prstGeom>
-          <a:noFill/>
         </p:spPr>
-        <p:txBody>
-          <a:bodyPr wrap="none" rtlCol="0">
-            <a:spAutoFit/>
-          </a:bodyPr>
-          <a:lstStyle/>
-          <a:p>
-            <a:r>
-              <a:rPr lang="en-US" sz="2400" dirty="0" smtClean="0"/>
-              <a:t>karma.config.js</a:t>
-            </a:r>
-            <a:endParaRPr lang="en-US" sz="2400" dirty="0"/>
-          </a:p>
-        </p:txBody>
-      </p:sp>
+      </p:pic>
     </p:spTree>
     <p:extLst>
       <p:ext uri="{BB962C8B-B14F-4D97-AF65-F5344CB8AC3E}">
-        <p14:creationId xmlns:p14="http://schemas.microsoft.com/office/powerpoint/2010/main" val="3781607857"/>
+        <p14:creationId xmlns:p14="http://schemas.microsoft.com/office/powerpoint/2010/main" val="2896372607"/>
       </p:ext>
     </p:extLst>
   </p:cSld>
@@ -14921,8 +15267,8 @@
         </p:blipFill>
         <p:spPr>
           <a:xfrm>
-            <a:off x="2623150" y="769944"/>
-            <a:ext cx="6559898" cy="5922499"/>
+            <a:off x="376139" y="1313133"/>
+            <a:ext cx="5450256" cy="5218295"/>
           </a:xfrm>
           <a:prstGeom prst="rect">
             <a:avLst/>
@@ -14931,42 +15277,157 @@
       </p:pic>
       <p:sp>
         <p:nvSpPr>
-          <p:cNvPr id="3" name="Rectangle 2"/>
-          <p:cNvSpPr/>
-          <p:nvPr/>
+          <p:cNvPr id="4" name="Title 3"/>
+          <p:cNvSpPr>
+            <a:spLocks noGrp="1"/>
+          </p:cNvSpPr>
+          <p:nvPr>
+            <p:ph type="title" idx="4294967295"/>
+          </p:nvPr>
         </p:nvSpPr>
         <p:spPr>
           <a:xfrm>
-            <a:off x="4880062" y="203776"/>
-            <a:ext cx="1023037" cy="461665"/>
+            <a:off x="1907177" y="0"/>
+            <a:ext cx="8761413" cy="708025"/>
+          </a:xfrm>
+        </p:spPr>
+        <p:txBody>
+          <a:bodyPr/>
+          <a:lstStyle/>
+          <a:p>
+            <a:pPr algn="ctr"/>
+            <a:r>
+              <a:rPr lang="en-US" dirty="0" smtClean="0">
+                <a:solidFill>
+                  <a:schemeClr val="tx1">
+                    <a:lumMod val="65000"/>
+                    <a:lumOff val="35000"/>
+                  </a:schemeClr>
+                </a:solidFill>
+              </a:rPr>
+              <a:t>karma.config.js</a:t>
+            </a:r>
+            <a:endParaRPr lang="en-US" dirty="0">
+              <a:solidFill>
+                <a:schemeClr val="tx1">
+                  <a:lumMod val="65000"/>
+                  <a:lumOff val="35000"/>
+                </a:schemeClr>
+              </a:solidFill>
+            </a:endParaRPr>
+          </a:p>
+        </p:txBody>
+      </p:sp>
+      <p:sp>
+        <p:nvSpPr>
+          <p:cNvPr id="6" name="Text Placeholder 5"/>
+          <p:cNvSpPr>
+            <a:spLocks noGrp="1"/>
+          </p:cNvSpPr>
+          <p:nvPr>
+            <p:ph type="body" idx="4294967295"/>
+          </p:nvPr>
+        </p:nvSpPr>
+        <p:spPr>
+          <a:xfrm>
+            <a:off x="1907177" y="829581"/>
+            <a:ext cx="4824413" cy="576263"/>
+          </a:xfrm>
+        </p:spPr>
+        <p:txBody>
+          <a:bodyPr>
+            <a:normAutofit/>
+          </a:bodyPr>
+          <a:lstStyle/>
+          <a:p>
+            <a:pPr marL="0" indent="0">
+              <a:buNone/>
+            </a:pPr>
+            <a:r>
+              <a:rPr lang="en-US" sz="2400" dirty="0" smtClean="0">
+                <a:solidFill>
+                  <a:srgbClr val="735827"/>
+                </a:solidFill>
+              </a:rPr>
+              <a:t>Jasmine</a:t>
+            </a:r>
+            <a:endParaRPr lang="en-US" sz="2400" dirty="0">
+              <a:solidFill>
+                <a:srgbClr val="735827"/>
+              </a:solidFill>
+            </a:endParaRPr>
+          </a:p>
+        </p:txBody>
+      </p:sp>
+      <p:sp>
+        <p:nvSpPr>
+          <p:cNvPr id="8" name="Text Placeholder 7"/>
+          <p:cNvSpPr>
+            <a:spLocks noGrp="1"/>
+          </p:cNvSpPr>
+          <p:nvPr>
+            <p:ph type="body" sz="quarter" idx="4294967295"/>
+          </p:nvPr>
+        </p:nvSpPr>
+        <p:spPr>
+          <a:xfrm>
+            <a:off x="8055722" y="782856"/>
+            <a:ext cx="4824412" cy="576263"/>
+          </a:xfrm>
+        </p:spPr>
+        <p:txBody>
+          <a:bodyPr>
+            <a:normAutofit/>
+          </a:bodyPr>
+          <a:lstStyle/>
+          <a:p>
+            <a:pPr marL="0" indent="0">
+              <a:buNone/>
+            </a:pPr>
+            <a:r>
+              <a:rPr lang="en-US" sz="2400" dirty="0" smtClean="0">
+                <a:solidFill>
+                  <a:srgbClr val="735827"/>
+                </a:solidFill>
+              </a:rPr>
+              <a:t>Mocha</a:t>
+            </a:r>
+            <a:endParaRPr lang="en-US" sz="2400" dirty="0">
+              <a:solidFill>
+                <a:srgbClr val="735827"/>
+              </a:solidFill>
+            </a:endParaRPr>
+          </a:p>
+        </p:txBody>
+      </p:sp>
+      <p:pic>
+        <p:nvPicPr>
+          <p:cNvPr id="10" name="Picture 9"/>
+          <p:cNvPicPr>
+            <a:picLocks noChangeAspect="1"/>
+          </p:cNvPicPr>
+          <p:nvPr/>
+        </p:nvPicPr>
+        <p:blipFill>
+          <a:blip r:embed="rId3"/>
+          <a:stretch>
+            <a:fillRect/>
+          </a:stretch>
+        </p:blipFill>
+        <p:spPr>
+          <a:xfrm>
+            <a:off x="6548710" y="1312394"/>
+            <a:ext cx="4815546" cy="5219034"/>
           </a:xfrm>
           <a:prstGeom prst="rect">
             <a:avLst/>
           </a:prstGeom>
         </p:spPr>
-        <p:txBody>
-          <a:bodyPr wrap="none">
-            <a:spAutoFit/>
-          </a:bodyPr>
-          <a:lstStyle/>
-          <a:p>
-            <a:pPr algn="ctr"/>
-            <a:r>
-              <a:rPr lang="en-US" sz="2400" dirty="0" err="1"/>
-              <a:t>t</a:t>
-            </a:r>
-            <a:r>
-              <a:rPr lang="en-US" sz="2400" dirty="0" err="1" smtClean="0"/>
-              <a:t>est.ts</a:t>
-            </a:r>
-            <a:endParaRPr lang="en-US" sz="2400" dirty="0"/>
-          </a:p>
-        </p:txBody>
-      </p:sp>
+      </p:pic>
     </p:spTree>
     <p:extLst>
       <p:ext uri="{BB962C8B-B14F-4D97-AF65-F5344CB8AC3E}">
-        <p14:creationId xmlns:p14="http://schemas.microsoft.com/office/powerpoint/2010/main" val="2378359277"/>
+        <p14:creationId xmlns:p14="http://schemas.microsoft.com/office/powerpoint/2010/main" val="3781607857"/>
       </p:ext>
     </p:extLst>
   </p:cSld>
@@ -15016,17 +15477,295 @@
         </p:blipFill>
         <p:spPr>
           <a:xfrm>
-            <a:off x="4349931" y="1280159"/>
-            <a:ext cx="6531430" cy="5306787"/>
+            <a:off x="2610088" y="708025"/>
+            <a:ext cx="6559898" cy="5922499"/>
           </a:xfrm>
           <a:prstGeom prst="rect">
             <a:avLst/>
           </a:prstGeom>
         </p:spPr>
       </p:pic>
+      <p:sp>
+        <p:nvSpPr>
+          <p:cNvPr id="4" name="Title 3"/>
+          <p:cNvSpPr>
+            <a:spLocks noGrp="1"/>
+          </p:cNvSpPr>
+          <p:nvPr>
+            <p:ph type="title" idx="4294967295"/>
+          </p:nvPr>
+        </p:nvSpPr>
+        <p:spPr>
+          <a:xfrm>
+            <a:off x="1261135" y="0"/>
+            <a:ext cx="8761413" cy="708025"/>
+          </a:xfrm>
+        </p:spPr>
+        <p:txBody>
+          <a:bodyPr/>
+          <a:lstStyle/>
+          <a:p>
+            <a:pPr algn="ctr"/>
+            <a:r>
+              <a:rPr lang="en-US" dirty="0" err="1" smtClean="0">
+                <a:solidFill>
+                  <a:schemeClr val="tx1">
+                    <a:lumMod val="65000"/>
+                    <a:lumOff val="35000"/>
+                  </a:schemeClr>
+                </a:solidFill>
+              </a:rPr>
+              <a:t>test.ts</a:t>
+            </a:r>
+            <a:endParaRPr lang="en-US" dirty="0">
+              <a:solidFill>
+                <a:schemeClr val="tx1">
+                  <a:lumMod val="65000"/>
+                  <a:lumOff val="35000"/>
+                </a:schemeClr>
+              </a:solidFill>
+            </a:endParaRPr>
+          </a:p>
+        </p:txBody>
+      </p:sp>
+    </p:spTree>
+    <p:extLst>
+      <p:ext uri="{BB962C8B-B14F-4D97-AF65-F5344CB8AC3E}">
+        <p14:creationId xmlns:p14="http://schemas.microsoft.com/office/powerpoint/2010/main" val="2378359277"/>
+      </p:ext>
+    </p:extLst>
+  </p:cSld>
+  <p:clrMapOvr>
+    <a:masterClrMapping/>
+  </p:clrMapOvr>
+  <p:timing>
+    <p:tnLst>
+      <p:par>
+        <p:cTn id="1" dur="indefinite" restart="never" nodeType="tmRoot"/>
+      </p:par>
+    </p:tnLst>
+  </p:timing>
+</p:sld>
+</file>
+
+<file path=ppt/slides/slide17.xml><?xml version="1.0" encoding="utf-8"?>
+<p:sld xmlns:a="http://schemas.openxmlformats.org/drawingml/2006/main" xmlns:r="http://schemas.openxmlformats.org/officeDocument/2006/relationships" xmlns:p="http://schemas.openxmlformats.org/presentationml/2006/main">
+  <p:cSld>
+    <p:spTree>
+      <p:nvGrpSpPr>
+        <p:cNvPr id="1" name=""/>
+        <p:cNvGrpSpPr/>
+        <p:nvPr/>
+      </p:nvGrpSpPr>
+      <p:grpSpPr>
+        <a:xfrm>
+          <a:off x="0" y="0"/>
+          <a:ext cx="0" cy="0"/>
+          <a:chOff x="0" y="0"/>
+          <a:chExt cx="0" cy="0"/>
+        </a:xfrm>
+      </p:grpSpPr>
+      <p:sp>
+        <p:nvSpPr>
+          <p:cNvPr id="2" name="TextBox 1"/>
+          <p:cNvSpPr txBox="1"/>
+          <p:nvPr/>
+        </p:nvSpPr>
+        <p:spPr>
+          <a:xfrm>
+            <a:off x="1266610" y="2568657"/>
+            <a:ext cx="1997663" cy="461665"/>
+          </a:xfrm>
+          <a:prstGeom prst="rect">
+            <a:avLst/>
+          </a:prstGeom>
+          <a:noFill/>
+        </p:spPr>
+        <p:txBody>
+          <a:bodyPr wrap="none" rtlCol="0">
+            <a:spAutoFit/>
+          </a:bodyPr>
+          <a:lstStyle/>
+          <a:p>
+            <a:r>
+              <a:rPr lang="en-US" sz="2400" dirty="0" err="1" smtClean="0"/>
+              <a:t>angular.json</a:t>
+            </a:r>
+            <a:endParaRPr lang="en-US" sz="2400" dirty="0"/>
+          </a:p>
+        </p:txBody>
+      </p:sp>
       <p:pic>
         <p:nvPicPr>
-          <p:cNvPr id="6" name="Picture 5"/>
+          <p:cNvPr id="3" name="Picture 2"/>
+          <p:cNvPicPr>
+            <a:picLocks noChangeAspect="1"/>
+          </p:cNvPicPr>
+          <p:nvPr/>
+        </p:nvPicPr>
+        <p:blipFill>
+          <a:blip r:embed="rId2"/>
+          <a:stretch>
+            <a:fillRect/>
+          </a:stretch>
+        </p:blipFill>
+        <p:spPr>
+          <a:xfrm>
+            <a:off x="457229" y="3094096"/>
+            <a:ext cx="4099506" cy="3398144"/>
+          </a:xfrm>
+          <a:prstGeom prst="rect">
+            <a:avLst/>
+          </a:prstGeom>
+        </p:spPr>
+      </p:pic>
+      <p:sp>
+        <p:nvSpPr>
+          <p:cNvPr id="9" name="Title 8"/>
+          <p:cNvSpPr>
+            <a:spLocks noGrp="1"/>
+          </p:cNvSpPr>
+          <p:nvPr>
+            <p:ph type="title"/>
+          </p:nvPr>
+        </p:nvSpPr>
+        <p:spPr>
+          <a:xfrm>
+            <a:off x="1716657" y="837985"/>
+            <a:ext cx="8761413" cy="706964"/>
+          </a:xfrm>
+        </p:spPr>
+        <p:txBody>
+          <a:bodyPr/>
+          <a:lstStyle/>
+          <a:p>
+            <a:pPr algn="ctr"/>
+            <a:r>
+              <a:rPr lang="en-US" i="1" dirty="0" smtClean="0"/>
+              <a:t>Code-coverage report</a:t>
+            </a:r>
+            <a:endParaRPr lang="en-US" i="1" dirty="0"/>
+          </a:p>
+        </p:txBody>
+      </p:sp>
+      <p:sp>
+        <p:nvSpPr>
+          <p:cNvPr id="14" name="Content Placeholder 13"/>
+          <p:cNvSpPr>
+            <a:spLocks noGrp="1"/>
+          </p:cNvSpPr>
+          <p:nvPr>
+            <p:ph idx="1"/>
+          </p:nvPr>
+        </p:nvSpPr>
+        <p:spPr>
+          <a:xfrm>
+            <a:off x="4727622" y="2947858"/>
+            <a:ext cx="6888457" cy="3416300"/>
+          </a:xfrm>
+        </p:spPr>
+        <p:txBody>
+          <a:bodyPr/>
+          <a:lstStyle/>
+          <a:p>
+            <a:r>
+              <a:rPr lang="en-US" dirty="0" err="1" smtClean="0"/>
+              <a:t>Pokretanje</a:t>
+            </a:r>
+            <a:r>
+              <a:rPr lang="en-US" dirty="0" smtClean="0"/>
+              <a:t> </a:t>
+            </a:r>
+            <a:r>
+              <a:rPr lang="en-US" dirty="0" err="1" smtClean="0"/>
+              <a:t>testova</a:t>
+            </a:r>
+            <a:endParaRPr lang="en-US" dirty="0" smtClean="0"/>
+          </a:p>
+          <a:p>
+            <a:endParaRPr lang="en-US" dirty="0"/>
+          </a:p>
+          <a:p>
+            <a:r>
+              <a:rPr lang="en-US" dirty="0" err="1"/>
+              <a:t>Pokretanje</a:t>
+            </a:r>
+            <a:r>
+              <a:rPr lang="en-US" dirty="0"/>
+              <a:t> </a:t>
+            </a:r>
+            <a:r>
+              <a:rPr lang="en-US" dirty="0" err="1"/>
+              <a:t>testova</a:t>
+            </a:r>
+            <a:r>
+              <a:rPr lang="en-US" dirty="0"/>
+              <a:t> </a:t>
+            </a:r>
+            <a:r>
+              <a:rPr lang="sr-Latn-RS" dirty="0"/>
+              <a:t>i</a:t>
+            </a:r>
+            <a:r>
+              <a:rPr lang="en-US" dirty="0"/>
+              <a:t> </a:t>
+            </a:r>
+            <a:r>
+              <a:rPr lang="en-US" dirty="0" err="1"/>
+              <a:t>kreiranje</a:t>
+            </a:r>
+            <a:r>
+              <a:rPr lang="en-US" dirty="0"/>
+              <a:t> </a:t>
+            </a:r>
+            <a:r>
+              <a:rPr lang="en-US" i="1" dirty="0"/>
+              <a:t>code-coverage</a:t>
+            </a:r>
+            <a:r>
+              <a:rPr lang="en-US" dirty="0"/>
+              <a:t> </a:t>
+            </a:r>
+            <a:r>
+              <a:rPr lang="sr-Latn-RS" dirty="0"/>
+              <a:t>izveštaja</a:t>
+            </a:r>
+            <a:endParaRPr lang="en-US" dirty="0"/>
+          </a:p>
+          <a:p>
+            <a:endParaRPr lang="en-US" dirty="0"/>
+          </a:p>
+        </p:txBody>
+      </p:sp>
+      <p:sp>
+        <p:nvSpPr>
+          <p:cNvPr id="11" name="TextBox 10"/>
+          <p:cNvSpPr txBox="1"/>
+          <p:nvPr/>
+        </p:nvSpPr>
+        <p:spPr>
+          <a:xfrm>
+            <a:off x="-536396" y="4346129"/>
+            <a:ext cx="184731" cy="369332"/>
+          </a:xfrm>
+          <a:prstGeom prst="rect">
+            <a:avLst/>
+          </a:prstGeom>
+          <a:noFill/>
+        </p:spPr>
+        <p:txBody>
+          <a:bodyPr wrap="none" rtlCol="0">
+            <a:spAutoFit/>
+          </a:bodyPr>
+          <a:lstStyle/>
+          <a:p>
+            <a:endParaRPr lang="en-US" dirty="0"/>
+          </a:p>
+        </p:txBody>
+      </p:sp>
+      <p:pic>
+        <p:nvPicPr>
+          <p:cNvPr id="15" name="Picture 14"/>
           <p:cNvPicPr>
             <a:picLocks noChangeAspect="1"/>
           </p:cNvPicPr>
@@ -15040,8 +15779,32 @@
         </p:blipFill>
         <p:spPr>
           <a:xfrm>
-            <a:off x="680221" y="1280159"/>
-            <a:ext cx="3228975" cy="1704975"/>
+            <a:off x="5155497" y="4230728"/>
+            <a:ext cx="2850383" cy="230801"/>
+          </a:xfrm>
+          <a:prstGeom prst="rect">
+            <a:avLst/>
+          </a:prstGeom>
+        </p:spPr>
+      </p:pic>
+      <p:pic>
+        <p:nvPicPr>
+          <p:cNvPr id="18" name="Picture 17"/>
+          <p:cNvPicPr>
+            <a:picLocks noChangeAspect="1"/>
+          </p:cNvPicPr>
+          <p:nvPr/>
+        </p:nvPicPr>
+        <p:blipFill>
+          <a:blip r:embed="rId4"/>
+          <a:stretch>
+            <a:fillRect/>
+          </a:stretch>
+        </p:blipFill>
+        <p:spPr>
+          <a:xfrm>
+            <a:off x="5155497" y="3414376"/>
+            <a:ext cx="2871614" cy="217098"/>
           </a:xfrm>
           <a:prstGeom prst="rect">
             <a:avLst/>
@@ -15051,13 +15814,20 @@
     </p:spTree>
     <p:extLst>
       <p:ext uri="{BB962C8B-B14F-4D97-AF65-F5344CB8AC3E}">
-        <p14:creationId xmlns:p14="http://schemas.microsoft.com/office/powerpoint/2010/main" val="1453019555"/>
+        <p14:creationId xmlns:p14="http://schemas.microsoft.com/office/powerpoint/2010/main" val="1033238721"/>
       </p:ext>
     </p:extLst>
   </p:cSld>
   <p:clrMapOvr>
     <a:masterClrMapping/>
   </p:clrMapOvr>
+  <p:timing>
+    <p:tnLst>
+      <p:par>
+        <p:cTn id="1" dur="indefinite" restart="never" nodeType="tmRoot"/>
+      </p:par>
+    </p:tnLst>
+  </p:timing>
 </p:sld>
 </file>
 
@@ -16363,13 +17133,8 @@
             </a:r>
             <a:r>
               <a:rPr lang="sr-Latn-RS" dirty="0" smtClean="0"/>
-              <a:t> izvornnog </a:t>
-            </a:r>
-            <a:r>
-              <a:rPr lang="sr-Latn-RS" dirty="0" smtClean="0"/>
-              <a:t>koda</a:t>
-            </a:r>
-            <a:endParaRPr lang="sr-Latn-RS" dirty="0" smtClean="0"/>
+              <a:t> izvornnog koda</a:t>
+            </a:r>
           </a:p>
         </p:txBody>
       </p:sp>
@@ -17383,7 +18148,12 @@
             <p:ph type="title"/>
           </p:nvPr>
         </p:nvSpPr>
-        <p:spPr/>
+        <p:spPr>
+          <a:xfrm>
+            <a:off x="1332364" y="676317"/>
+            <a:ext cx="8761413" cy="1298868"/>
+          </a:xfrm>
+        </p:spPr>
         <p:txBody>
           <a:bodyPr/>
           <a:lstStyle/>
@@ -17424,6 +18194,10 @@
             <a:r>
               <a:rPr lang="en-US" dirty="0" err="1" smtClean="0"/>
               <a:t>rameworks</a:t>
+            </a:r>
+            <a:r>
+              <a:rPr lang="en-US" dirty="0" smtClean="0"/>
+              <a:t>, Test Runners, Libraries and Tools</a:t>
             </a:r>
             <a:endParaRPr lang="en-US" dirty="0"/>
           </a:p>
@@ -17496,7 +18270,7 @@
       </p:pic>
       <p:pic>
         <p:nvPicPr>
-          <p:cNvPr id="30" name="Picture 29"/>
+          <p:cNvPr id="3" name="Picture 2"/>
           <p:cNvPicPr>
             <a:picLocks noChangeAspect="1"/>
           </p:cNvPicPr>
@@ -17504,30 +18278,6 @@
         </p:nvPicPr>
         <p:blipFill>
           <a:blip r:embed="rId4"/>
-          <a:stretch>
-            <a:fillRect/>
-          </a:stretch>
-        </p:blipFill>
-        <p:spPr>
-          <a:xfrm>
-            <a:off x="234725" y="2802131"/>
-            <a:ext cx="4200794" cy="1303695"/>
-          </a:xfrm>
-          <a:prstGeom prst="rect">
-            <a:avLst/>
-          </a:prstGeom>
-        </p:spPr>
-      </p:pic>
-      <p:pic>
-        <p:nvPicPr>
-          <p:cNvPr id="3" name="Picture 2"/>
-          <p:cNvPicPr>
-            <a:picLocks noChangeAspect="1"/>
-          </p:cNvPicPr>
-          <p:nvPr/>
-        </p:nvPicPr>
-        <p:blipFill>
-          <a:blip r:embed="rId5"/>
           <a:stretch>
             <a:fillRect/>
           </a:stretch>
@@ -17551,7 +18301,7 @@
           <p:nvPr/>
         </p:nvPicPr>
         <p:blipFill>
-          <a:blip r:embed="rId6"/>
+          <a:blip r:embed="rId5"/>
           <a:stretch>
             <a:fillRect/>
           </a:stretch>
@@ -17575,7 +18325,7 @@
           <p:nvPr/>
         </p:nvPicPr>
         <p:blipFill>
-          <a:blip r:embed="rId7"/>
+          <a:blip r:embed="rId6"/>
           <a:stretch>
             <a:fillRect/>
           </a:stretch>
@@ -17599,15 +18349,15 @@
           <p:nvPr/>
         </p:nvPicPr>
         <p:blipFill>
-          <a:blip r:embed="rId8"/>
+          <a:blip r:embed="rId7"/>
           <a:stretch>
             <a:fillRect/>
           </a:stretch>
         </p:blipFill>
         <p:spPr>
           <a:xfrm>
-            <a:off x="671289" y="4422479"/>
-            <a:ext cx="3694375" cy="1609692"/>
+            <a:off x="6625315" y="4541185"/>
+            <a:ext cx="2811567" cy="1225040"/>
           </a:xfrm>
           <a:prstGeom prst="rect">
             <a:avLst/>
@@ -17623,14 +18373,14 @@
           <p:nvPr/>
         </p:nvPicPr>
         <p:blipFill>
-          <a:blip r:embed="rId9"/>
+          <a:blip r:embed="rId8"/>
           <a:stretch>
             <a:fillRect/>
           </a:stretch>
         </p:blipFill>
         <p:spPr>
           <a:xfrm>
-            <a:off x="4595943" y="4460851"/>
+            <a:off x="4595943" y="4422479"/>
             <a:ext cx="1642953" cy="1776165"/>
           </a:xfrm>
           <a:prstGeom prst="rect">
@@ -17647,19 +18397,90 @@
           <p:nvPr/>
         </p:nvPicPr>
         <p:blipFill>
-          <a:blip r:embed="rId10"/>
+          <a:blip r:embed="rId9"/>
           <a:stretch>
             <a:fillRect/>
           </a:stretch>
         </p:blipFill>
         <p:spPr>
           <a:xfrm>
-            <a:off x="7054174" y="4460851"/>
-            <a:ext cx="3879949" cy="1587252"/>
+            <a:off x="9339037" y="4688425"/>
+            <a:ext cx="2634622" cy="1077800"/>
           </a:xfrm>
           <a:prstGeom prst="rect">
             <a:avLst/>
           </a:prstGeom>
+        </p:spPr>
+      </p:pic>
+      <p:pic>
+        <p:nvPicPr>
+          <p:cNvPr id="12" name="Picture 11"/>
+          <p:cNvPicPr>
+            <a:picLocks noChangeAspect="1"/>
+          </p:cNvPicPr>
+          <p:nvPr/>
+        </p:nvPicPr>
+        <p:blipFill>
+          <a:blip r:embed="rId10">
+            <a:extLst>
+              <a:ext uri="{28A0092B-C50C-407E-A947-70E740481C1C}">
+                <a14:useLocalDpi xmlns:a14="http://schemas.microsoft.com/office/drawing/2010/main" val="0"/>
+              </a:ext>
+            </a:extLst>
+          </a:blip>
+          <a:stretch>
+            <a:fillRect/>
+          </a:stretch>
+        </p:blipFill>
+        <p:spPr>
+          <a:xfrm>
+            <a:off x="601434" y="2889706"/>
+            <a:ext cx="3764230" cy="1028630"/>
+          </a:xfrm>
+          <a:prstGeom prst="rect">
+            <a:avLst/>
+          </a:prstGeom>
+        </p:spPr>
+      </p:pic>
+      <p:pic>
+        <p:nvPicPr>
+          <p:cNvPr id="13" name="Picture 2" descr="Faster Karma test runs that work in VSTS with Chrome headless ..."/>
+          <p:cNvPicPr>
+            <a:picLocks noChangeAspect="1" noChangeArrowheads="1"/>
+          </p:cNvPicPr>
+          <p:nvPr/>
+        </p:nvPicPr>
+        <p:blipFill>
+          <a:blip r:embed="rId11">
+            <a:extLst>
+              <a:ext uri="{28A0092B-C50C-407E-A947-70E740481C1C}">
+                <a14:useLocalDpi xmlns:a14="http://schemas.microsoft.com/office/drawing/2010/main" val="0"/>
+              </a:ext>
+            </a:extLst>
+          </a:blip>
+          <a:srcRect/>
+          <a:stretch>
+            <a:fillRect/>
+          </a:stretch>
+        </p:blipFill>
+        <p:spPr bwMode="auto">
+          <a:xfrm>
+            <a:off x="511885" y="4619296"/>
+            <a:ext cx="3946814" cy="1076942"/>
+          </a:xfrm>
+          <a:prstGeom prst="rect">
+            <a:avLst/>
+          </a:prstGeom>
+          <a:noFill/>
+          <a:extLst>
+            <a:ext uri="{909E8E84-426E-40DD-AFC4-6F175D3DCCD1}">
+              <a14:hiddenFill xmlns:a14="http://schemas.microsoft.com/office/drawing/2010/main">
+                <a:solidFill>
+                  <a:srgbClr val="FFFFFF"/>
+                </a:solidFill>
+              </a14:hiddenFill>
+            </a:ext>
+          </a:extLst>
         </p:spPr>
       </p:pic>
     </p:spTree>

--- a/UnitTestingFrameworks_VH_JN.pptx
+++ b/UnitTestingFrameworks_VH_JN.pptx
@@ -213,7 +213,7 @@
           <a:p>
             <a:fld id="{C3F13826-1A67-4C2D-8F45-B22AD686F7A2}" type="datetimeFigureOut">
               <a:rPr lang="en-US" smtClean="0"/>
-              <a:t>10-May-20</a:t>
+              <a:t>11-May-20</a:t>
             </a:fld>
             <a:endParaRPr lang="en-US"/>
           </a:p>
@@ -816,7 +816,7 @@
           <a:p>
             <a:fld id="{8B2AAE93-1203-4CB9-BFE2-D8321679B070}" type="datetimeFigureOut">
               <a:rPr lang="en-US" smtClean="0"/>
-              <a:t>10-May-20</a:t>
+              <a:t>11-May-20</a:t>
             </a:fld>
             <a:endParaRPr lang="en-US"/>
           </a:p>
@@ -1909,7 +1909,7 @@
           <a:p>
             <a:fld id="{8B2AAE93-1203-4CB9-BFE2-D8321679B070}" type="datetimeFigureOut">
               <a:rPr lang="en-US" smtClean="0"/>
-              <a:t>10-May-20</a:t>
+              <a:t>11-May-20</a:t>
             </a:fld>
             <a:endParaRPr lang="en-US"/>
           </a:p>
@@ -2889,7 +2889,7 @@
           <a:p>
             <a:fld id="{8B2AAE93-1203-4CB9-BFE2-D8321679B070}" type="datetimeFigureOut">
               <a:rPr lang="en-US" smtClean="0"/>
-              <a:t>10-May-20</a:t>
+              <a:t>11-May-20</a:t>
             </a:fld>
             <a:endParaRPr lang="en-US"/>
           </a:p>
@@ -4023,7 +4023,7 @@
           <a:p>
             <a:fld id="{8B2AAE93-1203-4CB9-BFE2-D8321679B070}" type="datetimeFigureOut">
               <a:rPr lang="en-US" smtClean="0"/>
-              <a:t>10-May-20</a:t>
+              <a:t>11-May-20</a:t>
             </a:fld>
             <a:endParaRPr lang="en-US"/>
           </a:p>
@@ -5056,7 +5056,7 @@
           <a:p>
             <a:fld id="{8B2AAE93-1203-4CB9-BFE2-D8321679B070}" type="datetimeFigureOut">
               <a:rPr lang="en-US" smtClean="0"/>
-              <a:t>10-May-20</a:t>
+              <a:t>11-May-20</a:t>
             </a:fld>
             <a:endParaRPr lang="en-US"/>
           </a:p>
@@ -5716,7 +5716,7 @@
           <a:p>
             <a:fld id="{8B2AAE93-1203-4CB9-BFE2-D8321679B070}" type="datetimeFigureOut">
               <a:rPr lang="en-US" smtClean="0"/>
-              <a:t>10-May-20</a:t>
+              <a:t>11-May-20</a:t>
             </a:fld>
             <a:endParaRPr lang="en-US"/>
           </a:p>
@@ -6577,7 +6577,7 @@
           <a:p>
             <a:fld id="{8B2AAE93-1203-4CB9-BFE2-D8321679B070}" type="datetimeFigureOut">
               <a:rPr lang="en-US" smtClean="0"/>
-              <a:t>10-May-20</a:t>
+              <a:t>11-May-20</a:t>
             </a:fld>
             <a:endParaRPr lang="en-US"/>
           </a:p>
@@ -6767,7 +6767,7 @@
           <a:p>
             <a:fld id="{8B2AAE93-1203-4CB9-BFE2-D8321679B070}" type="datetimeFigureOut">
               <a:rPr lang="en-US" smtClean="0"/>
-              <a:t>10-May-20</a:t>
+              <a:t>11-May-20</a:t>
             </a:fld>
             <a:endParaRPr lang="en-US"/>
           </a:p>
@@ -7739,7 +7739,7 @@
           <a:p>
             <a:fld id="{8B2AAE93-1203-4CB9-BFE2-D8321679B070}" type="datetimeFigureOut">
               <a:rPr lang="en-US" smtClean="0"/>
-              <a:t>10-May-20</a:t>
+              <a:t>11-May-20</a:t>
             </a:fld>
             <a:endParaRPr lang="en-US"/>
           </a:p>
@@ -7955,7 +7955,7 @@
           <a:p>
             <a:fld id="{8B2AAE93-1203-4CB9-BFE2-D8321679B070}" type="datetimeFigureOut">
               <a:rPr lang="en-US" smtClean="0"/>
-              <a:t>10-May-20</a:t>
+              <a:t>11-May-20</a:t>
             </a:fld>
             <a:endParaRPr lang="en-US"/>
           </a:p>
@@ -8989,7 +8989,7 @@
           <a:p>
             <a:fld id="{8B2AAE93-1203-4CB9-BFE2-D8321679B070}" type="datetimeFigureOut">
               <a:rPr lang="en-US" smtClean="0"/>
-              <a:t>10-May-20</a:t>
+              <a:t>11-May-20</a:t>
             </a:fld>
             <a:endParaRPr lang="en-US"/>
           </a:p>
@@ -9266,7 +9266,7 @@
           <a:p>
             <a:fld id="{8B2AAE93-1203-4CB9-BFE2-D8321679B070}" type="datetimeFigureOut">
               <a:rPr lang="en-US" smtClean="0"/>
-              <a:t>10-May-20</a:t>
+              <a:t>11-May-20</a:t>
             </a:fld>
             <a:endParaRPr lang="en-US"/>
           </a:p>
@@ -9676,7 +9676,7 @@
           <a:p>
             <a:fld id="{8B2AAE93-1203-4CB9-BFE2-D8321679B070}" type="datetimeFigureOut">
               <a:rPr lang="en-US" smtClean="0"/>
-              <a:t>10-May-20</a:t>
+              <a:t>11-May-20</a:t>
             </a:fld>
             <a:endParaRPr lang="en-US"/>
           </a:p>
@@ -9803,7 +9803,7 @@
           <a:p>
             <a:fld id="{8B2AAE93-1203-4CB9-BFE2-D8321679B070}" type="datetimeFigureOut">
               <a:rPr lang="en-US" smtClean="0"/>
-              <a:t>10-May-20</a:t>
+              <a:t>11-May-20</a:t>
             </a:fld>
             <a:endParaRPr lang="en-US"/>
           </a:p>
@@ -9898,7 +9898,7 @@
           <a:p>
             <a:fld id="{8B2AAE93-1203-4CB9-BFE2-D8321679B070}" type="datetimeFigureOut">
               <a:rPr lang="en-US" smtClean="0"/>
-              <a:t>10-May-20</a:t>
+              <a:t>11-May-20</a:t>
             </a:fld>
             <a:endParaRPr lang="en-US"/>
           </a:p>
@@ -10979,7 +10979,7 @@
           <a:p>
             <a:fld id="{8B2AAE93-1203-4CB9-BFE2-D8321679B070}" type="datetimeFigureOut">
               <a:rPr lang="en-US" smtClean="0"/>
-              <a:t>10-May-20</a:t>
+              <a:t>11-May-20</a:t>
             </a:fld>
             <a:endParaRPr lang="en-US"/>
           </a:p>
@@ -12087,7 +12087,7 @@
           <a:p>
             <a:fld id="{8B2AAE93-1203-4CB9-BFE2-D8321679B070}" type="datetimeFigureOut">
               <a:rPr lang="en-US" smtClean="0"/>
-              <a:t>10-May-20</a:t>
+              <a:t>11-May-20</a:t>
             </a:fld>
             <a:endParaRPr lang="en-US"/>
           </a:p>
@@ -13084,7 +13084,7 @@
           <a:p>
             <a:fld id="{8B2AAE93-1203-4CB9-BFE2-D8321679B070}" type="datetimeFigureOut">
               <a:rPr lang="en-US" smtClean="0"/>
-              <a:t>10-May-20</a:t>
+              <a:t>11-May-20</a:t>
             </a:fld>
             <a:endParaRPr lang="en-US"/>
           </a:p>
@@ -13714,8 +13714,8 @@
         </p:nvSpPr>
         <p:spPr>
           <a:xfrm>
-            <a:off x="3790938" y="3783867"/>
-            <a:ext cx="4101738" cy="590321"/>
+            <a:off x="3034647" y="3769558"/>
+            <a:ext cx="5980079" cy="590321"/>
           </a:xfrm>
         </p:spPr>
         <p:txBody>
@@ -13727,7 +13727,7 @@
             <a:pPr algn="r"/>
             <a:r>
               <a:rPr lang="en-US" sz="3200" dirty="0" smtClean="0"/>
-              <a:t>Karma &amp; Jasmine</a:t>
+              <a:t>Karma, Jasmine I Mocha</a:t>
             </a:r>
             <a:endParaRPr lang="en-US" sz="3200" dirty="0"/>
           </a:p>
@@ -13870,7 +13870,7 @@
         </p:nvSpPr>
         <p:spPr>
           <a:xfrm>
-            <a:off x="1236840" y="968861"/>
+            <a:off x="1484855" y="978323"/>
             <a:ext cx="8761413" cy="706964"/>
           </a:xfrm>
         </p:spPr>
@@ -13882,6 +13882,10 @@
             <a:r>
               <a:rPr lang="sr-Latn-RS" dirty="0" smtClean="0"/>
               <a:t> </a:t>
+            </a:r>
+            <a:r>
+              <a:rPr lang="en-US" dirty="0" smtClean="0"/>
+              <a:t>Karma</a:t>
             </a:r>
             <a:endParaRPr lang="en-US" dirty="0"/>
           </a:p>
@@ -13899,7 +13903,7 @@
         </p:nvSpPr>
         <p:spPr>
           <a:xfrm>
-            <a:off x="475684" y="2407557"/>
+            <a:off x="475684" y="2721066"/>
             <a:ext cx="11450157" cy="4136934"/>
           </a:xfrm>
         </p:spPr>
@@ -13920,16 +13924,16 @@
           </a:p>
           <a:p>
             <a:r>
+              <a:rPr lang="en-US" dirty="0" smtClean="0"/>
+              <a:t>P</a:t>
+            </a:r>
+            <a:r>
               <a:rPr lang="sr-Latn-RS" dirty="0" smtClean="0"/>
-              <a:t>Pr</a:t>
-            </a:r>
-            <a:r>
-              <a:rPr lang="en-US" dirty="0" smtClean="0"/>
-              <a:t>u</a:t>
+              <a:t>okreće </a:t>
             </a:r>
             <a:r>
               <a:rPr lang="sr-Latn-RS" dirty="0" smtClean="0"/>
-              <a:t>ža mogućnost da pokreće testove pisane u različitim framework-ima (</a:t>
+              <a:t>testove pisane u različitim framework-ima (</a:t>
             </a:r>
             <a:r>
               <a:rPr lang="sr-Latn-RS" i="1" dirty="0" smtClean="0"/>
@@ -14079,7 +14083,7 @@
           <p:nvPr/>
         </p:nvPicPr>
         <p:blipFill>
-          <a:blip r:embed="rId2">
+          <a:blip r:embed="rId2" cstate="print">
             <a:extLst>
               <a:ext uri="{28A0092B-C50C-407E-A947-70E740481C1C}">
                 <a14:useLocalDpi xmlns:a14="http://schemas.microsoft.com/office/drawing/2010/main" val="0"/>
@@ -14093,8 +14097,8 @@
         </p:blipFill>
         <p:spPr bwMode="auto">
           <a:xfrm>
-            <a:off x="3917785" y="783872"/>
-            <a:ext cx="3946814" cy="1076942"/>
+            <a:off x="4920222" y="2371653"/>
+            <a:ext cx="2561079" cy="698825"/>
           </a:xfrm>
           <a:prstGeom prst="rect">
             <a:avLst/>
@@ -14248,7 +14252,7 @@
         </p:blipFill>
         <p:spPr>
           <a:xfrm>
-            <a:off x="2285617" y="5716254"/>
+            <a:off x="2272554" y="6016701"/>
             <a:ext cx="1562318" cy="238158"/>
           </a:xfrm>
           <a:prstGeom prst="rect">
@@ -14303,7 +14307,12 @@
             <p:ph type="title"/>
           </p:nvPr>
         </p:nvSpPr>
-        <p:spPr/>
+        <p:spPr>
+          <a:xfrm>
+            <a:off x="1442337" y="960605"/>
+            <a:ext cx="8761413" cy="706964"/>
+          </a:xfrm>
+        </p:spPr>
         <p:txBody>
           <a:bodyPr/>
           <a:lstStyle/>
@@ -14312,6 +14321,10 @@
             <a:r>
               <a:rPr lang="sr-Latn-RS" dirty="0" smtClean="0"/>
               <a:t> </a:t>
+            </a:r>
+            <a:r>
+              <a:rPr lang="en-US" dirty="0" smtClean="0"/>
+              <a:t>Jasmine</a:t>
             </a:r>
             <a:endParaRPr lang="en-US" dirty="0"/>
           </a:p>
@@ -14351,11 +14364,7 @@
             </a:r>
             <a:r>
               <a:rPr lang="sr-Latn-RS" i="1" dirty="0" smtClean="0"/>
-              <a:t>Behaviour-Driven Development (BDD</a:t>
-            </a:r>
-            <a:r>
-              <a:rPr lang="sr-Latn-RS" i="1" dirty="0" smtClean="0"/>
-              <a:t>)</a:t>
+              <a:t>Behaviour-Driven Development (BDD)</a:t>
             </a:r>
             <a:endParaRPr lang="sr-Latn-RS" dirty="0"/>
           </a:p>
@@ -14401,7 +14410,15 @@
             </a:r>
             <a:r>
               <a:rPr lang="en-US" dirty="0" smtClean="0"/>
-              <a:t> I </a:t>
+              <a:t> </a:t>
+            </a:r>
+            <a:r>
+              <a:rPr lang="en-US" dirty="0" err="1" smtClean="0"/>
+              <a:t>i</a:t>
+            </a:r>
+            <a:r>
+              <a:rPr lang="en-US" dirty="0" smtClean="0"/>
+              <a:t> </a:t>
             </a:r>
             <a:r>
               <a:rPr lang="en-US" dirty="0" err="1" smtClean="0"/>
@@ -14412,15 +14429,7 @@
           <a:p>
             <a:r>
               <a:rPr lang="sr-Latn-RS" dirty="0" smtClean="0"/>
-              <a:t>Ne </a:t>
-            </a:r>
-            <a:r>
-              <a:rPr lang="sr-Latn-RS" dirty="0" smtClean="0"/>
-              <a:t>zahteva </a:t>
-            </a:r>
-            <a:r>
-              <a:rPr lang="sr-Latn-RS" dirty="0" smtClean="0"/>
-              <a:t>DOM</a:t>
+              <a:t>Ne zahteva DOM</a:t>
             </a:r>
           </a:p>
           <a:p>
@@ -14432,11 +14441,7 @@
           <a:p>
             <a:r>
               <a:rPr lang="sr-Latn-RS" dirty="0" smtClean="0"/>
-              <a:t>Nema </a:t>
-            </a:r>
-            <a:r>
-              <a:rPr lang="sr-Latn-RS" dirty="0" smtClean="0"/>
-              <a:t>test runner </a:t>
+              <a:t>Nema test runner </a:t>
             </a:r>
           </a:p>
           <a:p>
@@ -14444,36 +14449,6 @@
           </a:p>
         </p:txBody>
       </p:sp>
-      <p:pic>
-        <p:nvPicPr>
-          <p:cNvPr id="12" name="Picture 11"/>
-          <p:cNvPicPr>
-            <a:picLocks noChangeAspect="1"/>
-          </p:cNvPicPr>
-          <p:nvPr/>
-        </p:nvPicPr>
-        <p:blipFill>
-          <a:blip r:embed="rId2">
-            <a:extLst>
-              <a:ext uri="{28A0092B-C50C-407E-A947-70E740481C1C}">
-                <a14:useLocalDpi xmlns:a14="http://schemas.microsoft.com/office/drawing/2010/main" val="0"/>
-              </a:ext>
-            </a:extLst>
-          </a:blip>
-          <a:stretch>
-            <a:fillRect/>
-          </a:stretch>
-        </p:blipFill>
-        <p:spPr>
-          <a:xfrm>
-            <a:off x="3838842" y="826352"/>
-            <a:ext cx="4011935" cy="1096319"/>
-          </a:xfrm>
-          <a:prstGeom prst="rect">
-            <a:avLst/>
-          </a:prstGeom>
-        </p:spPr>
-      </p:pic>
       <p:pic>
         <p:nvPicPr>
           <p:cNvPr id="13" name="Picture 12"/>
@@ -14483,14 +14458,14 @@
           <p:nvPr/>
         </p:nvPicPr>
         <p:blipFill>
-          <a:blip r:embed="rId3"/>
+          <a:blip r:embed="rId2"/>
           <a:stretch>
             <a:fillRect/>
           </a:stretch>
         </p:blipFill>
         <p:spPr>
           <a:xfrm>
-            <a:off x="5375649" y="4701904"/>
+            <a:off x="5349523" y="4218578"/>
             <a:ext cx="6021410" cy="1868713"/>
           </a:xfrm>
           <a:prstGeom prst="rect">
@@ -14545,7 +14520,12 @@
             <p:ph type="title"/>
           </p:nvPr>
         </p:nvSpPr>
-        <p:spPr/>
+        <p:spPr>
+          <a:xfrm>
+            <a:off x="1709296" y="997436"/>
+            <a:ext cx="8761413" cy="706964"/>
+          </a:xfrm>
+        </p:spPr>
         <p:txBody>
           <a:bodyPr/>
           <a:lstStyle/>
@@ -14554,6 +14534,10 @@
             <a:r>
               <a:rPr lang="en-US" dirty="0" smtClean="0"/>
               <a:t> </a:t>
+            </a:r>
+            <a:r>
+              <a:rPr lang="en-US" dirty="0" smtClean="0"/>
+              <a:t>Karma + Jasmine</a:t>
             </a:r>
             <a:endParaRPr lang="en-US" dirty="0"/>
           </a:p>
@@ -14698,88 +14682,6 @@
           </a:prstGeom>
         </p:spPr>
       </p:pic>
-      <p:pic>
-        <p:nvPicPr>
-          <p:cNvPr id="1026" name="Picture 2" descr="Intro to unit testing Angular applications – Emir's Blog ..."/>
-          <p:cNvPicPr>
-            <a:picLocks noChangeAspect="1" noChangeArrowheads="1"/>
-          </p:cNvPicPr>
-          <p:nvPr/>
-        </p:nvPicPr>
-        <p:blipFill>
-          <a:blip r:embed="rId5">
-            <a:extLst>
-              <a:ext uri="{28A0092B-C50C-407E-A947-70E740481C1C}">
-                <a14:useLocalDpi xmlns:a14="http://schemas.microsoft.com/office/drawing/2010/main" val="0"/>
-              </a:ext>
-            </a:extLst>
-          </a:blip>
-          <a:srcRect/>
-          <a:stretch>
-            <a:fillRect/>
-          </a:stretch>
-        </p:blipFill>
-        <p:spPr bwMode="auto">
-          <a:xfrm>
-            <a:off x="4467498" y="482865"/>
-            <a:ext cx="4485856" cy="1760045"/>
-          </a:xfrm>
-          <a:prstGeom prst="rect">
-            <a:avLst/>
-          </a:prstGeom>
-          <a:noFill/>
-          <a:extLst>
-            <a:ext uri="{909E8E84-426E-40DD-AFC4-6F175D3DCCD1}">
-              <a14:hiddenFill xmlns:a14="http://schemas.microsoft.com/office/drawing/2010/main">
-                <a:solidFill>
-                  <a:srgbClr val="FFFFFF"/>
-                </a:solidFill>
-              </a14:hiddenFill>
-            </a:ext>
-          </a:extLst>
-        </p:spPr>
-      </p:pic>
-      <p:pic>
-        <p:nvPicPr>
-          <p:cNvPr id="11" name="Picture 2" descr="https://upload-icon.s3.us-east-2.amazonaws.com/uploads/icons/png/18594121091536125453-512.png"/>
-          <p:cNvPicPr>
-            <a:picLocks noChangeAspect="1" noChangeArrowheads="1"/>
-          </p:cNvPicPr>
-          <p:nvPr/>
-        </p:nvPicPr>
-        <p:blipFill>
-          <a:blip r:embed="rId6" cstate="print">
-            <a:extLst>
-              <a:ext uri="{28A0092B-C50C-407E-A947-70E740481C1C}">
-                <a14:useLocalDpi xmlns:a14="http://schemas.microsoft.com/office/drawing/2010/main" val="0"/>
-              </a:ext>
-            </a:extLst>
-          </a:blip>
-          <a:srcRect/>
-          <a:stretch>
-            <a:fillRect/>
-          </a:stretch>
-        </p:blipFill>
-        <p:spPr bwMode="auto">
-          <a:xfrm>
-            <a:off x="2939142" y="562971"/>
-            <a:ext cx="1528356" cy="1528356"/>
-          </a:xfrm>
-          <a:prstGeom prst="rect">
-            <a:avLst/>
-          </a:prstGeom>
-          <a:noFill/>
-          <a:extLst>
-            <a:ext uri="{909E8E84-426E-40DD-AFC4-6F175D3DCCD1}">
-              <a14:hiddenFill xmlns:a14="http://schemas.microsoft.com/office/drawing/2010/main">
-                <a:solidFill>
-                  <a:srgbClr val="FFFFFF"/>
-                </a:solidFill>
-              </a14:hiddenFill>
-            </a:ext>
-          </a:extLst>
-        </p:spPr>
-      </p:pic>
     </p:spTree>
     <p:extLst>
       <p:ext uri="{BB962C8B-B14F-4D97-AF65-F5344CB8AC3E}">
@@ -14832,9 +14734,14 @@
           <a:bodyPr/>
           <a:lstStyle/>
           <a:p>
+            <a:pPr algn="ctr"/>
             <a:r>
               <a:rPr lang="en-US" dirty="0" smtClean="0"/>
               <a:t> </a:t>
+            </a:r>
+            <a:r>
+              <a:rPr lang="en-US" dirty="0" smtClean="0"/>
+              <a:t>Mocha</a:t>
             </a:r>
             <a:endParaRPr lang="en-US" dirty="0"/>
           </a:p>
@@ -14884,18 +14791,30 @@
             </a:r>
             <a:r>
               <a:rPr lang="en-US" i="1" dirty="0" smtClean="0"/>
-              <a:t>assertion, mocking</a:t>
+              <a:t>assertion (Chai), </a:t>
+            </a:r>
+            <a:r>
+              <a:rPr lang="en-US" i="1" dirty="0" smtClean="0"/>
+              <a:t>mocking</a:t>
             </a:r>
             <a:r>
               <a:rPr lang="en-US" dirty="0"/>
               <a:t>, and </a:t>
             </a:r>
             <a:r>
-              <a:rPr lang="en-US" i="1" dirty="0"/>
-              <a:t>spy</a:t>
-            </a:r>
-            <a:r>
-              <a:rPr lang="en-US" dirty="0"/>
+              <a:rPr lang="en-US" i="1" dirty="0" smtClean="0"/>
+              <a:t>spy (Sinon</a:t>
+            </a:r>
+            <a:r>
+              <a:rPr lang="en-US" i="1" dirty="0" smtClean="0"/>
+              <a:t>.js</a:t>
+            </a:r>
+            <a:r>
+              <a:rPr lang="en-US" i="1" dirty="0" smtClean="0"/>
+              <a:t>)</a:t>
+            </a:r>
+            <a:r>
+              <a:rPr lang="en-US" dirty="0" smtClean="0"/>
               <a:t> </a:t>
             </a:r>
             <a:r>
@@ -14929,14 +14848,14 @@
       </p:sp>
       <p:pic>
         <p:nvPicPr>
-          <p:cNvPr id="2050" name="Picture 2" descr="https://seeklogo.com/images/M/mocha-logo-66DA231220-seeklogo.com.png"/>
+          <p:cNvPr id="5" name="Picture 2" descr="https://upload-icon.s3.us-east-2.amazonaws.com/uploads/icons/png/18594121091536125453-512.png"/>
           <p:cNvPicPr>
             <a:picLocks noChangeAspect="1" noChangeArrowheads="1"/>
           </p:cNvPicPr>
           <p:nvPr/>
         </p:nvPicPr>
         <p:blipFill>
-          <a:blip r:embed="rId2">
+          <a:blip r:embed="rId2" cstate="print">
             <a:extLst>
               <a:ext uri="{28A0092B-C50C-407E-A947-70E740481C1C}">
                 <a14:useLocalDpi xmlns:a14="http://schemas.microsoft.com/office/drawing/2010/main" val="0"/>
@@ -14950,8 +14869,97 @@
         </p:blipFill>
         <p:spPr bwMode="auto">
           <a:xfrm>
-            <a:off x="5453652" y="544184"/>
-            <a:ext cx="1472928" cy="1673782"/>
+            <a:off x="6149978" y="4219303"/>
+            <a:ext cx="1528356" cy="1528356"/>
+          </a:xfrm>
+          <a:prstGeom prst="rect">
+            <a:avLst/>
+          </a:prstGeom>
+          <a:noFill/>
+          <a:extLst>
+            <a:ext uri="{909E8E84-426E-40DD-AFC4-6F175D3DCCD1}">
+              <a14:hiddenFill xmlns:a14="http://schemas.microsoft.com/office/drawing/2010/main">
+                <a:solidFill>
+                  <a:srgbClr val="FFFFFF"/>
+                </a:solidFill>
+              </a14:hiddenFill>
+            </a:ext>
+          </a:extLst>
+        </p:spPr>
+      </p:pic>
+      <p:pic>
+        <p:nvPicPr>
+          <p:cNvPr id="7" name="Picture 6"/>
+          <p:cNvPicPr>
+            <a:picLocks noChangeAspect="1"/>
+          </p:cNvPicPr>
+          <p:nvPr/>
+        </p:nvPicPr>
+        <p:blipFill>
+          <a:blip r:embed="rId3"/>
+          <a:stretch>
+            <a:fillRect/>
+          </a:stretch>
+        </p:blipFill>
+        <p:spPr>
+          <a:xfrm>
+            <a:off x="8907004" y="3945644"/>
+            <a:ext cx="1261028" cy="1363273"/>
+          </a:xfrm>
+          <a:prstGeom prst="rect">
+            <a:avLst/>
+          </a:prstGeom>
+        </p:spPr>
+      </p:pic>
+      <p:pic>
+        <p:nvPicPr>
+          <p:cNvPr id="8" name="Picture 7"/>
+          <p:cNvPicPr>
+            <a:picLocks noChangeAspect="1"/>
+          </p:cNvPicPr>
+          <p:nvPr/>
+        </p:nvPicPr>
+        <p:blipFill>
+          <a:blip r:embed="rId4"/>
+          <a:stretch>
+            <a:fillRect/>
+          </a:stretch>
+        </p:blipFill>
+        <p:spPr>
+          <a:xfrm>
+            <a:off x="7919652" y="5176206"/>
+            <a:ext cx="2318083" cy="1010022"/>
+          </a:xfrm>
+          <a:prstGeom prst="rect">
+            <a:avLst/>
+          </a:prstGeom>
+        </p:spPr>
+      </p:pic>
+      <p:pic>
+        <p:nvPicPr>
+          <p:cNvPr id="9" name="Picture 2" descr="https://seeklogo.com/images/M/mocha-logo-66DA231220-seeklogo.com.png"/>
+          <p:cNvPicPr>
+            <a:picLocks noChangeAspect="1" noChangeArrowheads="1"/>
+          </p:cNvPicPr>
+          <p:nvPr/>
+        </p:nvPicPr>
+        <p:blipFill>
+          <a:blip r:embed="rId5">
+            <a:extLst>
+              <a:ext uri="{28A0092B-C50C-407E-A947-70E740481C1C}">
+                <a14:useLocalDpi xmlns:a14="http://schemas.microsoft.com/office/drawing/2010/main" val="0"/>
+              </a:ext>
+            </a:extLst>
+          </a:blip>
+          <a:srcRect/>
+          <a:stretch>
+            <a:fillRect/>
+          </a:stretch>
+        </p:blipFill>
+        <p:spPr bwMode="auto">
+          <a:xfrm>
+            <a:off x="7976274" y="4032101"/>
+            <a:ext cx="930730" cy="1057648"/>
           </a:xfrm>
           <a:prstGeom prst="rect">
             <a:avLst/>
@@ -15053,7 +15061,7 @@
         </p:nvSpPr>
         <p:spPr>
           <a:xfrm>
-            <a:off x="1530539" y="98352"/>
+            <a:off x="1530539" y="0"/>
             <a:ext cx="8761413" cy="708025"/>
           </a:xfrm>
         </p:spPr>
@@ -15084,91 +15092,9 @@
           </a:p>
         </p:txBody>
       </p:sp>
-      <p:sp>
-        <p:nvSpPr>
-          <p:cNvPr id="4" name="Text Placeholder 3"/>
-          <p:cNvSpPr>
-            <a:spLocks noGrp="1"/>
-          </p:cNvSpPr>
-          <p:nvPr>
-            <p:ph type="body" idx="4294967295"/>
-          </p:nvPr>
-        </p:nvSpPr>
-        <p:spPr>
-          <a:xfrm>
-            <a:off x="365761" y="806377"/>
-            <a:ext cx="4824413" cy="576262"/>
-          </a:xfrm>
-        </p:spPr>
-        <p:txBody>
-          <a:bodyPr>
-            <a:normAutofit/>
-          </a:bodyPr>
-          <a:lstStyle/>
-          <a:p>
-            <a:pPr marL="0" indent="0" algn="ctr">
-              <a:buNone/>
-            </a:pPr>
-            <a:r>
-              <a:rPr lang="en-US" sz="2400" dirty="0" smtClean="0">
-                <a:solidFill>
-                  <a:srgbClr val="735827"/>
-                </a:solidFill>
-              </a:rPr>
-              <a:t>Jasmine</a:t>
-            </a:r>
-            <a:endParaRPr lang="en-US" sz="2400" dirty="0">
-              <a:solidFill>
-                <a:srgbClr val="735827"/>
-              </a:solidFill>
-            </a:endParaRPr>
-          </a:p>
-        </p:txBody>
-      </p:sp>
-      <p:sp>
-        <p:nvSpPr>
-          <p:cNvPr id="5" name="Text Placeholder 4"/>
-          <p:cNvSpPr>
-            <a:spLocks noGrp="1"/>
-          </p:cNvSpPr>
-          <p:nvPr>
-            <p:ph type="body" sz="quarter" idx="4294967295"/>
-          </p:nvPr>
-        </p:nvSpPr>
-        <p:spPr>
-          <a:xfrm>
-            <a:off x="6196339" y="806376"/>
-            <a:ext cx="4824412" cy="576263"/>
-          </a:xfrm>
-        </p:spPr>
-        <p:txBody>
-          <a:bodyPr>
-            <a:normAutofit/>
-          </a:bodyPr>
-          <a:lstStyle/>
-          <a:p>
-            <a:pPr marL="0" indent="0" algn="ctr">
-              <a:buNone/>
-            </a:pPr>
-            <a:r>
-              <a:rPr lang="en-US" sz="2400" dirty="0" smtClean="0">
-                <a:solidFill>
-                  <a:srgbClr val="735827"/>
-                </a:solidFill>
-              </a:rPr>
-              <a:t>Mocha</a:t>
-            </a:r>
-            <a:endParaRPr lang="en-US" sz="2400" dirty="0">
-              <a:solidFill>
-                <a:srgbClr val="735827"/>
-              </a:solidFill>
-            </a:endParaRPr>
-          </a:p>
-        </p:txBody>
-      </p:sp>
       <p:pic>
         <p:nvPicPr>
-          <p:cNvPr id="11" name="Picture 10"/>
+          <p:cNvPr id="6" name="Picture 5"/>
           <p:cNvPicPr>
             <a:picLocks noChangeAspect="1"/>
           </p:cNvPicPr>
@@ -15182,8 +15108,8 @@
         </p:blipFill>
         <p:spPr>
           <a:xfrm>
-            <a:off x="751607" y="1382638"/>
-            <a:ext cx="5175286" cy="5227168"/>
+            <a:off x="3161212" y="708025"/>
+            <a:ext cx="5760720" cy="5998275"/>
           </a:xfrm>
           <a:prstGeom prst="rect">
             <a:avLst/>
@@ -15192,22 +15118,28 @@
       </p:pic>
       <p:pic>
         <p:nvPicPr>
-          <p:cNvPr id="9" name="Picture 8"/>
+          <p:cNvPr id="10" name="Picture 9"/>
           <p:cNvPicPr>
             <a:picLocks noChangeAspect="1"/>
           </p:cNvPicPr>
           <p:nvPr/>
         </p:nvPicPr>
         <p:blipFill>
-          <a:blip r:embed="rId3"/>
+          <a:blip r:embed="rId3" cstate="print">
+            <a:extLst>
+              <a:ext uri="{28A0092B-C50C-407E-A947-70E740481C1C}">
+                <a14:useLocalDpi xmlns:a14="http://schemas.microsoft.com/office/drawing/2010/main" val="0"/>
+              </a:ext>
+            </a:extLst>
+          </a:blip>
           <a:stretch>
             <a:fillRect/>
           </a:stretch>
         </p:blipFill>
         <p:spPr>
           <a:xfrm>
-            <a:off x="6577263" y="1382638"/>
-            <a:ext cx="4817437" cy="5227168"/>
+            <a:off x="204110" y="173373"/>
+            <a:ext cx="2141766" cy="585268"/>
           </a:xfrm>
           <a:prstGeom prst="rect">
             <a:avLst/>
@@ -15267,8 +15199,8 @@
         </p:blipFill>
         <p:spPr>
           <a:xfrm>
-            <a:off x="376139" y="1313133"/>
-            <a:ext cx="5450256" cy="5218295"/>
+            <a:off x="2818893" y="708025"/>
+            <a:ext cx="6218697" cy="5954032"/>
           </a:xfrm>
           <a:prstGeom prst="rect">
             <a:avLst/>
@@ -15287,7 +15219,7 @@
         </p:nvSpPr>
         <p:spPr>
           <a:xfrm>
-            <a:off x="1907177" y="0"/>
+            <a:off x="1711234" y="0"/>
             <a:ext cx="8761413" cy="708025"/>
           </a:xfrm>
         </p:spPr>
@@ -15318,106 +15250,30 @@
           </a:p>
         </p:txBody>
       </p:sp>
-      <p:sp>
-        <p:nvSpPr>
-          <p:cNvPr id="6" name="Text Placeholder 5"/>
-          <p:cNvSpPr>
-            <a:spLocks noGrp="1"/>
-          </p:cNvSpPr>
-          <p:nvPr>
-            <p:ph type="body" idx="4294967295"/>
-          </p:nvPr>
-        </p:nvSpPr>
-        <p:spPr>
-          <a:xfrm>
-            <a:off x="1907177" y="829581"/>
-            <a:ext cx="4824413" cy="576263"/>
-          </a:xfrm>
-        </p:spPr>
-        <p:txBody>
-          <a:bodyPr>
-            <a:normAutofit/>
-          </a:bodyPr>
-          <a:lstStyle/>
-          <a:p>
-            <a:pPr marL="0" indent="0">
-              <a:buNone/>
-            </a:pPr>
-            <a:r>
-              <a:rPr lang="en-US" sz="2400" dirty="0" smtClean="0">
-                <a:solidFill>
-                  <a:srgbClr val="735827"/>
-                </a:solidFill>
-              </a:rPr>
-              <a:t>Jasmine</a:t>
-            </a:r>
-            <a:endParaRPr lang="en-US" sz="2400" dirty="0">
-              <a:solidFill>
-                <a:srgbClr val="735827"/>
-              </a:solidFill>
-            </a:endParaRPr>
-          </a:p>
-        </p:txBody>
-      </p:sp>
-      <p:sp>
-        <p:nvSpPr>
-          <p:cNvPr id="8" name="Text Placeholder 7"/>
-          <p:cNvSpPr>
-            <a:spLocks noGrp="1"/>
-          </p:cNvSpPr>
-          <p:nvPr>
-            <p:ph type="body" sz="quarter" idx="4294967295"/>
-          </p:nvPr>
-        </p:nvSpPr>
-        <p:spPr>
-          <a:xfrm>
-            <a:off x="8055722" y="782856"/>
-            <a:ext cx="4824412" cy="576263"/>
-          </a:xfrm>
-        </p:spPr>
-        <p:txBody>
-          <a:bodyPr>
-            <a:normAutofit/>
-          </a:bodyPr>
-          <a:lstStyle/>
-          <a:p>
-            <a:pPr marL="0" indent="0">
-              <a:buNone/>
-            </a:pPr>
-            <a:r>
-              <a:rPr lang="en-US" sz="2400" dirty="0" smtClean="0">
-                <a:solidFill>
-                  <a:srgbClr val="735827"/>
-                </a:solidFill>
-              </a:rPr>
-              <a:t>Mocha</a:t>
-            </a:r>
-            <a:endParaRPr lang="en-US" sz="2400" dirty="0">
-              <a:solidFill>
-                <a:srgbClr val="735827"/>
-              </a:solidFill>
-            </a:endParaRPr>
-          </a:p>
-        </p:txBody>
-      </p:sp>
       <p:pic>
         <p:nvPicPr>
-          <p:cNvPr id="10" name="Picture 9"/>
+          <p:cNvPr id="7" name="Picture 6"/>
           <p:cNvPicPr>
             <a:picLocks noChangeAspect="1"/>
           </p:cNvPicPr>
           <p:nvPr/>
         </p:nvPicPr>
         <p:blipFill>
-          <a:blip r:embed="rId3"/>
+          <a:blip r:embed="rId3" cstate="print">
+            <a:extLst>
+              <a:ext uri="{28A0092B-C50C-407E-A947-70E740481C1C}">
+                <a14:useLocalDpi xmlns:a14="http://schemas.microsoft.com/office/drawing/2010/main" val="0"/>
+              </a:ext>
+            </a:extLst>
+          </a:blip>
           <a:stretch>
             <a:fillRect/>
           </a:stretch>
         </p:blipFill>
         <p:spPr>
           <a:xfrm>
-            <a:off x="6548710" y="1312394"/>
-            <a:ext cx="4815546" cy="5219034"/>
+            <a:off x="204110" y="173373"/>
+            <a:ext cx="2141766" cy="585268"/>
           </a:xfrm>
           <a:prstGeom prst="rect">
             <a:avLst/>
@@ -15477,7 +15333,7 @@
         </p:blipFill>
         <p:spPr>
           <a:xfrm>
-            <a:off x="2610088" y="708025"/>
+            <a:off x="2806031" y="708025"/>
             <a:ext cx="6559898" cy="5922499"/>
           </a:xfrm>
           <a:prstGeom prst="rect">
@@ -15528,6 +15384,36 @@
           </a:p>
         </p:txBody>
       </p:sp>
+      <p:pic>
+        <p:nvPicPr>
+          <p:cNvPr id="5" name="Picture 4"/>
+          <p:cNvPicPr>
+            <a:picLocks noChangeAspect="1"/>
+          </p:cNvPicPr>
+          <p:nvPr/>
+        </p:nvPicPr>
+        <p:blipFill>
+          <a:blip r:embed="rId3" cstate="print">
+            <a:extLst>
+              <a:ext uri="{28A0092B-C50C-407E-A947-70E740481C1C}">
+                <a14:useLocalDpi xmlns:a14="http://schemas.microsoft.com/office/drawing/2010/main" val="0"/>
+              </a:ext>
+            </a:extLst>
+          </a:blip>
+          <a:stretch>
+            <a:fillRect/>
+          </a:stretch>
+        </p:blipFill>
+        <p:spPr>
+          <a:xfrm>
+            <a:off x="204110" y="173373"/>
+            <a:ext cx="2141766" cy="585268"/>
+          </a:xfrm>
+          <a:prstGeom prst="rect">
+            <a:avLst/>
+          </a:prstGeom>
+        </p:spPr>
+      </p:pic>
     </p:spTree>
     <p:extLst>
       <p:ext uri="{BB962C8B-B14F-4D97-AF65-F5344CB8AC3E}">
@@ -15631,7 +15517,7 @@
         </p:nvSpPr>
         <p:spPr>
           <a:xfrm>
-            <a:off x="1716657" y="837985"/>
+            <a:off x="1781972" y="942488"/>
             <a:ext cx="8761413" cy="706964"/>
           </a:xfrm>
         </p:spPr>
@@ -15926,18 +15812,34 @@
             </a:r>
             <a:r>
               <a:rPr lang="sr-Latn-RS" dirty="0" smtClean="0"/>
-              <a:t>manjuju broj bagova u novim i postojećim funkcionalnostima</a:t>
-            </a:r>
+              <a:t>manjuju broj bagova u novim i postojećim </a:t>
+            </a:r>
+            <a:r>
+              <a:rPr lang="sr-Latn-RS" dirty="0" smtClean="0"/>
+              <a:t>funkcionalnostima</a:t>
+            </a:r>
+            <a:endParaRPr lang="en-US" dirty="0" smtClean="0"/>
           </a:p>
           <a:p>
             <a:pPr lvl="1"/>
             <a:r>
+              <a:rPr lang="sr-Latn-RS" dirty="0" smtClean="0"/>
+              <a:t>unapređuju </a:t>
+            </a:r>
+            <a:r>
+              <a:rPr lang="sr-Latn-RS" dirty="0" smtClean="0"/>
+              <a:t>arhitekturu rešenja</a:t>
+            </a:r>
+          </a:p>
+          <a:p>
+            <a:pPr lvl="1"/>
+            <a:r>
               <a:rPr lang="sr-Latn-RS" dirty="0"/>
-              <a:t>s</a:t>
+              <a:t>o</a:t>
             </a:r>
             <a:r>
               <a:rPr lang="sr-Latn-RS" dirty="0" smtClean="0"/>
-              <a:t>manjuju cenu pravljenja izmena</a:t>
+              <a:t>lakšavaju refaktorisanje</a:t>
             </a:r>
           </a:p>
           <a:p>
@@ -15948,30 +15850,22 @@
             </a:r>
             <a:r>
               <a:rPr lang="sr-Latn-RS" dirty="0" smtClean="0"/>
-              <a:t>napređuju arhitekturu rešenja</a:t>
+              <a:t>brzavaju </a:t>
+            </a:r>
+            <a:r>
+              <a:rPr lang="sr-Latn-RS" dirty="0"/>
+              <a:t>razvoj</a:t>
             </a:r>
           </a:p>
           <a:p>
             <a:pPr lvl="1"/>
             <a:r>
               <a:rPr lang="sr-Latn-RS" dirty="0"/>
-              <a:t>o</a:t>
-            </a:r>
-            <a:r>
-              <a:rPr lang="sr-Latn-RS" dirty="0" smtClean="0"/>
-              <a:t>lakšavaju refaktorisanje</a:t>
+              <a:t>smanjuju cenu pravljenja izmena</a:t>
             </a:r>
           </a:p>
           <a:p>
             <a:pPr lvl="1"/>
-            <a:r>
-              <a:rPr lang="sr-Latn-RS" dirty="0"/>
-              <a:t>u</a:t>
-            </a:r>
-            <a:r>
-              <a:rPr lang="sr-Latn-RS" dirty="0" smtClean="0"/>
-              <a:t>brzavaju razvoj</a:t>
-            </a:r>
             <a:endParaRPr lang="en-US" dirty="0" smtClean="0"/>
           </a:p>
           <a:p>
@@ -16003,8 +15897,8 @@
         </p:blipFill>
         <p:spPr bwMode="auto">
           <a:xfrm>
-            <a:off x="3847567" y="4060453"/>
-            <a:ext cx="2719954" cy="2503533"/>
+            <a:off x="4545875" y="4255162"/>
+            <a:ext cx="2427800" cy="2234625"/>
           </a:xfrm>
           <a:prstGeom prst="rect">
             <a:avLst/>
@@ -16053,7 +15947,7 @@
         </p:nvSpPr>
         <p:spPr>
           <a:xfrm>
-            <a:off x="3787876" y="6476032"/>
+            <a:off x="4239549" y="6476031"/>
             <a:ext cx="2945037" cy="307777"/>
           </a:xfrm>
           <a:prstGeom prst="rect">
@@ -16152,7 +16046,7 @@
         </p:nvSpPr>
         <p:spPr>
           <a:xfrm>
-            <a:off x="6928863" y="6476032"/>
+            <a:off x="7248018" y="6476031"/>
             <a:ext cx="4943982" cy="307777"/>
           </a:xfrm>
           <a:prstGeom prst="rect">
@@ -16704,15 +16598,36 @@
           </a:p>
         </p:txBody>
       </p:sp>
-      <p:pic>
-        <p:nvPicPr>
-          <p:cNvPr id="16" name="Content Placeholder 15"/>
-          <p:cNvPicPr>
-            <a:picLocks noGrp="1" noChangeAspect="1"/>
-          </p:cNvPicPr>
+      <p:sp>
+        <p:nvSpPr>
+          <p:cNvPr id="3" name="Content Placeholder 2"/>
+          <p:cNvSpPr>
+            <a:spLocks noGrp="1"/>
+          </p:cNvSpPr>
           <p:nvPr>
             <p:ph idx="1"/>
           </p:nvPr>
+        </p:nvSpPr>
+        <p:spPr/>
+        <p:txBody>
+          <a:bodyPr/>
+          <a:lstStyle/>
+          <a:p>
+            <a:r>
+              <a:rPr lang="en-US" dirty="0" smtClean="0"/>
+              <a:t> </a:t>
+            </a:r>
+            <a:endParaRPr lang="en-US" dirty="0"/>
+          </a:p>
+        </p:txBody>
+      </p:sp>
+      <p:pic>
+        <p:nvPicPr>
+          <p:cNvPr id="5" name="Picture 4"/>
+          <p:cNvPicPr>
+            <a:picLocks noChangeAspect="1"/>
+          </p:cNvPicPr>
+          <p:nvPr/>
         </p:nvPicPr>
         <p:blipFill>
           <a:blip r:embed="rId2"/>
@@ -16722,8 +16637,8 @@
         </p:blipFill>
         <p:spPr>
           <a:xfrm>
-            <a:off x="1155700" y="2536942"/>
-            <a:ext cx="9725660" cy="3248550"/>
+            <a:off x="950595" y="2376001"/>
+            <a:ext cx="9925050" cy="3409950"/>
           </a:xfrm>
           <a:prstGeom prst="rect">
             <a:avLst/>
@@ -16849,14 +16764,23 @@
           <a:lstStyle/>
           <a:p>
             <a:r>
+              <a:rPr lang="sr-Latn-RS" dirty="0"/>
+              <a:t>Manuelno izvršavanje testova - bez korišćenja automatizovanih </a:t>
+            </a:r>
+            <a:r>
               <a:rPr lang="sr-Latn-RS" dirty="0" smtClean="0"/>
-              <a:t>Tester se ponaša kao krajnji korisnik</a:t>
-            </a:r>
+              <a:t>alata</a:t>
+            </a:r>
+            <a:endParaRPr lang="en-US" dirty="0" smtClean="0"/>
           </a:p>
           <a:p>
             <a:r>
               <a:rPr lang="sr-Latn-RS" dirty="0" smtClean="0"/>
-              <a:t>Manuelno izvršavanje testova - bez korišćenja automatizovanih alata</a:t>
+              <a:t>Tester </a:t>
+            </a:r>
+            <a:r>
+              <a:rPr lang="sr-Latn-RS" dirty="0" smtClean="0"/>
+              <a:t>se ponaša kao krajnji korisnik</a:t>
             </a:r>
           </a:p>
           <a:p>
@@ -18318,7 +18242,7 @@
       </p:pic>
       <p:pic>
         <p:nvPicPr>
-          <p:cNvPr id="7" name="Picture 6"/>
+          <p:cNvPr id="8" name="Picture 7"/>
           <p:cNvPicPr>
             <a:picLocks noChangeAspect="1"/>
           </p:cNvPicPr>
@@ -18326,30 +18250,6 @@
         </p:nvPicPr>
         <p:blipFill>
           <a:blip r:embed="rId6"/>
-          <a:stretch>
-            <a:fillRect/>
-          </a:stretch>
-        </p:blipFill>
-        <p:spPr>
-          <a:xfrm>
-            <a:off x="9120697" y="2677582"/>
-            <a:ext cx="3071303" cy="1552792"/>
-          </a:xfrm>
-          <a:prstGeom prst="rect">
-            <a:avLst/>
-          </a:prstGeom>
-        </p:spPr>
-      </p:pic>
-      <p:pic>
-        <p:nvPicPr>
-          <p:cNvPr id="8" name="Picture 7"/>
-          <p:cNvPicPr>
-            <a:picLocks noChangeAspect="1"/>
-          </p:cNvPicPr>
-          <p:nvPr/>
-        </p:nvPicPr>
-        <p:blipFill>
-          <a:blip r:embed="rId7"/>
           <a:stretch>
             <a:fillRect/>
           </a:stretch>
@@ -18373,7 +18273,7 @@
           <p:nvPr/>
         </p:nvPicPr>
         <p:blipFill>
-          <a:blip r:embed="rId8"/>
+          <a:blip r:embed="rId7"/>
           <a:stretch>
             <a:fillRect/>
           </a:stretch>
@@ -18397,7 +18297,7 @@
           <p:nvPr/>
         </p:nvPicPr>
         <p:blipFill>
-          <a:blip r:embed="rId9"/>
+          <a:blip r:embed="rId8"/>
           <a:stretch>
             <a:fillRect/>
           </a:stretch>
@@ -18421,7 +18321,7 @@
           <p:nvPr/>
         </p:nvPicPr>
         <p:blipFill>
-          <a:blip r:embed="rId10">
+          <a:blip r:embed="rId9">
             <a:extLst>
               <a:ext uri="{28A0092B-C50C-407E-A947-70E740481C1C}">
                 <a14:useLocalDpi xmlns:a14="http://schemas.microsoft.com/office/drawing/2010/main" val="0"/>
@@ -18451,7 +18351,7 @@
           <p:nvPr/>
         </p:nvPicPr>
         <p:blipFill>
-          <a:blip r:embed="rId11">
+          <a:blip r:embed="rId10">
             <a:extLst>
               <a:ext uri="{28A0092B-C50C-407E-A947-70E740481C1C}">
                 <a14:useLocalDpi xmlns:a14="http://schemas.microsoft.com/office/drawing/2010/main" val="0"/>
@@ -18467,6 +18367,47 @@
           <a:xfrm>
             <a:off x="511885" y="4619296"/>
             <a:ext cx="3946814" cy="1076942"/>
+          </a:xfrm>
+          <a:prstGeom prst="rect">
+            <a:avLst/>
+          </a:prstGeom>
+          <a:noFill/>
+          <a:extLst>
+            <a:ext uri="{909E8E84-426E-40DD-AFC4-6F175D3DCCD1}">
+              <a14:hiddenFill xmlns:a14="http://schemas.microsoft.com/office/drawing/2010/main">
+                <a:solidFill>
+                  <a:srgbClr val="FFFFFF"/>
+                </a:solidFill>
+              </a14:hiddenFill>
+            </a:ext>
+          </a:extLst>
+        </p:spPr>
+      </p:pic>
+      <p:pic>
+        <p:nvPicPr>
+          <p:cNvPr id="1026" name="Picture 2" descr="QUnit (@qunitjs) | Twitter"/>
+          <p:cNvPicPr>
+            <a:picLocks noChangeAspect="1" noChangeArrowheads="1"/>
+          </p:cNvPicPr>
+          <p:nvPr/>
+        </p:nvPicPr>
+        <p:blipFill>
+          <a:blip r:embed="rId11" cstate="print">
+            <a:extLst>
+              <a:ext uri="{28A0092B-C50C-407E-A947-70E740481C1C}">
+                <a14:useLocalDpi xmlns:a14="http://schemas.microsoft.com/office/drawing/2010/main" val="0"/>
+              </a:ext>
+            </a:extLst>
+          </a:blip>
+          <a:srcRect/>
+          <a:stretch>
+            <a:fillRect/>
+          </a:stretch>
+        </p:blipFill>
+        <p:spPr bwMode="auto">
+          <a:xfrm>
+            <a:off x="9845519" y="2677540"/>
+            <a:ext cx="1428286" cy="1428286"/>
           </a:xfrm>
           <a:prstGeom prst="rect">
             <a:avLst/>
